--- a/Presentation/Final Oral Presentation.pptx
+++ b/Presentation/Final Oral Presentation.pptx
@@ -5,7 +5,7 @@
     <p:sldMasterId id="2147483648" r:id="rId1"/>
   </p:sldMasterIdLst>
   <p:notesMasterIdLst>
-    <p:notesMasterId r:id="rId12"/>
+    <p:notesMasterId r:id="rId22"/>
   </p:notesMasterIdLst>
   <p:sldIdLst>
     <p:sldId id="256" r:id="rId2"/>
@@ -18,6 +18,16 @@
     <p:sldId id="263" r:id="rId9"/>
     <p:sldId id="264" r:id="rId10"/>
     <p:sldId id="265" r:id="rId11"/>
+    <p:sldId id="266" r:id="rId12"/>
+    <p:sldId id="267" r:id="rId13"/>
+    <p:sldId id="268" r:id="rId14"/>
+    <p:sldId id="269" r:id="rId15"/>
+    <p:sldId id="270" r:id="rId16"/>
+    <p:sldId id="271" r:id="rId17"/>
+    <p:sldId id="272" r:id="rId18"/>
+    <p:sldId id="273" r:id="rId19"/>
+    <p:sldId id="274" r:id="rId20"/>
+    <p:sldId id="275" r:id="rId21"/>
   </p:sldIdLst>
   <p:sldSz cx="12192000" cy="6858000"/>
   <p:notesSz cx="6858000" cy="9144000"/>
@@ -117,6 +127,9 @@
     </a:lvl9pPr>
   </p:defaultTextStyle>
   <p:extLst>
+    <p:ext uri="{EFAFB233-063F-42B5-8137-9DF3F51BA10A}">
+      <p15:sldGuideLst xmlns:p15="http://schemas.microsoft.com/office/powerpoint/2012/main"/>
+    </p:ext>
     <p:ext uri="{2D200454-40CA-4A62-9FC3-DE9A4176ACB9}">
       <p15:notesGuideLst xmlns:p15="http://schemas.microsoft.com/office/powerpoint/2012/main">
         <p15:guide id="1" orient="horz" pos="2880" userDrawn="1">
@@ -217,7 +230,7 @@
           <a:p>
             <a:fld id="{92C649C7-C039-45D5-907F-E555A9769906}" type="datetimeFigureOut">
               <a:rPr lang="en-US" smtClean="0"/>
-              <a:t>4/17/2015</a:t>
+              <a:t>4/18/2015</a:t>
             </a:fld>
             <a:endParaRPr lang="en-US"/>
           </a:p>
@@ -569,6 +582,736 @@
 </p:notes>
 </file>
 
+<file path=ppt/notesSlides/notesSlide10.xml><?xml version="1.0" encoding="utf-8"?>
+<p:notes xmlns:a="http://schemas.openxmlformats.org/drawingml/2006/main" xmlns:r="http://schemas.openxmlformats.org/officeDocument/2006/relationships" xmlns:p="http://schemas.openxmlformats.org/presentationml/2006/main">
+  <p:cSld>
+    <p:spTree>
+      <p:nvGrpSpPr>
+        <p:cNvPr id="1" name=""/>
+        <p:cNvGrpSpPr/>
+        <p:nvPr/>
+      </p:nvGrpSpPr>
+      <p:grpSpPr>
+        <a:xfrm>
+          <a:off x="0" y="0"/>
+          <a:ext cx="0" cy="0"/>
+          <a:chOff x="0" y="0"/>
+          <a:chExt cx="0" cy="0"/>
+        </a:xfrm>
+      </p:grpSpPr>
+      <p:sp>
+        <p:nvSpPr>
+          <p:cNvPr id="2" name="Slide Image Placeholder 1"/>
+          <p:cNvSpPr>
+            <a:spLocks noGrp="1" noRot="1" noChangeAspect="1"/>
+          </p:cNvSpPr>
+          <p:nvPr>
+            <p:ph type="sldImg"/>
+          </p:nvPr>
+        </p:nvSpPr>
+        <p:spPr/>
+      </p:sp>
+      <p:sp>
+        <p:nvSpPr>
+          <p:cNvPr id="3" name="Notes Placeholder 2"/>
+          <p:cNvSpPr>
+            <a:spLocks noGrp="1"/>
+          </p:cNvSpPr>
+          <p:nvPr>
+            <p:ph type="body" idx="1"/>
+          </p:nvPr>
+        </p:nvSpPr>
+        <p:spPr/>
+        <p:txBody>
+          <a:bodyPr/>
+          <a:lstStyle/>
+          <a:p>
+            <a:r>
+              <a:rPr lang="en-US" sz="1200" i="0" kern="1200" dirty="0" smtClean="0">
+                <a:solidFill>
+                  <a:schemeClr val="tx1"/>
+                </a:solidFill>
+                <a:effectLst/>
+                <a:latin typeface="+mn-lt"/>
+                <a:ea typeface="+mn-ea"/>
+                <a:cs typeface="+mn-cs"/>
+              </a:rPr>
+              <a:t>The block shown is the TPR block we used in </a:t>
+            </a:r>
+            <a:r>
+              <a:rPr lang="en-US" sz="1200" i="0" kern="1200" dirty="0" err="1" smtClean="0">
+                <a:solidFill>
+                  <a:schemeClr val="tx1"/>
+                </a:solidFill>
+                <a:effectLst/>
+                <a:latin typeface="+mn-lt"/>
+                <a:ea typeface="+mn-ea"/>
+                <a:cs typeface="+mn-cs"/>
+              </a:rPr>
+              <a:t>GNURadio</a:t>
+            </a:r>
+            <a:r>
+              <a:rPr lang="en-US" sz="1200" i="0" kern="1200" dirty="0" smtClean="0">
+                <a:solidFill>
+                  <a:schemeClr val="tx1"/>
+                </a:solidFill>
+                <a:effectLst/>
+                <a:latin typeface="+mn-lt"/>
+                <a:ea typeface="+mn-ea"/>
+                <a:cs typeface="+mn-cs"/>
+              </a:rPr>
+              <a:t>. This combines</a:t>
+            </a:r>
+            <a:br>
+              <a:rPr lang="en-US" sz="1200" i="0" kern="1200" dirty="0" smtClean="0">
+                <a:solidFill>
+                  <a:schemeClr val="tx1"/>
+                </a:solidFill>
+                <a:effectLst/>
+                <a:latin typeface="+mn-lt"/>
+                <a:ea typeface="+mn-ea"/>
+                <a:cs typeface="+mn-cs"/>
+              </a:rPr>
+            </a:br>
+            <a:r>
+              <a:rPr lang="en-US" sz="1200" i="0" kern="1200" dirty="0" smtClean="0">
+                <a:solidFill>
+                  <a:schemeClr val="tx1"/>
+                </a:solidFill>
+                <a:effectLst/>
+                <a:latin typeface="+mn-lt"/>
+                <a:ea typeface="+mn-ea"/>
+                <a:cs typeface="+mn-cs"/>
+              </a:rPr>
+              <a:t>the total power measurement and integration and low-pass filter into one</a:t>
+            </a:r>
+            <a:br>
+              <a:rPr lang="en-US" sz="1200" i="0" kern="1200" dirty="0" smtClean="0">
+                <a:solidFill>
+                  <a:schemeClr val="tx1"/>
+                </a:solidFill>
+                <a:effectLst/>
+                <a:latin typeface="+mn-lt"/>
+                <a:ea typeface="+mn-ea"/>
+                <a:cs typeface="+mn-cs"/>
+              </a:rPr>
+            </a:br>
+            <a:r>
+              <a:rPr lang="en-US" sz="1200" i="0" kern="1200" dirty="0" smtClean="0">
+                <a:solidFill>
+                  <a:schemeClr val="tx1"/>
+                </a:solidFill>
+                <a:effectLst/>
+                <a:latin typeface="+mn-lt"/>
+                <a:ea typeface="+mn-ea"/>
+                <a:cs typeface="+mn-cs"/>
+              </a:rPr>
+              <a:t>block that we can call in other programs.</a:t>
+            </a:r>
+            <a:endParaRPr lang="en-US" dirty="0"/>
+          </a:p>
+        </p:txBody>
+      </p:sp>
+      <p:sp>
+        <p:nvSpPr>
+          <p:cNvPr id="4" name="Slide Number Placeholder 3"/>
+          <p:cNvSpPr>
+            <a:spLocks noGrp="1"/>
+          </p:cNvSpPr>
+          <p:nvPr>
+            <p:ph type="sldNum" sz="quarter" idx="10"/>
+          </p:nvPr>
+        </p:nvSpPr>
+        <p:spPr/>
+        <p:txBody>
+          <a:bodyPr/>
+          <a:lstStyle/>
+          <a:p>
+            <a:fld id="{F6B4E5CE-D376-4E0B-A81B-2825CA1B6127}" type="slidenum">
+              <a:rPr lang="en-US" smtClean="0"/>
+              <a:t>15</a:t>
+            </a:fld>
+            <a:endParaRPr lang="en-US"/>
+          </a:p>
+        </p:txBody>
+      </p:sp>
+    </p:spTree>
+    <p:extLst>
+      <p:ext uri="{BB962C8B-B14F-4D97-AF65-F5344CB8AC3E}">
+        <p14:creationId xmlns:p14="http://schemas.microsoft.com/office/powerpoint/2010/main" val="580302162"/>
+      </p:ext>
+    </p:extLst>
+  </p:cSld>
+  <p:clrMapOvr>
+    <a:masterClrMapping/>
+  </p:clrMapOvr>
+</p:notes>
+</file>
+
+<file path=ppt/notesSlides/notesSlide11.xml><?xml version="1.0" encoding="utf-8"?>
+<p:notes xmlns:a="http://schemas.openxmlformats.org/drawingml/2006/main" xmlns:r="http://schemas.openxmlformats.org/officeDocument/2006/relationships" xmlns:p="http://schemas.openxmlformats.org/presentationml/2006/main">
+  <p:cSld>
+    <p:spTree>
+      <p:nvGrpSpPr>
+        <p:cNvPr id="1" name=""/>
+        <p:cNvGrpSpPr/>
+        <p:nvPr/>
+      </p:nvGrpSpPr>
+      <p:grpSpPr>
+        <a:xfrm>
+          <a:off x="0" y="0"/>
+          <a:ext cx="0" cy="0"/>
+          <a:chOff x="0" y="0"/>
+          <a:chExt cx="0" cy="0"/>
+        </a:xfrm>
+      </p:grpSpPr>
+      <p:sp>
+        <p:nvSpPr>
+          <p:cNvPr id="2" name="Slide Image Placeholder 1"/>
+          <p:cNvSpPr>
+            <a:spLocks noGrp="1" noRot="1" noChangeAspect="1"/>
+          </p:cNvSpPr>
+          <p:nvPr>
+            <p:ph type="sldImg"/>
+          </p:nvPr>
+        </p:nvSpPr>
+        <p:spPr/>
+      </p:sp>
+      <p:sp>
+        <p:nvSpPr>
+          <p:cNvPr id="3" name="Notes Placeholder 2"/>
+          <p:cNvSpPr>
+            <a:spLocks noGrp="1"/>
+          </p:cNvSpPr>
+          <p:nvPr>
+            <p:ph type="body" idx="1"/>
+          </p:nvPr>
+        </p:nvSpPr>
+        <p:spPr/>
+        <p:txBody>
+          <a:bodyPr/>
+          <a:lstStyle/>
+          <a:p>
+            <a:r>
+              <a:rPr lang="en-US" sz="1200" i="0" kern="1200" dirty="0" smtClean="0">
+                <a:solidFill>
+                  <a:schemeClr val="tx1"/>
+                </a:solidFill>
+                <a:effectLst/>
+                <a:latin typeface="+mn-lt"/>
+                <a:ea typeface="+mn-ea"/>
+                <a:cs typeface="+mn-cs"/>
+              </a:rPr>
+              <a:t>SDRs can filter in two ways. First, by limiting the sampling rate we</a:t>
+            </a:r>
+            <a:br>
+              <a:rPr lang="en-US" sz="1200" i="0" kern="1200" dirty="0" smtClean="0">
+                <a:solidFill>
+                  <a:schemeClr val="tx1"/>
+                </a:solidFill>
+                <a:effectLst/>
+                <a:latin typeface="+mn-lt"/>
+                <a:ea typeface="+mn-ea"/>
+                <a:cs typeface="+mn-cs"/>
+              </a:rPr>
+            </a:br>
+            <a:r>
+              <a:rPr lang="en-US" sz="1200" i="0" kern="1200" dirty="0" smtClean="0">
+                <a:solidFill>
+                  <a:schemeClr val="tx1"/>
+                </a:solidFill>
+                <a:effectLst/>
+                <a:latin typeface="+mn-lt"/>
+                <a:ea typeface="+mn-ea"/>
+                <a:cs typeface="+mn-cs"/>
+              </a:rPr>
+              <a:t>effectively put a bandwidth filter on the system. Two, we can also filter</a:t>
+            </a:r>
+            <a:br>
+              <a:rPr lang="en-US" sz="1200" i="0" kern="1200" dirty="0" smtClean="0">
+                <a:solidFill>
+                  <a:schemeClr val="tx1"/>
+                </a:solidFill>
+                <a:effectLst/>
+                <a:latin typeface="+mn-lt"/>
+                <a:ea typeface="+mn-ea"/>
+                <a:cs typeface="+mn-cs"/>
+              </a:rPr>
+            </a:br>
+            <a:r>
+              <a:rPr lang="en-US" sz="1200" i="0" kern="1200" dirty="0" smtClean="0">
+                <a:solidFill>
+                  <a:schemeClr val="tx1"/>
+                </a:solidFill>
+                <a:effectLst/>
+                <a:latin typeface="+mn-lt"/>
+                <a:ea typeface="+mn-ea"/>
+                <a:cs typeface="+mn-cs"/>
+              </a:rPr>
+              <a:t>by constructing a filter in software, although there is some cost with this</a:t>
+            </a:r>
+            <a:br>
+              <a:rPr lang="en-US" sz="1200" i="0" kern="1200" dirty="0" smtClean="0">
+                <a:solidFill>
+                  <a:schemeClr val="tx1"/>
+                </a:solidFill>
+                <a:effectLst/>
+                <a:latin typeface="+mn-lt"/>
+                <a:ea typeface="+mn-ea"/>
+                <a:cs typeface="+mn-cs"/>
+              </a:rPr>
+            </a:br>
+            <a:r>
+              <a:rPr lang="en-US" sz="1200" i="0" kern="1200" dirty="0" smtClean="0">
+                <a:solidFill>
+                  <a:schemeClr val="tx1"/>
+                </a:solidFill>
+                <a:effectLst/>
+                <a:latin typeface="+mn-lt"/>
+                <a:ea typeface="+mn-ea"/>
+                <a:cs typeface="+mn-cs"/>
+              </a:rPr>
+              <a:t>option in terms of CPU and memory requirements on the system</a:t>
+            </a:r>
+            <a:endParaRPr lang="en-US" dirty="0"/>
+          </a:p>
+        </p:txBody>
+      </p:sp>
+      <p:sp>
+        <p:nvSpPr>
+          <p:cNvPr id="4" name="Slide Number Placeholder 3"/>
+          <p:cNvSpPr>
+            <a:spLocks noGrp="1"/>
+          </p:cNvSpPr>
+          <p:nvPr>
+            <p:ph type="sldNum" sz="quarter" idx="10"/>
+          </p:nvPr>
+        </p:nvSpPr>
+        <p:spPr/>
+        <p:txBody>
+          <a:bodyPr/>
+          <a:lstStyle/>
+          <a:p>
+            <a:fld id="{F6B4E5CE-D376-4E0B-A81B-2825CA1B6127}" type="slidenum">
+              <a:rPr lang="en-US" smtClean="0"/>
+              <a:t>16</a:t>
+            </a:fld>
+            <a:endParaRPr lang="en-US"/>
+          </a:p>
+        </p:txBody>
+      </p:sp>
+    </p:spTree>
+    <p:extLst>
+      <p:ext uri="{BB962C8B-B14F-4D97-AF65-F5344CB8AC3E}">
+        <p14:creationId xmlns:p14="http://schemas.microsoft.com/office/powerpoint/2010/main" val="1417734133"/>
+      </p:ext>
+    </p:extLst>
+  </p:cSld>
+  <p:clrMapOvr>
+    <a:masterClrMapping/>
+  </p:clrMapOvr>
+</p:notes>
+</file>
+
+<file path=ppt/notesSlides/notesSlide12.xml><?xml version="1.0" encoding="utf-8"?>
+<p:notes xmlns:a="http://schemas.openxmlformats.org/drawingml/2006/main" xmlns:r="http://schemas.openxmlformats.org/officeDocument/2006/relationships" xmlns:p="http://schemas.openxmlformats.org/presentationml/2006/main">
+  <p:cSld>
+    <p:spTree>
+      <p:nvGrpSpPr>
+        <p:cNvPr id="1" name=""/>
+        <p:cNvGrpSpPr/>
+        <p:nvPr/>
+      </p:nvGrpSpPr>
+      <p:grpSpPr>
+        <a:xfrm>
+          <a:off x="0" y="0"/>
+          <a:ext cx="0" cy="0"/>
+          <a:chOff x="0" y="0"/>
+          <a:chExt cx="0" cy="0"/>
+        </a:xfrm>
+      </p:grpSpPr>
+      <p:sp>
+        <p:nvSpPr>
+          <p:cNvPr id="2" name="Slide Image Placeholder 1"/>
+          <p:cNvSpPr>
+            <a:spLocks noGrp="1" noRot="1" noChangeAspect="1"/>
+          </p:cNvSpPr>
+          <p:nvPr>
+            <p:ph type="sldImg"/>
+          </p:nvPr>
+        </p:nvSpPr>
+        <p:spPr/>
+      </p:sp>
+      <p:sp>
+        <p:nvSpPr>
+          <p:cNvPr id="3" name="Notes Placeholder 2"/>
+          <p:cNvSpPr>
+            <a:spLocks noGrp="1"/>
+          </p:cNvSpPr>
+          <p:nvPr>
+            <p:ph type="body" idx="1"/>
+          </p:nvPr>
+        </p:nvSpPr>
+        <p:spPr/>
+        <p:txBody>
+          <a:bodyPr/>
+          <a:lstStyle/>
+          <a:p>
+            <a:r>
+              <a:rPr lang="en-US" sz="1200" i="0" kern="1200" dirty="0" smtClean="0">
+                <a:solidFill>
+                  <a:schemeClr val="tx1"/>
+                </a:solidFill>
+                <a:effectLst/>
+                <a:latin typeface="+mn-lt"/>
+                <a:ea typeface="+mn-ea"/>
+                <a:cs typeface="+mn-cs"/>
+              </a:rPr>
+              <a:t>SDRs give us a lot more information to work with. At the core of a</a:t>
+            </a:r>
+            <a:br>
+              <a:rPr lang="en-US" sz="1200" i="0" kern="1200" dirty="0" smtClean="0">
+                <a:solidFill>
+                  <a:schemeClr val="tx1"/>
+                </a:solidFill>
+                <a:effectLst/>
+                <a:latin typeface="+mn-lt"/>
+                <a:ea typeface="+mn-ea"/>
+                <a:cs typeface="+mn-cs"/>
+              </a:rPr>
+            </a:br>
+            <a:r>
+              <a:rPr lang="en-US" sz="1200" i="0" kern="1200" dirty="0" smtClean="0">
+                <a:solidFill>
+                  <a:schemeClr val="tx1"/>
+                </a:solidFill>
+                <a:effectLst/>
+                <a:latin typeface="+mn-lt"/>
+                <a:ea typeface="+mn-ea"/>
+                <a:cs typeface="+mn-cs"/>
+              </a:rPr>
+              <a:t>radiometer, this information is not needed which is why it was often</a:t>
+            </a:r>
+            <a:br>
+              <a:rPr lang="en-US" sz="1200" i="0" kern="1200" dirty="0" smtClean="0">
+                <a:solidFill>
+                  <a:schemeClr val="tx1"/>
+                </a:solidFill>
+                <a:effectLst/>
+                <a:latin typeface="+mn-lt"/>
+                <a:ea typeface="+mn-ea"/>
+                <a:cs typeface="+mn-cs"/>
+              </a:rPr>
+            </a:br>
+            <a:r>
+              <a:rPr lang="en-US" sz="1200" i="0" kern="1200" dirty="0" smtClean="0">
+                <a:solidFill>
+                  <a:schemeClr val="tx1"/>
+                </a:solidFill>
+                <a:effectLst/>
+                <a:latin typeface="+mn-lt"/>
+                <a:ea typeface="+mn-ea"/>
+                <a:cs typeface="+mn-cs"/>
+              </a:rPr>
+              <a:t>discarded. However, several papers have now been written that bring to</a:t>
+            </a:r>
+            <a:br>
+              <a:rPr lang="en-US" sz="1200" i="0" kern="1200" dirty="0" smtClean="0">
+                <a:solidFill>
+                  <a:schemeClr val="tx1"/>
+                </a:solidFill>
+                <a:effectLst/>
+                <a:latin typeface="+mn-lt"/>
+                <a:ea typeface="+mn-ea"/>
+                <a:cs typeface="+mn-cs"/>
+              </a:rPr>
+            </a:br>
+            <a:r>
+              <a:rPr lang="en-US" sz="1200" i="0" kern="1200" dirty="0" smtClean="0">
+                <a:solidFill>
+                  <a:schemeClr val="tx1"/>
+                </a:solidFill>
+                <a:effectLst/>
+                <a:latin typeface="+mn-lt"/>
+                <a:ea typeface="+mn-ea"/>
+                <a:cs typeface="+mn-cs"/>
+              </a:rPr>
+              <a:t>light the need for additional information in order to deal with known</a:t>
+            </a:r>
+            <a:br>
+              <a:rPr lang="en-US" sz="1200" i="0" kern="1200" dirty="0" smtClean="0">
+                <a:solidFill>
+                  <a:schemeClr val="tx1"/>
+                </a:solidFill>
+                <a:effectLst/>
+                <a:latin typeface="+mn-lt"/>
+                <a:ea typeface="+mn-ea"/>
+                <a:cs typeface="+mn-cs"/>
+              </a:rPr>
+            </a:br>
+            <a:r>
+              <a:rPr lang="en-US" sz="1200" i="0" kern="1200" dirty="0" smtClean="0">
+                <a:solidFill>
+                  <a:schemeClr val="tx1"/>
+                </a:solidFill>
+                <a:effectLst/>
+                <a:latin typeface="+mn-lt"/>
+                <a:ea typeface="+mn-ea"/>
+                <a:cs typeface="+mn-cs"/>
+              </a:rPr>
+              <a:t>issues with radiometers such as interference or new methods for</a:t>
+            </a:r>
+            <a:br>
+              <a:rPr lang="en-US" sz="1200" i="0" kern="1200" dirty="0" smtClean="0">
+                <a:solidFill>
+                  <a:schemeClr val="tx1"/>
+                </a:solidFill>
+                <a:effectLst/>
+                <a:latin typeface="+mn-lt"/>
+                <a:ea typeface="+mn-ea"/>
+                <a:cs typeface="+mn-cs"/>
+              </a:rPr>
+            </a:br>
+            <a:r>
+              <a:rPr lang="en-US" sz="1200" i="0" kern="1200" dirty="0" smtClean="0">
+                <a:solidFill>
+                  <a:schemeClr val="tx1"/>
+                </a:solidFill>
+                <a:effectLst/>
+                <a:latin typeface="+mn-lt"/>
+                <a:ea typeface="+mn-ea"/>
+                <a:cs typeface="+mn-cs"/>
+              </a:rPr>
+              <a:t>determining total power such as the Stokes method. A key thing with a</a:t>
+            </a:r>
+            <a:br>
+              <a:rPr lang="en-US" sz="1200" i="0" kern="1200" dirty="0" smtClean="0">
+                <a:solidFill>
+                  <a:schemeClr val="tx1"/>
+                </a:solidFill>
+                <a:effectLst/>
+                <a:latin typeface="+mn-lt"/>
+                <a:ea typeface="+mn-ea"/>
+                <a:cs typeface="+mn-cs"/>
+              </a:rPr>
+            </a:br>
+            <a:r>
+              <a:rPr lang="en-US" sz="1200" i="0" kern="1200" dirty="0" smtClean="0">
+                <a:solidFill>
+                  <a:schemeClr val="tx1"/>
+                </a:solidFill>
+                <a:effectLst/>
+                <a:latin typeface="+mn-lt"/>
+                <a:ea typeface="+mn-ea"/>
+                <a:cs typeface="+mn-cs"/>
+              </a:rPr>
+              <a:t>SDR radiometer is that in many ways it flexible enough to handle any</a:t>
+            </a:r>
+            <a:br>
+              <a:rPr lang="en-US" sz="1200" i="0" kern="1200" dirty="0" smtClean="0">
+                <a:solidFill>
+                  <a:schemeClr val="tx1"/>
+                </a:solidFill>
+                <a:effectLst/>
+                <a:latin typeface="+mn-lt"/>
+                <a:ea typeface="+mn-ea"/>
+                <a:cs typeface="+mn-cs"/>
+              </a:rPr>
+            </a:br>
+            <a:r>
+              <a:rPr lang="en-US" sz="1200" i="0" kern="1200" dirty="0" smtClean="0">
+                <a:solidFill>
+                  <a:schemeClr val="tx1"/>
+                </a:solidFill>
+                <a:effectLst/>
+                <a:latin typeface="+mn-lt"/>
+                <a:ea typeface="+mn-ea"/>
+                <a:cs typeface="+mn-cs"/>
+              </a:rPr>
+              <a:t>future methods with either very little or no change in hardware.</a:t>
+            </a:r>
+            <a:endParaRPr lang="en-US" dirty="0"/>
+          </a:p>
+        </p:txBody>
+      </p:sp>
+      <p:sp>
+        <p:nvSpPr>
+          <p:cNvPr id="4" name="Slide Number Placeholder 3"/>
+          <p:cNvSpPr>
+            <a:spLocks noGrp="1"/>
+          </p:cNvSpPr>
+          <p:nvPr>
+            <p:ph type="sldNum" sz="quarter" idx="10"/>
+          </p:nvPr>
+        </p:nvSpPr>
+        <p:spPr/>
+        <p:txBody>
+          <a:bodyPr/>
+          <a:lstStyle/>
+          <a:p>
+            <a:fld id="{F6B4E5CE-D376-4E0B-A81B-2825CA1B6127}" type="slidenum">
+              <a:rPr lang="en-US" smtClean="0"/>
+              <a:t>17</a:t>
+            </a:fld>
+            <a:endParaRPr lang="en-US"/>
+          </a:p>
+        </p:txBody>
+      </p:sp>
+    </p:spTree>
+    <p:extLst>
+      <p:ext uri="{BB962C8B-B14F-4D97-AF65-F5344CB8AC3E}">
+        <p14:creationId xmlns:p14="http://schemas.microsoft.com/office/powerpoint/2010/main" val="3574725480"/>
+      </p:ext>
+    </p:extLst>
+  </p:cSld>
+  <p:clrMapOvr>
+    <a:masterClrMapping/>
+  </p:clrMapOvr>
+</p:notes>
+</file>
+
+<file path=ppt/notesSlides/notesSlide13.xml><?xml version="1.0" encoding="utf-8"?>
+<p:notes xmlns:a="http://schemas.openxmlformats.org/drawingml/2006/main" xmlns:r="http://schemas.openxmlformats.org/officeDocument/2006/relationships" xmlns:p="http://schemas.openxmlformats.org/presentationml/2006/main">
+  <p:cSld>
+    <p:spTree>
+      <p:nvGrpSpPr>
+        <p:cNvPr id="1" name=""/>
+        <p:cNvGrpSpPr/>
+        <p:nvPr/>
+      </p:nvGrpSpPr>
+      <p:grpSpPr>
+        <a:xfrm>
+          <a:off x="0" y="0"/>
+          <a:ext cx="0" cy="0"/>
+          <a:chOff x="0" y="0"/>
+          <a:chExt cx="0" cy="0"/>
+        </a:xfrm>
+      </p:grpSpPr>
+      <p:sp>
+        <p:nvSpPr>
+          <p:cNvPr id="2" name="Slide Image Placeholder 1"/>
+          <p:cNvSpPr>
+            <a:spLocks noGrp="1" noRot="1" noChangeAspect="1"/>
+          </p:cNvSpPr>
+          <p:nvPr>
+            <p:ph type="sldImg"/>
+          </p:nvPr>
+        </p:nvSpPr>
+        <p:spPr/>
+      </p:sp>
+      <p:sp>
+        <p:nvSpPr>
+          <p:cNvPr id="3" name="Notes Placeholder 2"/>
+          <p:cNvSpPr>
+            <a:spLocks noGrp="1"/>
+          </p:cNvSpPr>
+          <p:nvPr>
+            <p:ph type="body" idx="1"/>
+          </p:nvPr>
+        </p:nvSpPr>
+        <p:spPr/>
+        <p:txBody>
+          <a:bodyPr/>
+          <a:lstStyle/>
+          <a:p>
+            <a:r>
+              <a:rPr lang="en-US" sz="1200" i="0" kern="1200" dirty="0" smtClean="0">
+                <a:solidFill>
+                  <a:schemeClr val="tx1"/>
+                </a:solidFill>
+                <a:effectLst/>
+                <a:latin typeface="+mn-lt"/>
+                <a:ea typeface="+mn-ea"/>
+                <a:cs typeface="+mn-cs"/>
+              </a:rPr>
+              <a:t>Unlike an analog radiometer, the magnitude information is there and a</a:t>
+            </a:r>
+            <a:br>
+              <a:rPr lang="en-US" sz="1200" i="0" kern="1200" dirty="0" smtClean="0">
+                <a:solidFill>
+                  <a:schemeClr val="tx1"/>
+                </a:solidFill>
+                <a:effectLst/>
+                <a:latin typeface="+mn-lt"/>
+                <a:ea typeface="+mn-ea"/>
+                <a:cs typeface="+mn-cs"/>
+              </a:rPr>
+            </a:br>
+            <a:r>
+              <a:rPr lang="en-US" sz="1200" i="0" kern="1200" dirty="0" smtClean="0">
+                <a:solidFill>
+                  <a:schemeClr val="tx1"/>
+                </a:solidFill>
+                <a:effectLst/>
+                <a:latin typeface="+mn-lt"/>
+                <a:ea typeface="+mn-ea"/>
+                <a:cs typeface="+mn-cs"/>
+              </a:rPr>
+              <a:t>simple squaring gives us total power. A square-law detector however has</a:t>
+            </a:r>
+            <a:br>
+              <a:rPr lang="en-US" sz="1200" i="0" kern="1200" dirty="0" smtClean="0">
+                <a:solidFill>
+                  <a:schemeClr val="tx1"/>
+                </a:solidFill>
+                <a:effectLst/>
+                <a:latin typeface="+mn-lt"/>
+                <a:ea typeface="+mn-ea"/>
+                <a:cs typeface="+mn-cs"/>
+              </a:rPr>
+            </a:br>
+            <a:r>
+              <a:rPr lang="en-US" sz="1200" i="0" kern="1200" dirty="0" smtClean="0">
+                <a:solidFill>
+                  <a:schemeClr val="tx1"/>
+                </a:solidFill>
+                <a:effectLst/>
+                <a:latin typeface="+mn-lt"/>
+                <a:ea typeface="+mn-ea"/>
+                <a:cs typeface="+mn-cs"/>
+              </a:rPr>
+              <a:t>to do just that, it detects the power and then extracts that as a voltage.</a:t>
+            </a:r>
+            <a:endParaRPr lang="en-US" dirty="0"/>
+          </a:p>
+        </p:txBody>
+      </p:sp>
+      <p:sp>
+        <p:nvSpPr>
+          <p:cNvPr id="4" name="Slide Number Placeholder 3"/>
+          <p:cNvSpPr>
+            <a:spLocks noGrp="1"/>
+          </p:cNvSpPr>
+          <p:nvPr>
+            <p:ph type="sldNum" sz="quarter" idx="10"/>
+          </p:nvPr>
+        </p:nvSpPr>
+        <p:spPr/>
+        <p:txBody>
+          <a:bodyPr/>
+          <a:lstStyle/>
+          <a:p>
+            <a:fld id="{F6B4E5CE-D376-4E0B-A81B-2825CA1B6127}" type="slidenum">
+              <a:rPr lang="en-US" smtClean="0"/>
+              <a:t>18</a:t>
+            </a:fld>
+            <a:endParaRPr lang="en-US"/>
+          </a:p>
+        </p:txBody>
+      </p:sp>
+    </p:spTree>
+    <p:extLst>
+      <p:ext uri="{BB962C8B-B14F-4D97-AF65-F5344CB8AC3E}">
+        <p14:creationId xmlns:p14="http://schemas.microsoft.com/office/powerpoint/2010/main" val="308888757"/>
+      </p:ext>
+    </p:extLst>
+  </p:cSld>
+  <p:clrMapOvr>
+    <a:masterClrMapping/>
+  </p:clrMapOvr>
+</p:notes>
+</file>
+
 <file path=ppt/notesSlides/notesSlide2.xml><?xml version="1.0" encoding="utf-8"?>
 <p:notes xmlns:a="http://schemas.openxmlformats.org/drawingml/2006/main" xmlns:r="http://schemas.openxmlformats.org/officeDocument/2006/relationships" xmlns:p="http://schemas.openxmlformats.org/presentationml/2006/main">
   <p:cSld>
@@ -1656,7 +2399,7 @@
                 <a:ea typeface="+mn-ea"/>
                 <a:cs typeface="+mn-cs"/>
               </a:rPr>
-              <a:t>The primary goal of a radiometer is to measure power. While that</a:t>
+              <a:t>To measure power we begin with the noise signal coming from the</a:t>
             </a:r>
             <a:br>
               <a:rPr lang="en-US" sz="1200" i="0" kern="1200" dirty="0" smtClean="0">
@@ -1679,7 +2422,7 @@
                 <a:ea typeface="+mn-ea"/>
                 <a:cs typeface="+mn-cs"/>
               </a:rPr>
-              <a:t>statement sounds easy, there are in fact many factors that go in to how</a:t>
+              <a:t>antenna. Our antenna is assumed to be looking at our target of interest</a:t>
             </a:r>
             <a:br>
               <a:rPr lang="en-US" sz="1200" i="0" kern="1200" dirty="0" smtClean="0">
@@ -1702,7 +2445,7 @@
                 <a:ea typeface="+mn-ea"/>
                 <a:cs typeface="+mn-cs"/>
               </a:rPr>
-              <a:t>well a radiometer can measure the power it sees. A better statement</a:t>
+              <a:t>and it is assumed that we can relate the antenna noise to the noise from</a:t>
             </a:r>
             <a:br>
               <a:rPr lang="en-US" sz="1200" i="0" kern="1200" dirty="0" smtClean="0">
@@ -1725,7 +2468,7 @@
                 <a:ea typeface="+mn-ea"/>
                 <a:cs typeface="+mn-cs"/>
               </a:rPr>
-              <a:t>would be that a radiometer’s primary goal is to accurately measure power</a:t>
+              <a:t>the source. It is often easier to refer to this noise as the brightness</a:t>
             </a:r>
             <a:br>
               <a:rPr lang="en-US" sz="1200" i="0" kern="1200" dirty="0" smtClean="0">
@@ -1748,22 +2491,10 @@
                 <a:ea typeface="+mn-ea"/>
                 <a:cs typeface="+mn-cs"/>
               </a:rPr>
-              <a:t>within a certain degree of accuracy. </a:t>
-            </a:r>
-            <a:r>
-              <a:rPr lang="en-US" sz="1200" i="0" kern="1200" smtClean="0">
-                <a:solidFill>
-                  <a:schemeClr val="tx1"/>
-                </a:solidFill>
-                <a:effectLst/>
-                <a:latin typeface="+mn-lt"/>
-                <a:ea typeface="+mn-ea"/>
-                <a:cs typeface="+mn-cs"/>
-              </a:rPr>
-              <a:t>In order to accurately and within a</a:t>
+              <a:t>temperature. Therefore the brightness temperature of the source can be</a:t>
             </a:r>
             <a:br>
-              <a:rPr lang="en-US" sz="1200" i="0" kern="1200" smtClean="0">
+              <a:rPr lang="en-US" sz="1200" i="0" kern="1200" dirty="0" smtClean="0">
                 <a:solidFill>
                   <a:schemeClr val="tx1"/>
                 </a:solidFill>
@@ -1774,19 +2505,19 @@
               </a:rPr>
             </a:br>
             <a:r>
-              <a:rPr lang="en-US" sz="1200" i="0" kern="1200" smtClean="0">
-                <a:solidFill>
-                  <a:schemeClr val="tx1"/>
-                </a:solidFill>
-                <a:effectLst/>
-                <a:latin typeface="+mn-lt"/>
-                <a:ea typeface="+mn-ea"/>
-                <a:cs typeface="+mn-cs"/>
-              </a:rPr>
-              <a:t>high degree of precision measure power, a radiometer must take into</a:t>
+              <a:rPr lang="en-US" sz="1200" i="0" kern="1200" dirty="0" smtClean="0">
+                <a:solidFill>
+                  <a:schemeClr val="tx1"/>
+                </a:solidFill>
+                <a:effectLst/>
+                <a:latin typeface="+mn-lt"/>
+                <a:ea typeface="+mn-ea"/>
+                <a:cs typeface="+mn-cs"/>
+              </a:rPr>
+              <a:t>related to the brightness temperature at the antenna. We will refer to</a:t>
             </a:r>
             <a:br>
-              <a:rPr lang="en-US" sz="1200" i="0" kern="1200" smtClean="0">
+              <a:rPr lang="en-US" sz="1200" i="0" kern="1200" dirty="0" smtClean="0">
                 <a:solidFill>
                   <a:schemeClr val="tx1"/>
                 </a:solidFill>
@@ -1797,41 +2528,30 @@
               </a:rPr>
             </a:br>
             <a:r>
-              <a:rPr lang="en-US" sz="1200" i="0" kern="1200" smtClean="0">
-                <a:solidFill>
-                  <a:schemeClr val="tx1"/>
-                </a:solidFill>
-                <a:effectLst/>
-                <a:latin typeface="+mn-lt"/>
-                <a:ea typeface="+mn-ea"/>
-                <a:cs typeface="+mn-cs"/>
-              </a:rPr>
-              <a:t>account various factors such as the system noise, the bandwidth of the</a:t>
-            </a:r>
-            <a:br>
-              <a:rPr lang="en-US" sz="1200" i="0" kern="1200" smtClean="0">
-                <a:solidFill>
-                  <a:schemeClr val="tx1"/>
-                </a:solidFill>
-                <a:effectLst/>
-                <a:latin typeface="+mn-lt"/>
-                <a:ea typeface="+mn-ea"/>
-                <a:cs typeface="+mn-cs"/>
-              </a:rPr>
-            </a:br>
-            <a:r>
-              <a:rPr lang="en-US" sz="1200" i="0" kern="1200" smtClean="0">
-                <a:solidFill>
-                  <a:schemeClr val="tx1"/>
-                </a:solidFill>
-                <a:effectLst/>
-                <a:latin typeface="+mn-lt"/>
-                <a:ea typeface="+mn-ea"/>
-                <a:cs typeface="+mn-cs"/>
-              </a:rPr>
-              <a:t>signal and the stability of the system as a whole.</a:t>
-            </a:r>
-            <a:endParaRPr lang="en-US"/>
+              <a:rPr lang="en-US" sz="1200" i="0" kern="1200" dirty="0" smtClean="0">
+                <a:solidFill>
+                  <a:schemeClr val="tx1"/>
+                </a:solidFill>
+                <a:effectLst/>
+                <a:latin typeface="+mn-lt"/>
+                <a:ea typeface="+mn-ea"/>
+                <a:cs typeface="+mn-cs"/>
+              </a:rPr>
+              <a:t>this brightness temperature as T</a:t>
+            </a:r>
+            <a:r>
+              <a:rPr lang="en-US" sz="1200" i="1" kern="1200" dirty="0" smtClean="0">
+                <a:solidFill>
+                  <a:schemeClr val="tx1"/>
+                </a:solidFill>
+                <a:effectLst/>
+                <a:latin typeface="+mn-lt"/>
+                <a:ea typeface="+mn-ea"/>
+                <a:cs typeface="+mn-cs"/>
+              </a:rPr>
+              <a:t>A</a:t>
+            </a:r>
+            <a:endParaRPr lang="en-US" dirty="0"/>
           </a:p>
         </p:txBody>
       </p:sp>
@@ -1862,6 +2582,478 @@
     <p:extLst>
       <p:ext uri="{BB962C8B-B14F-4D97-AF65-F5344CB8AC3E}">
         <p14:creationId xmlns:p14="http://schemas.microsoft.com/office/powerpoint/2010/main" val="118708574"/>
+      </p:ext>
+    </p:extLst>
+  </p:cSld>
+  <p:clrMapOvr>
+    <a:masterClrMapping/>
+  </p:clrMapOvr>
+</p:notes>
+</file>
+
+<file path=ppt/notesSlides/notesSlide7.xml><?xml version="1.0" encoding="utf-8"?>
+<p:notes xmlns:a="http://schemas.openxmlformats.org/drawingml/2006/main" xmlns:r="http://schemas.openxmlformats.org/officeDocument/2006/relationships" xmlns:p="http://schemas.openxmlformats.org/presentationml/2006/main">
+  <p:cSld>
+    <p:spTree>
+      <p:nvGrpSpPr>
+        <p:cNvPr id="1" name=""/>
+        <p:cNvGrpSpPr/>
+        <p:nvPr/>
+      </p:nvGrpSpPr>
+      <p:grpSpPr>
+        <a:xfrm>
+          <a:off x="0" y="0"/>
+          <a:ext cx="0" cy="0"/>
+          <a:chOff x="0" y="0"/>
+          <a:chExt cx="0" cy="0"/>
+        </a:xfrm>
+      </p:grpSpPr>
+      <p:sp>
+        <p:nvSpPr>
+          <p:cNvPr id="2" name="Slide Image Placeholder 1"/>
+          <p:cNvSpPr>
+            <a:spLocks noGrp="1" noRot="1" noChangeAspect="1"/>
+          </p:cNvSpPr>
+          <p:nvPr>
+            <p:ph type="sldImg"/>
+          </p:nvPr>
+        </p:nvSpPr>
+        <p:spPr/>
+      </p:sp>
+      <p:sp>
+        <p:nvSpPr>
+          <p:cNvPr id="3" name="Notes Placeholder 2"/>
+          <p:cNvSpPr>
+            <a:spLocks noGrp="1"/>
+          </p:cNvSpPr>
+          <p:nvPr>
+            <p:ph type="body" idx="1"/>
+          </p:nvPr>
+        </p:nvSpPr>
+        <p:spPr/>
+        <p:txBody>
+          <a:bodyPr/>
+          <a:lstStyle/>
+          <a:p>
+            <a:r>
+              <a:rPr lang="en-US" sz="1200" i="0" kern="1200" dirty="0" smtClean="0">
+                <a:solidFill>
+                  <a:schemeClr val="tx1"/>
+                </a:solidFill>
+                <a:effectLst/>
+                <a:latin typeface="+mn-lt"/>
+                <a:ea typeface="+mn-ea"/>
+                <a:cs typeface="+mn-cs"/>
+              </a:rPr>
+              <a:t>The antenna itself also adds noise. Our greatest contributor to noise is</a:t>
+            </a:r>
+            <a:br>
+              <a:rPr lang="en-US" sz="1200" i="0" kern="1200" dirty="0" smtClean="0">
+                <a:solidFill>
+                  <a:schemeClr val="tx1"/>
+                </a:solidFill>
+                <a:effectLst/>
+                <a:latin typeface="+mn-lt"/>
+                <a:ea typeface="+mn-ea"/>
+                <a:cs typeface="+mn-cs"/>
+              </a:rPr>
+            </a:br>
+            <a:r>
+              <a:rPr lang="en-US" sz="1200" i="0" kern="1200" dirty="0" smtClean="0">
+                <a:solidFill>
+                  <a:schemeClr val="tx1"/>
+                </a:solidFill>
+                <a:effectLst/>
+                <a:latin typeface="+mn-lt"/>
+                <a:ea typeface="+mn-ea"/>
+                <a:cs typeface="+mn-cs"/>
+              </a:rPr>
+              <a:t>from the LNAs. However mismatches in the RF chain and other factors</a:t>
+            </a:r>
+            <a:br>
+              <a:rPr lang="en-US" sz="1200" i="0" kern="1200" dirty="0" smtClean="0">
+                <a:solidFill>
+                  <a:schemeClr val="tx1"/>
+                </a:solidFill>
+                <a:effectLst/>
+                <a:latin typeface="+mn-lt"/>
+                <a:ea typeface="+mn-ea"/>
+                <a:cs typeface="+mn-cs"/>
+              </a:rPr>
+            </a:br>
+            <a:r>
+              <a:rPr lang="en-US" sz="1200" i="0" kern="1200" dirty="0" smtClean="0">
+                <a:solidFill>
+                  <a:schemeClr val="tx1"/>
+                </a:solidFill>
+                <a:effectLst/>
+                <a:latin typeface="+mn-lt"/>
+                <a:ea typeface="+mn-ea"/>
+                <a:cs typeface="+mn-cs"/>
+              </a:rPr>
+              <a:t>can also increase this noise. This noise covers up or obscures the noise</a:t>
+            </a:r>
+            <a:br>
+              <a:rPr lang="en-US" sz="1200" i="0" kern="1200" dirty="0" smtClean="0">
+                <a:solidFill>
+                  <a:schemeClr val="tx1"/>
+                </a:solidFill>
+                <a:effectLst/>
+                <a:latin typeface="+mn-lt"/>
+                <a:ea typeface="+mn-ea"/>
+                <a:cs typeface="+mn-cs"/>
+              </a:rPr>
+            </a:br>
+            <a:r>
+              <a:rPr lang="en-US" sz="1200" i="0" kern="1200" dirty="0" smtClean="0">
+                <a:solidFill>
+                  <a:schemeClr val="tx1"/>
+                </a:solidFill>
+                <a:effectLst/>
+                <a:latin typeface="+mn-lt"/>
+                <a:ea typeface="+mn-ea"/>
+                <a:cs typeface="+mn-cs"/>
+              </a:rPr>
+              <a:t>that we are interested in so we want to keep this to a minimum.</a:t>
+            </a:r>
+            <a:endParaRPr lang="en-US" dirty="0"/>
+          </a:p>
+        </p:txBody>
+      </p:sp>
+      <p:sp>
+        <p:nvSpPr>
+          <p:cNvPr id="4" name="Slide Number Placeholder 3"/>
+          <p:cNvSpPr>
+            <a:spLocks noGrp="1"/>
+          </p:cNvSpPr>
+          <p:nvPr>
+            <p:ph type="sldNum" sz="quarter" idx="10"/>
+          </p:nvPr>
+        </p:nvSpPr>
+        <p:spPr/>
+        <p:txBody>
+          <a:bodyPr/>
+          <a:lstStyle/>
+          <a:p>
+            <a:fld id="{F6B4E5CE-D376-4E0B-A81B-2825CA1B6127}" type="slidenum">
+              <a:rPr lang="en-US" smtClean="0"/>
+              <a:t>11</a:t>
+            </a:fld>
+            <a:endParaRPr lang="en-US"/>
+          </a:p>
+        </p:txBody>
+      </p:sp>
+    </p:spTree>
+    <p:extLst>
+      <p:ext uri="{BB962C8B-B14F-4D97-AF65-F5344CB8AC3E}">
+        <p14:creationId xmlns:p14="http://schemas.microsoft.com/office/powerpoint/2010/main" val="1052709315"/>
+      </p:ext>
+    </p:extLst>
+  </p:cSld>
+  <p:clrMapOvr>
+    <a:masterClrMapping/>
+  </p:clrMapOvr>
+</p:notes>
+</file>
+
+<file path=ppt/notesSlides/notesSlide8.xml><?xml version="1.0" encoding="utf-8"?>
+<p:notes xmlns:a="http://schemas.openxmlformats.org/drawingml/2006/main" xmlns:r="http://schemas.openxmlformats.org/officeDocument/2006/relationships" xmlns:p="http://schemas.openxmlformats.org/presentationml/2006/main">
+  <p:cSld>
+    <p:spTree>
+      <p:nvGrpSpPr>
+        <p:cNvPr id="1" name=""/>
+        <p:cNvGrpSpPr/>
+        <p:nvPr/>
+      </p:nvGrpSpPr>
+      <p:grpSpPr>
+        <a:xfrm>
+          <a:off x="0" y="0"/>
+          <a:ext cx="0" cy="0"/>
+          <a:chOff x="0" y="0"/>
+          <a:chExt cx="0" cy="0"/>
+        </a:xfrm>
+      </p:grpSpPr>
+      <p:sp>
+        <p:nvSpPr>
+          <p:cNvPr id="2" name="Slide Image Placeholder 1"/>
+          <p:cNvSpPr>
+            <a:spLocks noGrp="1" noRot="1" noChangeAspect="1"/>
+          </p:cNvSpPr>
+          <p:nvPr>
+            <p:ph type="sldImg"/>
+          </p:nvPr>
+        </p:nvSpPr>
+        <p:spPr/>
+      </p:sp>
+      <p:sp>
+        <p:nvSpPr>
+          <p:cNvPr id="3" name="Notes Placeholder 2"/>
+          <p:cNvSpPr>
+            <a:spLocks noGrp="1"/>
+          </p:cNvSpPr>
+          <p:nvPr>
+            <p:ph type="body" idx="1"/>
+          </p:nvPr>
+        </p:nvSpPr>
+        <p:spPr/>
+        <p:txBody>
+          <a:bodyPr/>
+          <a:lstStyle/>
+          <a:p>
+            <a:r>
+              <a:rPr lang="en-US" sz="1200" i="0" kern="1200" dirty="0" smtClean="0">
+                <a:solidFill>
+                  <a:schemeClr val="tx1"/>
+                </a:solidFill>
+                <a:effectLst/>
+                <a:latin typeface="+mn-lt"/>
+                <a:ea typeface="+mn-ea"/>
+                <a:cs typeface="+mn-cs"/>
+              </a:rPr>
+              <a:t>Software defined radios have been used in a number of applications, but</a:t>
+            </a:r>
+            <a:br>
+              <a:rPr lang="en-US" sz="1200" i="0" kern="1200" dirty="0" smtClean="0">
+                <a:solidFill>
+                  <a:schemeClr val="tx1"/>
+                </a:solidFill>
+                <a:effectLst/>
+                <a:latin typeface="+mn-lt"/>
+                <a:ea typeface="+mn-ea"/>
+                <a:cs typeface="+mn-cs"/>
+              </a:rPr>
+            </a:br>
+            <a:r>
+              <a:rPr lang="en-US" sz="1200" i="0" kern="1200" dirty="0" smtClean="0">
+                <a:solidFill>
+                  <a:schemeClr val="tx1"/>
+                </a:solidFill>
+                <a:effectLst/>
+                <a:latin typeface="+mn-lt"/>
+                <a:ea typeface="+mn-ea"/>
+                <a:cs typeface="+mn-cs"/>
+              </a:rPr>
+              <a:t>usually related to communication systems. Changes to modulation and</a:t>
+            </a:r>
+            <a:br>
+              <a:rPr lang="en-US" sz="1200" i="0" kern="1200" dirty="0" smtClean="0">
+                <a:solidFill>
+                  <a:schemeClr val="tx1"/>
+                </a:solidFill>
+                <a:effectLst/>
+                <a:latin typeface="+mn-lt"/>
+                <a:ea typeface="+mn-ea"/>
+                <a:cs typeface="+mn-cs"/>
+              </a:rPr>
+            </a:br>
+            <a:r>
+              <a:rPr lang="en-US" sz="1200" i="0" kern="1200" dirty="0" smtClean="0">
+                <a:solidFill>
+                  <a:schemeClr val="tx1"/>
+                </a:solidFill>
+                <a:effectLst/>
+                <a:latin typeface="+mn-lt"/>
+                <a:ea typeface="+mn-ea"/>
+                <a:cs typeface="+mn-cs"/>
+              </a:rPr>
+              <a:t>encoding/decoding is very easy for a SDR and this is why SDRs have</a:t>
+            </a:r>
+            <a:br>
+              <a:rPr lang="en-US" sz="1200" i="0" kern="1200" dirty="0" smtClean="0">
+                <a:solidFill>
+                  <a:schemeClr val="tx1"/>
+                </a:solidFill>
+                <a:effectLst/>
+                <a:latin typeface="+mn-lt"/>
+                <a:ea typeface="+mn-ea"/>
+                <a:cs typeface="+mn-cs"/>
+              </a:rPr>
+            </a:br>
+            <a:r>
+              <a:rPr lang="en-US" sz="1200" i="0" kern="1200" dirty="0" smtClean="0">
+                <a:solidFill>
+                  <a:schemeClr val="tx1"/>
+                </a:solidFill>
+                <a:effectLst/>
+                <a:latin typeface="+mn-lt"/>
+                <a:ea typeface="+mn-ea"/>
+                <a:cs typeface="+mn-cs"/>
+              </a:rPr>
+              <a:t>grown in recent years. Use in remote sensing applications, as far as I</a:t>
+            </a:r>
+            <a:br>
+              <a:rPr lang="en-US" sz="1200" i="0" kern="1200" dirty="0" smtClean="0">
+                <a:solidFill>
+                  <a:schemeClr val="tx1"/>
+                </a:solidFill>
+                <a:effectLst/>
+                <a:latin typeface="+mn-lt"/>
+                <a:ea typeface="+mn-ea"/>
+                <a:cs typeface="+mn-cs"/>
+              </a:rPr>
+            </a:br>
+            <a:r>
+              <a:rPr lang="en-US" sz="1200" i="0" kern="1200" dirty="0" smtClean="0">
+                <a:solidFill>
+                  <a:schemeClr val="tx1"/>
+                </a:solidFill>
+                <a:effectLst/>
+                <a:latin typeface="+mn-lt"/>
+                <a:ea typeface="+mn-ea"/>
+                <a:cs typeface="+mn-cs"/>
+              </a:rPr>
+              <a:t>know, is a relatively new application of SDRs.</a:t>
+            </a:r>
+            <a:endParaRPr lang="en-US" dirty="0"/>
+          </a:p>
+        </p:txBody>
+      </p:sp>
+      <p:sp>
+        <p:nvSpPr>
+          <p:cNvPr id="4" name="Slide Number Placeholder 3"/>
+          <p:cNvSpPr>
+            <a:spLocks noGrp="1"/>
+          </p:cNvSpPr>
+          <p:nvPr>
+            <p:ph type="sldNum" sz="quarter" idx="10"/>
+          </p:nvPr>
+        </p:nvSpPr>
+        <p:spPr/>
+        <p:txBody>
+          <a:bodyPr/>
+          <a:lstStyle/>
+          <a:p>
+            <a:fld id="{F6B4E5CE-D376-4E0B-A81B-2825CA1B6127}" type="slidenum">
+              <a:rPr lang="en-US" smtClean="0"/>
+              <a:t>13</a:t>
+            </a:fld>
+            <a:endParaRPr lang="en-US"/>
+          </a:p>
+        </p:txBody>
+      </p:sp>
+    </p:spTree>
+    <p:extLst>
+      <p:ext uri="{BB962C8B-B14F-4D97-AF65-F5344CB8AC3E}">
+        <p14:creationId xmlns:p14="http://schemas.microsoft.com/office/powerpoint/2010/main" val="483164615"/>
+      </p:ext>
+    </p:extLst>
+  </p:cSld>
+  <p:clrMapOvr>
+    <a:masterClrMapping/>
+  </p:clrMapOvr>
+</p:notes>
+</file>
+
+<file path=ppt/notesSlides/notesSlide9.xml><?xml version="1.0" encoding="utf-8"?>
+<p:notes xmlns:a="http://schemas.openxmlformats.org/drawingml/2006/main" xmlns:r="http://schemas.openxmlformats.org/officeDocument/2006/relationships" xmlns:p="http://schemas.openxmlformats.org/presentationml/2006/main">
+  <p:cSld>
+    <p:spTree>
+      <p:nvGrpSpPr>
+        <p:cNvPr id="1" name=""/>
+        <p:cNvGrpSpPr/>
+        <p:nvPr/>
+      </p:nvGrpSpPr>
+      <p:grpSpPr>
+        <a:xfrm>
+          <a:off x="0" y="0"/>
+          <a:ext cx="0" cy="0"/>
+          <a:chOff x="0" y="0"/>
+          <a:chExt cx="0" cy="0"/>
+        </a:xfrm>
+      </p:grpSpPr>
+      <p:sp>
+        <p:nvSpPr>
+          <p:cNvPr id="2" name="Slide Image Placeholder 1"/>
+          <p:cNvSpPr>
+            <a:spLocks noGrp="1" noRot="1" noChangeAspect="1"/>
+          </p:cNvSpPr>
+          <p:nvPr>
+            <p:ph type="sldImg"/>
+          </p:nvPr>
+        </p:nvSpPr>
+        <p:spPr/>
+      </p:sp>
+      <p:sp>
+        <p:nvSpPr>
+          <p:cNvPr id="3" name="Notes Placeholder 2"/>
+          <p:cNvSpPr>
+            <a:spLocks noGrp="1"/>
+          </p:cNvSpPr>
+          <p:nvPr>
+            <p:ph type="body" idx="1"/>
+          </p:nvPr>
+        </p:nvSpPr>
+        <p:spPr/>
+        <p:txBody>
+          <a:bodyPr/>
+          <a:lstStyle/>
+          <a:p>
+            <a:r>
+              <a:rPr lang="en-US" sz="1200" i="0" kern="1200" dirty="0" smtClean="0">
+                <a:solidFill>
+                  <a:schemeClr val="tx1"/>
+                </a:solidFill>
+                <a:effectLst/>
+                <a:latin typeface="+mn-lt"/>
+                <a:ea typeface="+mn-ea"/>
+                <a:cs typeface="+mn-cs"/>
+              </a:rPr>
+              <a:t>Filtering can be done by limiting the sampling rate of the SDR, but we</a:t>
+            </a:r>
+            <a:br>
+              <a:rPr lang="en-US" sz="1200" i="0" kern="1200" dirty="0" smtClean="0">
+                <a:solidFill>
+                  <a:schemeClr val="tx1"/>
+                </a:solidFill>
+                <a:effectLst/>
+                <a:latin typeface="+mn-lt"/>
+                <a:ea typeface="+mn-ea"/>
+                <a:cs typeface="+mn-cs"/>
+              </a:rPr>
+            </a:br>
+            <a:r>
+              <a:rPr lang="en-US" sz="1200" i="0" kern="1200" dirty="0" smtClean="0">
+                <a:solidFill>
+                  <a:schemeClr val="tx1"/>
+                </a:solidFill>
+                <a:effectLst/>
+                <a:latin typeface="+mn-lt"/>
+                <a:ea typeface="+mn-ea"/>
+                <a:cs typeface="+mn-cs"/>
+              </a:rPr>
+              <a:t>can also add additional filtering if desired.</a:t>
+            </a:r>
+            <a:endParaRPr lang="en-US" dirty="0"/>
+          </a:p>
+        </p:txBody>
+      </p:sp>
+      <p:sp>
+        <p:nvSpPr>
+          <p:cNvPr id="4" name="Slide Number Placeholder 3"/>
+          <p:cNvSpPr>
+            <a:spLocks noGrp="1"/>
+          </p:cNvSpPr>
+          <p:nvPr>
+            <p:ph type="sldNum" sz="quarter" idx="10"/>
+          </p:nvPr>
+        </p:nvSpPr>
+        <p:spPr/>
+        <p:txBody>
+          <a:bodyPr/>
+          <a:lstStyle/>
+          <a:p>
+            <a:fld id="{F6B4E5CE-D376-4E0B-A81B-2825CA1B6127}" type="slidenum">
+              <a:rPr lang="en-US" smtClean="0"/>
+              <a:t>14</a:t>
+            </a:fld>
+            <a:endParaRPr lang="en-US"/>
+          </a:p>
+        </p:txBody>
+      </p:sp>
+    </p:spTree>
+    <p:extLst>
+      <p:ext uri="{BB962C8B-B14F-4D97-AF65-F5344CB8AC3E}">
+        <p14:creationId xmlns:p14="http://schemas.microsoft.com/office/powerpoint/2010/main" val="3451807559"/>
       </p:ext>
     </p:extLst>
   </p:cSld>
@@ -2097,7 +3289,7 @@
           <a:p>
             <a:fld id="{5A069CB8-F204-4D06-B913-C5A26A89888A}" type="datetimeFigureOut">
               <a:rPr lang="en-US" dirty="0"/>
-              <a:t>4/17/2015</a:t>
+              <a:t>4/18/2015</a:t>
             </a:fld>
             <a:endParaRPr lang="en-US" dirty="0"/>
           </a:p>
@@ -2300,7 +3492,7 @@
           <a:p>
             <a:fld id="{50B6E300-0A13-4A81-945A-7333C271A069}" type="datetimeFigureOut">
               <a:rPr lang="en-US" dirty="0"/>
-              <a:t>4/17/2015</a:t>
+              <a:t>4/18/2015</a:t>
             </a:fld>
             <a:endParaRPr lang="en-US" dirty="0"/>
           </a:p>
@@ -2551,7 +3743,7 @@
           <a:p>
             <a:fld id="{34671962-1EA4-46E7-BCB0-F36CE46D1A59}" type="datetimeFigureOut">
               <a:rPr lang="en-US" dirty="0"/>
-              <a:t>4/17/2015</a:t>
+              <a:t>4/18/2015</a:t>
             </a:fld>
             <a:endParaRPr lang="en-US" dirty="0"/>
           </a:p>
@@ -2716,7 +3908,7 @@
           <a:p>
             <a:fld id="{D30BB376-B19C-488D-ABEB-03C7E6E9E3E0}" type="datetimeFigureOut">
               <a:rPr lang="en-US" dirty="0"/>
-              <a:t>4/17/2015</a:t>
+              <a:t>4/18/2015</a:t>
             </a:fld>
             <a:endParaRPr lang="en-US" dirty="0"/>
           </a:p>
@@ -3054,7 +4246,7 @@
           <a:p>
             <a:fld id="{486F077B-A50F-4D64-8574-E2D6A98A5553}" type="datetimeFigureOut">
               <a:rPr lang="en-US" dirty="0"/>
-              <a:t>4/17/2015</a:t>
+              <a:t>4/18/2015</a:t>
             </a:fld>
             <a:endParaRPr lang="en-US" dirty="0"/>
           </a:p>
@@ -3324,7 +4516,7 @@
           <a:p>
             <a:fld id="{7D9E2A62-1983-43A1-A163-D8AA46534C80}" type="datetimeFigureOut">
               <a:rPr lang="en-US" dirty="0"/>
-              <a:t>4/17/2015</a:t>
+              <a:t>4/18/2015</a:t>
             </a:fld>
             <a:endParaRPr lang="en-US" dirty="0"/>
           </a:p>
@@ -3698,7 +4890,7 @@
           <a:p>
             <a:fld id="{898F3E3B-34E3-4345-B2A1-994B83598A9C}" type="datetimeFigureOut">
               <a:rPr lang="en-US" dirty="0"/>
-              <a:t>4/17/2015</a:t>
+              <a:t>4/18/2015</a:t>
             </a:fld>
             <a:endParaRPr lang="en-US" dirty="0"/>
           </a:p>
@@ -3811,7 +5003,7 @@
           <a:p>
             <a:fld id="{FD816C96-82A1-4D77-8ADA-627AC6FE3D65}" type="datetimeFigureOut">
               <a:rPr lang="en-US" dirty="0"/>
-              <a:t>4/17/2015</a:t>
+              <a:t>4/18/2015</a:t>
             </a:fld>
             <a:endParaRPr lang="en-US" dirty="0"/>
           </a:p>
@@ -3977,7 +5169,7 @@
           <a:p>
             <a:fld id="{1D102C1E-28F2-47E9-802D-339E64E2F920}" type="datetimeFigureOut">
               <a:rPr lang="en-US" dirty="0"/>
-              <a:t>4/17/2015</a:t>
+              <a:t>4/18/2015</a:t>
             </a:fld>
             <a:endParaRPr lang="en-US" dirty="0"/>
           </a:p>
@@ -4327,7 +5519,7 @@
           <a:p>
             <a:fld id="{24271A48-F18A-45B3-BC05-1E27DA3F88AF}" type="datetimeFigureOut">
               <a:rPr lang="en-US" dirty="0"/>
-              <a:t>4/17/2015</a:t>
+              <a:t>4/18/2015</a:t>
             </a:fld>
             <a:endParaRPr lang="en-US" dirty="0"/>
           </a:p>
@@ -4700,7 +5892,7 @@
           <a:p>
             <a:fld id="{65B747F8-9654-4282-85D2-65F41AAE7A75}" type="datetimeFigureOut">
               <a:rPr lang="en-US" dirty="0"/>
-              <a:t>4/17/2015</a:t>
+              <a:t>4/18/2015</a:t>
             </a:fld>
             <a:endParaRPr lang="en-US" dirty="0"/>
           </a:p>
@@ -4982,7 +6174,7 @@
           <a:p>
             <a:fld id="{5DC5B261-8843-42D1-AAFC-05E20E2D9B97}" type="datetimeFigureOut">
               <a:rPr lang="en-US" dirty="0"/>
-              <a:t>4/17/2015</a:t>
+              <a:t>4/18/2015</a:t>
             </a:fld>
             <a:endParaRPr lang="en-US" dirty="0"/>
           </a:p>
@@ -5757,8 +6949,8 @@
         </p:blipFill>
         <p:spPr>
           <a:xfrm>
-            <a:off x="3157973" y="4126091"/>
-            <a:ext cx="5937013" cy="1493396"/>
+            <a:off x="2661815" y="4126091"/>
+            <a:ext cx="6929329" cy="1743003"/>
           </a:xfrm>
           <a:prstGeom prst="rect">
             <a:avLst/>
@@ -5785,6 +6977,1711 @@
 </p:sld>
 </file>
 
+<file path=ppt/slides/slide11.xml><?xml version="1.0" encoding="utf-8"?>
+<p:sld xmlns:a="http://schemas.openxmlformats.org/drawingml/2006/main" xmlns:r="http://schemas.openxmlformats.org/officeDocument/2006/relationships" xmlns:p="http://schemas.openxmlformats.org/presentationml/2006/main">
+  <p:cSld>
+    <p:spTree>
+      <p:nvGrpSpPr>
+        <p:cNvPr id="1" name=""/>
+        <p:cNvGrpSpPr/>
+        <p:nvPr/>
+      </p:nvGrpSpPr>
+      <p:grpSpPr>
+        <a:xfrm>
+          <a:off x="0" y="0"/>
+          <a:ext cx="0" cy="0"/>
+          <a:chOff x="0" y="0"/>
+          <a:chExt cx="0" cy="0"/>
+        </a:xfrm>
+      </p:grpSpPr>
+      <p:sp>
+        <p:nvSpPr>
+          <p:cNvPr id="2" name="Title 1"/>
+          <p:cNvSpPr>
+            <a:spLocks noGrp="1"/>
+          </p:cNvSpPr>
+          <p:nvPr>
+            <p:ph type="title"/>
+          </p:nvPr>
+        </p:nvSpPr>
+        <p:spPr/>
+        <p:txBody>
+          <a:bodyPr/>
+          <a:lstStyle/>
+          <a:p>
+            <a:r>
+              <a:rPr lang="en-US" dirty="0" smtClean="0"/>
+              <a:t>General Radiometer Theory</a:t>
+            </a:r>
+            <a:endParaRPr lang="en-US" dirty="0"/>
+          </a:p>
+        </p:txBody>
+      </p:sp>
+      <p:sp>
+        <p:nvSpPr>
+          <p:cNvPr id="3" name="Content Placeholder 2"/>
+          <p:cNvSpPr>
+            <a:spLocks noGrp="1"/>
+          </p:cNvSpPr>
+          <p:nvPr>
+            <p:ph idx="1"/>
+          </p:nvPr>
+        </p:nvSpPr>
+        <p:spPr/>
+        <p:txBody>
+          <a:bodyPr>
+            <a:normAutofit/>
+          </a:bodyPr>
+          <a:lstStyle/>
+          <a:p>
+            <a:pPr marL="0" indent="0">
+              <a:buNone/>
+            </a:pPr>
+            <a:r>
+              <a:rPr lang="en-US" sz="2400" dirty="0" smtClean="0"/>
+              <a:t>A more realistic model is a system that includes the noise that is generated by th</a:t>
+            </a:r>
+            <a:r>
+              <a:rPr lang="en-US" sz="2400" dirty="0" smtClean="0"/>
+              <a:t>e radiometer itself.  This noise is added to the noise from the antenna.</a:t>
+            </a:r>
+            <a:r>
+              <a:rPr lang="en-US" sz="2400" dirty="0"/>
+              <a:t/>
+            </a:r>
+            <a:br>
+              <a:rPr lang="en-US" sz="2400" dirty="0"/>
+            </a:br>
+            <a:endParaRPr lang="en-US" sz="2400" dirty="0" smtClean="0"/>
+          </a:p>
+        </p:txBody>
+      </p:sp>
+      <p:pic>
+        <p:nvPicPr>
+          <p:cNvPr id="5" name="Picture 4"/>
+          <p:cNvPicPr>
+            <a:picLocks noChangeAspect="1"/>
+          </p:cNvPicPr>
+          <p:nvPr/>
+        </p:nvPicPr>
+        <p:blipFill>
+          <a:blip r:embed="rId3">
+            <a:extLst>
+              <a:ext uri="{28A0092B-C50C-407E-A947-70E740481C1C}">
+                <a14:useLocalDpi xmlns:a14="http://schemas.microsoft.com/office/drawing/2010/main" val="0"/>
+              </a:ext>
+            </a:extLst>
+          </a:blip>
+          <a:stretch>
+            <a:fillRect/>
+          </a:stretch>
+        </p:blipFill>
+        <p:spPr>
+          <a:xfrm>
+            <a:off x="1929655" y="3917571"/>
+            <a:ext cx="8393650" cy="2120635"/>
+          </a:xfrm>
+          <a:prstGeom prst="rect">
+            <a:avLst/>
+          </a:prstGeom>
+        </p:spPr>
+      </p:pic>
+    </p:spTree>
+    <p:extLst>
+      <p:ext uri="{BB962C8B-B14F-4D97-AF65-F5344CB8AC3E}">
+        <p14:creationId xmlns:p14="http://schemas.microsoft.com/office/powerpoint/2010/main" val="1921797579"/>
+      </p:ext>
+    </p:extLst>
+  </p:cSld>
+  <p:clrMapOvr>
+    <a:masterClrMapping/>
+  </p:clrMapOvr>
+  <p:timing>
+    <p:tnLst>
+      <p:par>
+        <p:cTn id="1" dur="indefinite" restart="never" nodeType="tmRoot"/>
+      </p:par>
+    </p:tnLst>
+  </p:timing>
+</p:sld>
+</file>
+
+<file path=ppt/slides/slide12.xml><?xml version="1.0" encoding="utf-8"?>
+<p:sld xmlns:a="http://schemas.openxmlformats.org/drawingml/2006/main" xmlns:r="http://schemas.openxmlformats.org/officeDocument/2006/relationships" xmlns:p="http://schemas.openxmlformats.org/presentationml/2006/main">
+  <p:cSld>
+    <p:spTree>
+      <p:nvGrpSpPr>
+        <p:cNvPr id="1" name=""/>
+        <p:cNvGrpSpPr/>
+        <p:nvPr/>
+      </p:nvGrpSpPr>
+      <p:grpSpPr>
+        <a:xfrm>
+          <a:off x="0" y="0"/>
+          <a:ext cx="0" cy="0"/>
+          <a:chOff x="0" y="0"/>
+          <a:chExt cx="0" cy="0"/>
+        </a:xfrm>
+      </p:grpSpPr>
+      <p:sp>
+        <p:nvSpPr>
+          <p:cNvPr id="2" name="Title 1"/>
+          <p:cNvSpPr>
+            <a:spLocks noGrp="1"/>
+          </p:cNvSpPr>
+          <p:nvPr>
+            <p:ph type="title"/>
+          </p:nvPr>
+        </p:nvSpPr>
+        <p:spPr/>
+        <p:txBody>
+          <a:bodyPr/>
+          <a:lstStyle/>
+          <a:p>
+            <a:r>
+              <a:rPr lang="en-US" dirty="0" smtClean="0"/>
+              <a:t>RF Front End Design</a:t>
+            </a:r>
+            <a:endParaRPr lang="en-US" dirty="0"/>
+          </a:p>
+        </p:txBody>
+      </p:sp>
+      <p:sp>
+        <p:nvSpPr>
+          <p:cNvPr id="3" name="Content Placeholder 2"/>
+          <p:cNvSpPr>
+            <a:spLocks noGrp="1"/>
+          </p:cNvSpPr>
+          <p:nvPr>
+            <p:ph idx="1"/>
+          </p:nvPr>
+        </p:nvSpPr>
+        <p:spPr/>
+        <p:txBody>
+          <a:bodyPr>
+            <a:normAutofit/>
+          </a:bodyPr>
+          <a:lstStyle/>
+          <a:p>
+            <a:r>
+              <a:rPr lang="en-US" sz="2400" dirty="0" smtClean="0"/>
+              <a:t>The RF front end is one of the most critical components in a radiometer, both traditional and in our software defined radio setup.  Although we have moved many components to be emulated in software, one component, the Low Noise Amplifier (LNA) can not be emulated in software.  LNAs amplify our signal to increase our sensitivity while keeping as low as possible the noise it contributes to the system.</a:t>
+            </a:r>
+            <a:endParaRPr lang="en-US" sz="2400" dirty="0"/>
+          </a:p>
+        </p:txBody>
+      </p:sp>
+      <p:pic>
+        <p:nvPicPr>
+          <p:cNvPr id="4" name="Picture 3"/>
+          <p:cNvPicPr>
+            <a:picLocks noChangeAspect="1"/>
+          </p:cNvPicPr>
+          <p:nvPr/>
+        </p:nvPicPr>
+        <p:blipFill rotWithShape="1">
+          <a:blip r:embed="rId2">
+            <a:extLst>
+              <a:ext uri="{28A0092B-C50C-407E-A947-70E740481C1C}">
+                <a14:useLocalDpi xmlns:a14="http://schemas.microsoft.com/office/drawing/2010/main" val="0"/>
+              </a:ext>
+            </a:extLst>
+          </a:blip>
+          <a:srcRect l="30575" t="37569" r="27479" b="-25"/>
+          <a:stretch/>
+        </p:blipFill>
+        <p:spPr>
+          <a:xfrm>
+            <a:off x="8194502" y="3737810"/>
+            <a:ext cx="2505581" cy="2486526"/>
+          </a:xfrm>
+          <a:prstGeom prst="rect">
+            <a:avLst/>
+          </a:prstGeom>
+        </p:spPr>
+      </p:pic>
+    </p:spTree>
+    <p:extLst>
+      <p:ext uri="{BB962C8B-B14F-4D97-AF65-F5344CB8AC3E}">
+        <p14:creationId xmlns:p14="http://schemas.microsoft.com/office/powerpoint/2010/main" val="766692428"/>
+      </p:ext>
+    </p:extLst>
+  </p:cSld>
+  <p:clrMapOvr>
+    <a:masterClrMapping/>
+  </p:clrMapOvr>
+</p:sld>
+</file>
+
+<file path=ppt/slides/slide13.xml><?xml version="1.0" encoding="utf-8"?>
+<p:sld xmlns:a="http://schemas.openxmlformats.org/drawingml/2006/main" xmlns:r="http://schemas.openxmlformats.org/officeDocument/2006/relationships" xmlns:p="http://schemas.openxmlformats.org/presentationml/2006/main">
+  <p:cSld>
+    <p:spTree>
+      <p:nvGrpSpPr>
+        <p:cNvPr id="1" name=""/>
+        <p:cNvGrpSpPr/>
+        <p:nvPr/>
+      </p:nvGrpSpPr>
+      <p:grpSpPr>
+        <a:xfrm>
+          <a:off x="0" y="0"/>
+          <a:ext cx="0" cy="0"/>
+          <a:chOff x="0" y="0"/>
+          <a:chExt cx="0" cy="0"/>
+        </a:xfrm>
+      </p:grpSpPr>
+      <p:sp>
+        <p:nvSpPr>
+          <p:cNvPr id="2" name="Title 1"/>
+          <p:cNvSpPr>
+            <a:spLocks noGrp="1"/>
+          </p:cNvSpPr>
+          <p:nvPr>
+            <p:ph type="title"/>
+          </p:nvPr>
+        </p:nvSpPr>
+        <p:spPr/>
+        <p:txBody>
+          <a:bodyPr/>
+          <a:lstStyle/>
+          <a:p>
+            <a:r>
+              <a:rPr lang="en-US" dirty="0" smtClean="0"/>
+              <a:t>Software Defined Radio</a:t>
+            </a:r>
+            <a:endParaRPr lang="en-US" dirty="0"/>
+          </a:p>
+        </p:txBody>
+      </p:sp>
+      <p:sp>
+        <p:nvSpPr>
+          <p:cNvPr id="3" name="Content Placeholder 2"/>
+          <p:cNvSpPr>
+            <a:spLocks noGrp="1"/>
+          </p:cNvSpPr>
+          <p:nvPr>
+            <p:ph idx="1"/>
+          </p:nvPr>
+        </p:nvSpPr>
+        <p:spPr/>
+        <p:txBody>
+          <a:bodyPr>
+            <a:normAutofit/>
+          </a:bodyPr>
+          <a:lstStyle/>
+          <a:p>
+            <a:r>
+              <a:rPr lang="en-US" sz="2400" dirty="0"/>
+              <a:t>A software defined radio (SDR) is designed to mimic </a:t>
+            </a:r>
+            <a:r>
+              <a:rPr lang="en-US" sz="2400" dirty="0" smtClean="0"/>
+              <a:t>radio functions </a:t>
+            </a:r>
+            <a:r>
+              <a:rPr lang="en-US" sz="2400" dirty="0"/>
+              <a:t>in software instead of using dedicated hardware. </a:t>
+            </a:r>
+            <a:r>
+              <a:rPr lang="en-US" sz="2400" dirty="0" smtClean="0"/>
+              <a:t>A radiometer </a:t>
+            </a:r>
+            <a:r>
+              <a:rPr lang="en-US" sz="2400" dirty="0"/>
+              <a:t>is a radio that can detect changes in power. </a:t>
+            </a:r>
+            <a:r>
+              <a:rPr lang="en-US" sz="2400" dirty="0" smtClean="0"/>
+              <a:t>Therefore the </a:t>
+            </a:r>
+            <a:r>
+              <a:rPr lang="en-US" sz="2400" dirty="0"/>
+              <a:t>SDR needs to be able to measure power coming from </a:t>
+            </a:r>
+            <a:r>
+              <a:rPr lang="en-US" sz="2400" dirty="0" smtClean="0"/>
+              <a:t>the source </a:t>
+            </a:r>
+            <a:r>
+              <a:rPr lang="en-US" sz="2400" dirty="0"/>
+              <a:t>that we are looking at.</a:t>
+            </a:r>
+            <a:br>
+              <a:rPr lang="en-US" sz="2400" dirty="0"/>
+            </a:br>
+            <a:r>
+              <a:rPr lang="en-US" sz="2400" dirty="0"/>
+              <a:t/>
+            </a:r>
+            <a:br>
+              <a:rPr lang="en-US" sz="2400" dirty="0"/>
+            </a:br>
+            <a:endParaRPr lang="en-US" sz="2400" dirty="0"/>
+          </a:p>
+        </p:txBody>
+      </p:sp>
+    </p:spTree>
+    <p:extLst>
+      <p:ext uri="{BB962C8B-B14F-4D97-AF65-F5344CB8AC3E}">
+        <p14:creationId xmlns:p14="http://schemas.microsoft.com/office/powerpoint/2010/main" val="1653657983"/>
+      </p:ext>
+    </p:extLst>
+  </p:cSld>
+  <p:clrMapOvr>
+    <a:masterClrMapping/>
+  </p:clrMapOvr>
+</p:sld>
+</file>
+
+<file path=ppt/slides/slide14.xml><?xml version="1.0" encoding="utf-8"?>
+<p:sld xmlns:a="http://schemas.openxmlformats.org/drawingml/2006/main" xmlns:r="http://schemas.openxmlformats.org/officeDocument/2006/relationships" xmlns:p="http://schemas.openxmlformats.org/presentationml/2006/main">
+  <p:cSld>
+    <p:spTree>
+      <p:nvGrpSpPr>
+        <p:cNvPr id="1" name=""/>
+        <p:cNvGrpSpPr/>
+        <p:nvPr/>
+      </p:nvGrpSpPr>
+      <p:grpSpPr>
+        <a:xfrm>
+          <a:off x="0" y="0"/>
+          <a:ext cx="0" cy="0"/>
+          <a:chOff x="0" y="0"/>
+          <a:chExt cx="0" cy="0"/>
+        </a:xfrm>
+      </p:grpSpPr>
+      <p:sp>
+        <p:nvSpPr>
+          <p:cNvPr id="2" name="Title 1"/>
+          <p:cNvSpPr>
+            <a:spLocks noGrp="1"/>
+          </p:cNvSpPr>
+          <p:nvPr>
+            <p:ph type="title"/>
+          </p:nvPr>
+        </p:nvSpPr>
+        <p:spPr/>
+        <p:txBody>
+          <a:bodyPr/>
+          <a:lstStyle/>
+          <a:p>
+            <a:r>
+              <a:rPr lang="en-US" dirty="0" smtClean="0"/>
+              <a:t>Software Defined Radio</a:t>
+            </a:r>
+            <a:endParaRPr lang="en-US" dirty="0"/>
+          </a:p>
+        </p:txBody>
+      </p:sp>
+      <p:sp>
+        <p:nvSpPr>
+          <p:cNvPr id="3" name="Content Placeholder 2"/>
+          <p:cNvSpPr>
+            <a:spLocks noGrp="1"/>
+          </p:cNvSpPr>
+          <p:nvPr>
+            <p:ph idx="1"/>
+          </p:nvPr>
+        </p:nvSpPr>
+        <p:spPr/>
+        <p:txBody>
+          <a:bodyPr>
+            <a:normAutofit/>
+          </a:bodyPr>
+          <a:lstStyle/>
+          <a:p>
+            <a:r>
+              <a:rPr lang="en-US" sz="2400" dirty="0" smtClean="0"/>
+              <a:t>To build a radiometer in software, we need to know what components are key to the radiometer and build them in software.  There are four key components we can build in software.</a:t>
+            </a:r>
+          </a:p>
+          <a:p>
+            <a:pPr>
+              <a:buFont typeface="Wingdings" panose="05000000000000000000" pitchFamily="2" charset="2"/>
+              <a:buChar char="§"/>
+            </a:pPr>
+            <a:r>
+              <a:rPr lang="en-US" sz="2400" dirty="0" smtClean="0"/>
+              <a:t>Filter to the bandwidth we desire</a:t>
+            </a:r>
+          </a:p>
+          <a:p>
+            <a:pPr>
+              <a:buFont typeface="Wingdings" panose="05000000000000000000" pitchFamily="2" charset="2"/>
+              <a:buChar char="§"/>
+            </a:pPr>
+            <a:r>
+              <a:rPr lang="en-US" sz="2400" dirty="0" smtClean="0"/>
+              <a:t>Total power measurement</a:t>
+            </a:r>
+          </a:p>
+          <a:p>
+            <a:pPr>
+              <a:buFont typeface="Wingdings" panose="05000000000000000000" pitchFamily="2" charset="2"/>
+              <a:buChar char="§"/>
+            </a:pPr>
+            <a:r>
+              <a:rPr lang="en-US" sz="2400" dirty="0" smtClean="0"/>
+              <a:t>Integration</a:t>
+            </a:r>
+          </a:p>
+          <a:p>
+            <a:pPr>
+              <a:buFont typeface="Wingdings" panose="05000000000000000000" pitchFamily="2" charset="2"/>
+              <a:buChar char="§"/>
+            </a:pPr>
+            <a:r>
+              <a:rPr lang="en-US" sz="2400" dirty="0" smtClean="0"/>
+              <a:t>Record the data</a:t>
+            </a:r>
+            <a:endParaRPr lang="en-US" sz="2400" dirty="0"/>
+          </a:p>
+        </p:txBody>
+      </p:sp>
+    </p:spTree>
+    <p:extLst>
+      <p:ext uri="{BB962C8B-B14F-4D97-AF65-F5344CB8AC3E}">
+        <p14:creationId xmlns:p14="http://schemas.microsoft.com/office/powerpoint/2010/main" val="1989884611"/>
+      </p:ext>
+    </p:extLst>
+  </p:cSld>
+  <p:clrMapOvr>
+    <a:masterClrMapping/>
+  </p:clrMapOvr>
+</p:sld>
+</file>
+
+<file path=ppt/slides/slide15.xml><?xml version="1.0" encoding="utf-8"?>
+<p:sld xmlns:a="http://schemas.openxmlformats.org/drawingml/2006/main" xmlns:r="http://schemas.openxmlformats.org/officeDocument/2006/relationships" xmlns:p="http://schemas.openxmlformats.org/presentationml/2006/main">
+  <p:cSld>
+    <p:spTree>
+      <p:nvGrpSpPr>
+        <p:cNvPr id="1" name=""/>
+        <p:cNvGrpSpPr/>
+        <p:nvPr/>
+      </p:nvGrpSpPr>
+      <p:grpSpPr>
+        <a:xfrm>
+          <a:off x="0" y="0"/>
+          <a:ext cx="0" cy="0"/>
+          <a:chOff x="0" y="0"/>
+          <a:chExt cx="0" cy="0"/>
+        </a:xfrm>
+      </p:grpSpPr>
+      <p:sp>
+        <p:nvSpPr>
+          <p:cNvPr id="2" name="Title 1"/>
+          <p:cNvSpPr>
+            <a:spLocks noGrp="1"/>
+          </p:cNvSpPr>
+          <p:nvPr>
+            <p:ph type="title"/>
+          </p:nvPr>
+        </p:nvSpPr>
+        <p:spPr/>
+        <p:txBody>
+          <a:bodyPr/>
+          <a:lstStyle/>
+          <a:p>
+            <a:r>
+              <a:rPr lang="en-US" dirty="0" smtClean="0"/>
+              <a:t>Software Defined Radio</a:t>
+            </a:r>
+            <a:endParaRPr lang="en-US" dirty="0"/>
+          </a:p>
+        </p:txBody>
+      </p:sp>
+      <p:sp>
+        <p:nvSpPr>
+          <p:cNvPr id="3" name="Content Placeholder 2"/>
+          <p:cNvSpPr>
+            <a:spLocks noGrp="1"/>
+          </p:cNvSpPr>
+          <p:nvPr>
+            <p:ph idx="1"/>
+          </p:nvPr>
+        </p:nvSpPr>
+        <p:spPr/>
+        <p:txBody>
+          <a:bodyPr>
+            <a:normAutofit/>
+          </a:bodyPr>
+          <a:lstStyle/>
+          <a:p>
+            <a:r>
+              <a:rPr lang="en-US" sz="2400" dirty="0" smtClean="0"/>
+              <a:t>Total power measurements is accomplished by squaring the phase and magnitude information provided by the SDR.  Integration is a simple mathematical operation on the signal  Recording the data is also trivial for the software to accomplish</a:t>
+            </a:r>
+          </a:p>
+        </p:txBody>
+      </p:sp>
+      <p:pic>
+        <p:nvPicPr>
+          <p:cNvPr id="4" name="Picture 3"/>
+          <p:cNvPicPr>
+            <a:picLocks noChangeAspect="1"/>
+          </p:cNvPicPr>
+          <p:nvPr/>
+        </p:nvPicPr>
+        <p:blipFill>
+          <a:blip r:embed="rId3">
+            <a:extLst>
+              <a:ext uri="{28A0092B-C50C-407E-A947-70E740481C1C}">
+                <a14:useLocalDpi xmlns:a14="http://schemas.microsoft.com/office/drawing/2010/main" val="0"/>
+              </a:ext>
+            </a:extLst>
+          </a:blip>
+          <a:stretch>
+            <a:fillRect/>
+          </a:stretch>
+        </p:blipFill>
+        <p:spPr>
+          <a:xfrm>
+            <a:off x="1215183" y="4221439"/>
+            <a:ext cx="9940497" cy="1441425"/>
+          </a:xfrm>
+          <a:prstGeom prst="rect">
+            <a:avLst/>
+          </a:prstGeom>
+        </p:spPr>
+      </p:pic>
+    </p:spTree>
+    <p:extLst>
+      <p:ext uri="{BB962C8B-B14F-4D97-AF65-F5344CB8AC3E}">
+        <p14:creationId xmlns:p14="http://schemas.microsoft.com/office/powerpoint/2010/main" val="42157570"/>
+      </p:ext>
+    </p:extLst>
+  </p:cSld>
+  <p:clrMapOvr>
+    <a:masterClrMapping/>
+  </p:clrMapOvr>
+</p:sld>
+</file>
+
+<file path=ppt/slides/slide16.xml><?xml version="1.0" encoding="utf-8"?>
+<p:sld xmlns:a="http://schemas.openxmlformats.org/drawingml/2006/main" xmlns:r="http://schemas.openxmlformats.org/officeDocument/2006/relationships" xmlns:p="http://schemas.openxmlformats.org/presentationml/2006/main">
+  <p:cSld>
+    <p:spTree>
+      <p:nvGrpSpPr>
+        <p:cNvPr id="1" name=""/>
+        <p:cNvGrpSpPr/>
+        <p:nvPr/>
+      </p:nvGrpSpPr>
+      <p:grpSpPr>
+        <a:xfrm>
+          <a:off x="0" y="0"/>
+          <a:ext cx="0" cy="0"/>
+          <a:chOff x="0" y="0"/>
+          <a:chExt cx="0" cy="0"/>
+        </a:xfrm>
+      </p:grpSpPr>
+      <p:sp>
+        <p:nvSpPr>
+          <p:cNvPr id="2" name="Title 1"/>
+          <p:cNvSpPr>
+            <a:spLocks noGrp="1"/>
+          </p:cNvSpPr>
+          <p:nvPr>
+            <p:ph type="title"/>
+          </p:nvPr>
+        </p:nvSpPr>
+        <p:spPr/>
+        <p:txBody>
+          <a:bodyPr/>
+          <a:lstStyle/>
+          <a:p>
+            <a:r>
+              <a:rPr lang="en-US" dirty="0" smtClean="0"/>
+              <a:t>Comparison</a:t>
+            </a:r>
+            <a:endParaRPr lang="en-US" dirty="0"/>
+          </a:p>
+        </p:txBody>
+      </p:sp>
+      <p:sp>
+        <p:nvSpPr>
+          <p:cNvPr id="3" name="Content Placeholder 2"/>
+          <p:cNvSpPr>
+            <a:spLocks noGrp="1"/>
+          </p:cNvSpPr>
+          <p:nvPr>
+            <p:ph idx="1"/>
+          </p:nvPr>
+        </p:nvSpPr>
+        <p:spPr>
+          <a:xfrm>
+            <a:off x="1097280" y="1845734"/>
+            <a:ext cx="10058400" cy="1876034"/>
+          </a:xfrm>
+        </p:spPr>
+        <p:style>
+          <a:lnRef idx="2">
+            <a:schemeClr val="accent2"/>
+          </a:lnRef>
+          <a:fillRef idx="1">
+            <a:schemeClr val="lt1"/>
+          </a:fillRef>
+          <a:effectRef idx="0">
+            <a:schemeClr val="accent2"/>
+          </a:effectRef>
+          <a:fontRef idx="minor">
+            <a:schemeClr val="dk1"/>
+          </a:fontRef>
+        </p:style>
+        <p:txBody>
+          <a:bodyPr>
+            <a:normAutofit/>
+          </a:bodyPr>
+          <a:lstStyle/>
+          <a:p>
+            <a:r>
+              <a:rPr lang="en-US" sz="2400" b="1" u="sng" dirty="0" smtClean="0"/>
+              <a:t>Traditional Radiometer</a:t>
+            </a:r>
+          </a:p>
+          <a:p>
+            <a:r>
+              <a:rPr lang="en-US" sz="2400" dirty="0" smtClean="0"/>
+              <a:t>A traditional radiometer uses Low Noise Amplifiers, hardware based filters and a square-law detector to measure the total power received.</a:t>
+            </a:r>
+            <a:endParaRPr lang="en-US" sz="2400" dirty="0"/>
+          </a:p>
+        </p:txBody>
+      </p:sp>
+      <p:sp>
+        <p:nvSpPr>
+          <p:cNvPr id="4" name="Content Placeholder 2"/>
+          <p:cNvSpPr txBox="1">
+            <a:spLocks/>
+          </p:cNvSpPr>
+          <p:nvPr/>
+        </p:nvSpPr>
+        <p:spPr>
+          <a:xfrm>
+            <a:off x="1097280" y="4051523"/>
+            <a:ext cx="10058400" cy="1876034"/>
+          </a:xfrm>
+          <a:prstGeom prst="rect">
+            <a:avLst/>
+          </a:prstGeom>
+        </p:spPr>
+        <p:style>
+          <a:lnRef idx="2">
+            <a:schemeClr val="accent2"/>
+          </a:lnRef>
+          <a:fillRef idx="1">
+            <a:schemeClr val="lt1"/>
+          </a:fillRef>
+          <a:effectRef idx="0">
+            <a:schemeClr val="accent2"/>
+          </a:effectRef>
+          <a:fontRef idx="minor">
+            <a:schemeClr val="dk1"/>
+          </a:fontRef>
+        </p:style>
+        <p:txBody>
+          <a:bodyPr vert="horz" lIns="0" tIns="45720" rIns="0" bIns="45720" rtlCol="0">
+            <a:normAutofit/>
+          </a:bodyPr>
+          <a:lstStyle>
+            <a:lvl1pPr marL="91440" indent="-91440" algn="l" defTabSz="914400" rtl="0" eaLnBrk="1" latinLnBrk="0" hangingPunct="1">
+              <a:lnSpc>
+                <a:spcPct val="90000"/>
+              </a:lnSpc>
+              <a:spcBef>
+                <a:spcPts val="1200"/>
+              </a:spcBef>
+              <a:spcAft>
+                <a:spcPts val="200"/>
+              </a:spcAft>
+              <a:buClr>
+                <a:schemeClr val="accent1"/>
+              </a:buClr>
+              <a:buSzPct val="100000"/>
+              <a:buFont typeface="Calibri" panose="020F0502020204030204" pitchFamily="34" charset="0"/>
+              <a:buChar char=" "/>
+              <a:defRPr sz="2000" kern="1200">
+                <a:solidFill>
+                  <a:schemeClr val="dk1"/>
+                </a:solidFill>
+                <a:latin typeface="+mn-lt"/>
+                <a:ea typeface="+mn-ea"/>
+                <a:cs typeface="+mn-cs"/>
+              </a:defRPr>
+            </a:lvl1pPr>
+            <a:lvl2pPr marL="384048" indent="-182880" algn="l" defTabSz="914400" rtl="0" eaLnBrk="1" latinLnBrk="0" hangingPunct="1">
+              <a:lnSpc>
+                <a:spcPct val="90000"/>
+              </a:lnSpc>
+              <a:spcBef>
+                <a:spcPts val="200"/>
+              </a:spcBef>
+              <a:spcAft>
+                <a:spcPts val="400"/>
+              </a:spcAft>
+              <a:buClr>
+                <a:schemeClr val="accent1"/>
+              </a:buClr>
+              <a:buFont typeface="Calibri" pitchFamily="34" charset="0"/>
+              <a:buChar char="◦"/>
+              <a:defRPr sz="1800" kern="1200">
+                <a:solidFill>
+                  <a:schemeClr val="dk1"/>
+                </a:solidFill>
+                <a:latin typeface="+mn-lt"/>
+                <a:ea typeface="+mn-ea"/>
+                <a:cs typeface="+mn-cs"/>
+              </a:defRPr>
+            </a:lvl2pPr>
+            <a:lvl3pPr marL="566928" indent="-182880" algn="l" defTabSz="914400" rtl="0" eaLnBrk="1" latinLnBrk="0" hangingPunct="1">
+              <a:lnSpc>
+                <a:spcPct val="90000"/>
+              </a:lnSpc>
+              <a:spcBef>
+                <a:spcPts val="200"/>
+              </a:spcBef>
+              <a:spcAft>
+                <a:spcPts val="400"/>
+              </a:spcAft>
+              <a:buClr>
+                <a:schemeClr val="accent1"/>
+              </a:buClr>
+              <a:buFont typeface="Calibri" pitchFamily="34" charset="0"/>
+              <a:buChar char="◦"/>
+              <a:defRPr sz="1400" kern="1200">
+                <a:solidFill>
+                  <a:schemeClr val="dk1"/>
+                </a:solidFill>
+                <a:latin typeface="+mn-lt"/>
+                <a:ea typeface="+mn-ea"/>
+                <a:cs typeface="+mn-cs"/>
+              </a:defRPr>
+            </a:lvl3pPr>
+            <a:lvl4pPr marL="749808" indent="-182880" algn="l" defTabSz="914400" rtl="0" eaLnBrk="1" latinLnBrk="0" hangingPunct="1">
+              <a:lnSpc>
+                <a:spcPct val="90000"/>
+              </a:lnSpc>
+              <a:spcBef>
+                <a:spcPts val="200"/>
+              </a:spcBef>
+              <a:spcAft>
+                <a:spcPts val="400"/>
+              </a:spcAft>
+              <a:buClr>
+                <a:schemeClr val="accent1"/>
+              </a:buClr>
+              <a:buFont typeface="Calibri" pitchFamily="34" charset="0"/>
+              <a:buChar char="◦"/>
+              <a:defRPr sz="1400" kern="1200">
+                <a:solidFill>
+                  <a:schemeClr val="dk1"/>
+                </a:solidFill>
+                <a:latin typeface="+mn-lt"/>
+                <a:ea typeface="+mn-ea"/>
+                <a:cs typeface="+mn-cs"/>
+              </a:defRPr>
+            </a:lvl4pPr>
+            <a:lvl5pPr marL="932688" indent="-182880" algn="l" defTabSz="914400" rtl="0" eaLnBrk="1" latinLnBrk="0" hangingPunct="1">
+              <a:lnSpc>
+                <a:spcPct val="90000"/>
+              </a:lnSpc>
+              <a:spcBef>
+                <a:spcPts val="200"/>
+              </a:spcBef>
+              <a:spcAft>
+                <a:spcPts val="400"/>
+              </a:spcAft>
+              <a:buClr>
+                <a:schemeClr val="accent1"/>
+              </a:buClr>
+              <a:buFont typeface="Calibri" pitchFamily="34" charset="0"/>
+              <a:buChar char="◦"/>
+              <a:defRPr sz="1400" kern="1200">
+                <a:solidFill>
+                  <a:schemeClr val="dk1"/>
+                </a:solidFill>
+                <a:latin typeface="+mn-lt"/>
+                <a:ea typeface="+mn-ea"/>
+                <a:cs typeface="+mn-cs"/>
+              </a:defRPr>
+            </a:lvl5pPr>
+            <a:lvl6pPr marL="1100000" indent="-228600" algn="l" defTabSz="914400" rtl="0" eaLnBrk="1" latinLnBrk="0" hangingPunct="1">
+              <a:lnSpc>
+                <a:spcPct val="90000"/>
+              </a:lnSpc>
+              <a:spcBef>
+                <a:spcPts val="200"/>
+              </a:spcBef>
+              <a:spcAft>
+                <a:spcPts val="400"/>
+              </a:spcAft>
+              <a:buClr>
+                <a:schemeClr val="accent1"/>
+              </a:buClr>
+              <a:buFont typeface="Calibri" pitchFamily="34" charset="0"/>
+              <a:buChar char="◦"/>
+              <a:defRPr sz="1400" kern="1200">
+                <a:solidFill>
+                  <a:schemeClr val="dk1"/>
+                </a:solidFill>
+                <a:latin typeface="+mn-lt"/>
+                <a:ea typeface="+mn-ea"/>
+                <a:cs typeface="+mn-cs"/>
+              </a:defRPr>
+            </a:lvl6pPr>
+            <a:lvl7pPr marL="1300000" indent="-228600" algn="l" defTabSz="914400" rtl="0" eaLnBrk="1" latinLnBrk="0" hangingPunct="1">
+              <a:lnSpc>
+                <a:spcPct val="90000"/>
+              </a:lnSpc>
+              <a:spcBef>
+                <a:spcPts val="200"/>
+              </a:spcBef>
+              <a:spcAft>
+                <a:spcPts val="400"/>
+              </a:spcAft>
+              <a:buClr>
+                <a:schemeClr val="accent1"/>
+              </a:buClr>
+              <a:buFont typeface="Calibri" pitchFamily="34" charset="0"/>
+              <a:buChar char="◦"/>
+              <a:defRPr sz="1400" kern="1200">
+                <a:solidFill>
+                  <a:schemeClr val="dk1"/>
+                </a:solidFill>
+                <a:latin typeface="+mn-lt"/>
+                <a:ea typeface="+mn-ea"/>
+                <a:cs typeface="+mn-cs"/>
+              </a:defRPr>
+            </a:lvl7pPr>
+            <a:lvl8pPr marL="1500000" indent="-228600" algn="l" defTabSz="914400" rtl="0" eaLnBrk="1" latinLnBrk="0" hangingPunct="1">
+              <a:lnSpc>
+                <a:spcPct val="90000"/>
+              </a:lnSpc>
+              <a:spcBef>
+                <a:spcPts val="200"/>
+              </a:spcBef>
+              <a:spcAft>
+                <a:spcPts val="400"/>
+              </a:spcAft>
+              <a:buClr>
+                <a:schemeClr val="accent1"/>
+              </a:buClr>
+              <a:buFont typeface="Calibri" pitchFamily="34" charset="0"/>
+              <a:buChar char="◦"/>
+              <a:defRPr sz="1400" kern="1200">
+                <a:solidFill>
+                  <a:schemeClr val="dk1"/>
+                </a:solidFill>
+                <a:latin typeface="+mn-lt"/>
+                <a:ea typeface="+mn-ea"/>
+                <a:cs typeface="+mn-cs"/>
+              </a:defRPr>
+            </a:lvl8pPr>
+            <a:lvl9pPr marL="1700000" indent="-228600" algn="l" defTabSz="914400" rtl="0" eaLnBrk="1" latinLnBrk="0" hangingPunct="1">
+              <a:lnSpc>
+                <a:spcPct val="90000"/>
+              </a:lnSpc>
+              <a:spcBef>
+                <a:spcPts val="200"/>
+              </a:spcBef>
+              <a:spcAft>
+                <a:spcPts val="400"/>
+              </a:spcAft>
+              <a:buClr>
+                <a:schemeClr val="accent1"/>
+              </a:buClr>
+              <a:buFont typeface="Calibri" pitchFamily="34" charset="0"/>
+              <a:buChar char="◦"/>
+              <a:defRPr sz="1400" kern="1200">
+                <a:solidFill>
+                  <a:schemeClr val="dk1"/>
+                </a:solidFill>
+                <a:latin typeface="+mn-lt"/>
+                <a:ea typeface="+mn-ea"/>
+                <a:cs typeface="+mn-cs"/>
+              </a:defRPr>
+            </a:lvl9pPr>
+          </a:lstStyle>
+          <a:p>
+            <a:r>
+              <a:rPr lang="en-US" sz="2400" b="1" u="sng" dirty="0" smtClean="0"/>
+              <a:t>SDR Radiometer</a:t>
+            </a:r>
+          </a:p>
+          <a:p>
+            <a:r>
+              <a:rPr lang="en-US" sz="2400" dirty="0" smtClean="0"/>
+              <a:t>A software defined radiometer eliminates the filters and the square-law detector and replaces this with their mathematical equivalents that is emulated in software.</a:t>
+            </a:r>
+            <a:endParaRPr lang="en-US" sz="2400" dirty="0"/>
+          </a:p>
+        </p:txBody>
+      </p:sp>
+    </p:spTree>
+    <p:extLst>
+      <p:ext uri="{BB962C8B-B14F-4D97-AF65-F5344CB8AC3E}">
+        <p14:creationId xmlns:p14="http://schemas.microsoft.com/office/powerpoint/2010/main" val="2152928327"/>
+      </p:ext>
+    </p:extLst>
+  </p:cSld>
+  <p:clrMapOvr>
+    <a:masterClrMapping/>
+  </p:clrMapOvr>
+</p:sld>
+</file>
+
+<file path=ppt/slides/slide17.xml><?xml version="1.0" encoding="utf-8"?>
+<p:sld xmlns:a="http://schemas.openxmlformats.org/drawingml/2006/main" xmlns:r="http://schemas.openxmlformats.org/officeDocument/2006/relationships" xmlns:p="http://schemas.openxmlformats.org/presentationml/2006/main">
+  <p:cSld>
+    <p:spTree>
+      <p:nvGrpSpPr>
+        <p:cNvPr id="1" name=""/>
+        <p:cNvGrpSpPr/>
+        <p:nvPr/>
+      </p:nvGrpSpPr>
+      <p:grpSpPr>
+        <a:xfrm>
+          <a:off x="0" y="0"/>
+          <a:ext cx="0" cy="0"/>
+          <a:chOff x="0" y="0"/>
+          <a:chExt cx="0" cy="0"/>
+        </a:xfrm>
+      </p:grpSpPr>
+      <p:sp>
+        <p:nvSpPr>
+          <p:cNvPr id="2" name="Title 1"/>
+          <p:cNvSpPr>
+            <a:spLocks noGrp="1"/>
+          </p:cNvSpPr>
+          <p:nvPr>
+            <p:ph type="title"/>
+          </p:nvPr>
+        </p:nvSpPr>
+        <p:spPr/>
+        <p:txBody>
+          <a:bodyPr/>
+          <a:lstStyle/>
+          <a:p>
+            <a:r>
+              <a:rPr lang="en-US" dirty="0" smtClean="0"/>
+              <a:t>Comparison</a:t>
+            </a:r>
+            <a:endParaRPr lang="en-US" dirty="0"/>
+          </a:p>
+        </p:txBody>
+      </p:sp>
+      <p:sp>
+        <p:nvSpPr>
+          <p:cNvPr id="3" name="Content Placeholder 2"/>
+          <p:cNvSpPr>
+            <a:spLocks noGrp="1"/>
+          </p:cNvSpPr>
+          <p:nvPr>
+            <p:ph idx="1"/>
+          </p:nvPr>
+        </p:nvSpPr>
+        <p:spPr>
+          <a:xfrm>
+            <a:off x="1097280" y="1845734"/>
+            <a:ext cx="10058400" cy="1876034"/>
+          </a:xfrm>
+        </p:spPr>
+        <p:style>
+          <a:lnRef idx="2">
+            <a:schemeClr val="accent2"/>
+          </a:lnRef>
+          <a:fillRef idx="1">
+            <a:schemeClr val="lt1"/>
+          </a:fillRef>
+          <a:effectRef idx="0">
+            <a:schemeClr val="accent2"/>
+          </a:effectRef>
+          <a:fontRef idx="minor">
+            <a:schemeClr val="dk1"/>
+          </a:fontRef>
+        </p:style>
+        <p:txBody>
+          <a:bodyPr>
+            <a:normAutofit/>
+          </a:bodyPr>
+          <a:lstStyle/>
+          <a:p>
+            <a:r>
+              <a:rPr lang="en-US" sz="2400" b="1" u="sng" dirty="0" smtClean="0"/>
+              <a:t>Traditional Radiometer</a:t>
+            </a:r>
+          </a:p>
+          <a:p>
+            <a:r>
+              <a:rPr lang="en-US" sz="2400" dirty="0" smtClean="0"/>
+              <a:t>Most total power radiometers do not retain any frequency information, this information is lost and in most cases can not be recovered.</a:t>
+            </a:r>
+            <a:endParaRPr lang="en-US" sz="2400" dirty="0"/>
+          </a:p>
+        </p:txBody>
+      </p:sp>
+      <p:sp>
+        <p:nvSpPr>
+          <p:cNvPr id="4" name="Content Placeholder 2"/>
+          <p:cNvSpPr txBox="1">
+            <a:spLocks/>
+          </p:cNvSpPr>
+          <p:nvPr/>
+        </p:nvSpPr>
+        <p:spPr>
+          <a:xfrm>
+            <a:off x="1097280" y="4051523"/>
+            <a:ext cx="10058400" cy="1876034"/>
+          </a:xfrm>
+          <a:prstGeom prst="rect">
+            <a:avLst/>
+          </a:prstGeom>
+        </p:spPr>
+        <p:style>
+          <a:lnRef idx="2">
+            <a:schemeClr val="accent2"/>
+          </a:lnRef>
+          <a:fillRef idx="1">
+            <a:schemeClr val="lt1"/>
+          </a:fillRef>
+          <a:effectRef idx="0">
+            <a:schemeClr val="accent2"/>
+          </a:effectRef>
+          <a:fontRef idx="minor">
+            <a:schemeClr val="dk1"/>
+          </a:fontRef>
+        </p:style>
+        <p:txBody>
+          <a:bodyPr vert="horz" lIns="0" tIns="45720" rIns="0" bIns="45720" rtlCol="0">
+            <a:normAutofit/>
+          </a:bodyPr>
+          <a:lstStyle>
+            <a:lvl1pPr marL="91440" indent="-91440" algn="l" defTabSz="914400" rtl="0" eaLnBrk="1" latinLnBrk="0" hangingPunct="1">
+              <a:lnSpc>
+                <a:spcPct val="90000"/>
+              </a:lnSpc>
+              <a:spcBef>
+                <a:spcPts val="1200"/>
+              </a:spcBef>
+              <a:spcAft>
+                <a:spcPts val="200"/>
+              </a:spcAft>
+              <a:buClr>
+                <a:schemeClr val="accent1"/>
+              </a:buClr>
+              <a:buSzPct val="100000"/>
+              <a:buFont typeface="Calibri" panose="020F0502020204030204" pitchFamily="34" charset="0"/>
+              <a:buChar char=" "/>
+              <a:defRPr sz="2000" kern="1200">
+                <a:solidFill>
+                  <a:schemeClr val="dk1"/>
+                </a:solidFill>
+                <a:latin typeface="+mn-lt"/>
+                <a:ea typeface="+mn-ea"/>
+                <a:cs typeface="+mn-cs"/>
+              </a:defRPr>
+            </a:lvl1pPr>
+            <a:lvl2pPr marL="384048" indent="-182880" algn="l" defTabSz="914400" rtl="0" eaLnBrk="1" latinLnBrk="0" hangingPunct="1">
+              <a:lnSpc>
+                <a:spcPct val="90000"/>
+              </a:lnSpc>
+              <a:spcBef>
+                <a:spcPts val="200"/>
+              </a:spcBef>
+              <a:spcAft>
+                <a:spcPts val="400"/>
+              </a:spcAft>
+              <a:buClr>
+                <a:schemeClr val="accent1"/>
+              </a:buClr>
+              <a:buFont typeface="Calibri" pitchFamily="34" charset="0"/>
+              <a:buChar char="◦"/>
+              <a:defRPr sz="1800" kern="1200">
+                <a:solidFill>
+                  <a:schemeClr val="dk1"/>
+                </a:solidFill>
+                <a:latin typeface="+mn-lt"/>
+                <a:ea typeface="+mn-ea"/>
+                <a:cs typeface="+mn-cs"/>
+              </a:defRPr>
+            </a:lvl2pPr>
+            <a:lvl3pPr marL="566928" indent="-182880" algn="l" defTabSz="914400" rtl="0" eaLnBrk="1" latinLnBrk="0" hangingPunct="1">
+              <a:lnSpc>
+                <a:spcPct val="90000"/>
+              </a:lnSpc>
+              <a:spcBef>
+                <a:spcPts val="200"/>
+              </a:spcBef>
+              <a:spcAft>
+                <a:spcPts val="400"/>
+              </a:spcAft>
+              <a:buClr>
+                <a:schemeClr val="accent1"/>
+              </a:buClr>
+              <a:buFont typeface="Calibri" pitchFamily="34" charset="0"/>
+              <a:buChar char="◦"/>
+              <a:defRPr sz="1400" kern="1200">
+                <a:solidFill>
+                  <a:schemeClr val="dk1"/>
+                </a:solidFill>
+                <a:latin typeface="+mn-lt"/>
+                <a:ea typeface="+mn-ea"/>
+                <a:cs typeface="+mn-cs"/>
+              </a:defRPr>
+            </a:lvl3pPr>
+            <a:lvl4pPr marL="749808" indent="-182880" algn="l" defTabSz="914400" rtl="0" eaLnBrk="1" latinLnBrk="0" hangingPunct="1">
+              <a:lnSpc>
+                <a:spcPct val="90000"/>
+              </a:lnSpc>
+              <a:spcBef>
+                <a:spcPts val="200"/>
+              </a:spcBef>
+              <a:spcAft>
+                <a:spcPts val="400"/>
+              </a:spcAft>
+              <a:buClr>
+                <a:schemeClr val="accent1"/>
+              </a:buClr>
+              <a:buFont typeface="Calibri" pitchFamily="34" charset="0"/>
+              <a:buChar char="◦"/>
+              <a:defRPr sz="1400" kern="1200">
+                <a:solidFill>
+                  <a:schemeClr val="dk1"/>
+                </a:solidFill>
+                <a:latin typeface="+mn-lt"/>
+                <a:ea typeface="+mn-ea"/>
+                <a:cs typeface="+mn-cs"/>
+              </a:defRPr>
+            </a:lvl4pPr>
+            <a:lvl5pPr marL="932688" indent="-182880" algn="l" defTabSz="914400" rtl="0" eaLnBrk="1" latinLnBrk="0" hangingPunct="1">
+              <a:lnSpc>
+                <a:spcPct val="90000"/>
+              </a:lnSpc>
+              <a:spcBef>
+                <a:spcPts val="200"/>
+              </a:spcBef>
+              <a:spcAft>
+                <a:spcPts val="400"/>
+              </a:spcAft>
+              <a:buClr>
+                <a:schemeClr val="accent1"/>
+              </a:buClr>
+              <a:buFont typeface="Calibri" pitchFamily="34" charset="0"/>
+              <a:buChar char="◦"/>
+              <a:defRPr sz="1400" kern="1200">
+                <a:solidFill>
+                  <a:schemeClr val="dk1"/>
+                </a:solidFill>
+                <a:latin typeface="+mn-lt"/>
+                <a:ea typeface="+mn-ea"/>
+                <a:cs typeface="+mn-cs"/>
+              </a:defRPr>
+            </a:lvl5pPr>
+            <a:lvl6pPr marL="1100000" indent="-228600" algn="l" defTabSz="914400" rtl="0" eaLnBrk="1" latinLnBrk="0" hangingPunct="1">
+              <a:lnSpc>
+                <a:spcPct val="90000"/>
+              </a:lnSpc>
+              <a:spcBef>
+                <a:spcPts val="200"/>
+              </a:spcBef>
+              <a:spcAft>
+                <a:spcPts val="400"/>
+              </a:spcAft>
+              <a:buClr>
+                <a:schemeClr val="accent1"/>
+              </a:buClr>
+              <a:buFont typeface="Calibri" pitchFamily="34" charset="0"/>
+              <a:buChar char="◦"/>
+              <a:defRPr sz="1400" kern="1200">
+                <a:solidFill>
+                  <a:schemeClr val="dk1"/>
+                </a:solidFill>
+                <a:latin typeface="+mn-lt"/>
+                <a:ea typeface="+mn-ea"/>
+                <a:cs typeface="+mn-cs"/>
+              </a:defRPr>
+            </a:lvl6pPr>
+            <a:lvl7pPr marL="1300000" indent="-228600" algn="l" defTabSz="914400" rtl="0" eaLnBrk="1" latinLnBrk="0" hangingPunct="1">
+              <a:lnSpc>
+                <a:spcPct val="90000"/>
+              </a:lnSpc>
+              <a:spcBef>
+                <a:spcPts val="200"/>
+              </a:spcBef>
+              <a:spcAft>
+                <a:spcPts val="400"/>
+              </a:spcAft>
+              <a:buClr>
+                <a:schemeClr val="accent1"/>
+              </a:buClr>
+              <a:buFont typeface="Calibri" pitchFamily="34" charset="0"/>
+              <a:buChar char="◦"/>
+              <a:defRPr sz="1400" kern="1200">
+                <a:solidFill>
+                  <a:schemeClr val="dk1"/>
+                </a:solidFill>
+                <a:latin typeface="+mn-lt"/>
+                <a:ea typeface="+mn-ea"/>
+                <a:cs typeface="+mn-cs"/>
+              </a:defRPr>
+            </a:lvl7pPr>
+            <a:lvl8pPr marL="1500000" indent="-228600" algn="l" defTabSz="914400" rtl="0" eaLnBrk="1" latinLnBrk="0" hangingPunct="1">
+              <a:lnSpc>
+                <a:spcPct val="90000"/>
+              </a:lnSpc>
+              <a:spcBef>
+                <a:spcPts val="200"/>
+              </a:spcBef>
+              <a:spcAft>
+                <a:spcPts val="400"/>
+              </a:spcAft>
+              <a:buClr>
+                <a:schemeClr val="accent1"/>
+              </a:buClr>
+              <a:buFont typeface="Calibri" pitchFamily="34" charset="0"/>
+              <a:buChar char="◦"/>
+              <a:defRPr sz="1400" kern="1200">
+                <a:solidFill>
+                  <a:schemeClr val="dk1"/>
+                </a:solidFill>
+                <a:latin typeface="+mn-lt"/>
+                <a:ea typeface="+mn-ea"/>
+                <a:cs typeface="+mn-cs"/>
+              </a:defRPr>
+            </a:lvl8pPr>
+            <a:lvl9pPr marL="1700000" indent="-228600" algn="l" defTabSz="914400" rtl="0" eaLnBrk="1" latinLnBrk="0" hangingPunct="1">
+              <a:lnSpc>
+                <a:spcPct val="90000"/>
+              </a:lnSpc>
+              <a:spcBef>
+                <a:spcPts val="200"/>
+              </a:spcBef>
+              <a:spcAft>
+                <a:spcPts val="400"/>
+              </a:spcAft>
+              <a:buClr>
+                <a:schemeClr val="accent1"/>
+              </a:buClr>
+              <a:buFont typeface="Calibri" pitchFamily="34" charset="0"/>
+              <a:buChar char="◦"/>
+              <a:defRPr sz="1400" kern="1200">
+                <a:solidFill>
+                  <a:schemeClr val="dk1"/>
+                </a:solidFill>
+                <a:latin typeface="+mn-lt"/>
+                <a:ea typeface="+mn-ea"/>
+                <a:cs typeface="+mn-cs"/>
+              </a:defRPr>
+            </a:lvl9pPr>
+          </a:lstStyle>
+          <a:p>
+            <a:r>
+              <a:rPr lang="en-US" sz="2400" b="1" u="sng" dirty="0" smtClean="0"/>
+              <a:t>SDR Radiometer</a:t>
+            </a:r>
+          </a:p>
+          <a:p>
+            <a:r>
+              <a:rPr lang="en-US" sz="2400" dirty="0" smtClean="0"/>
+              <a:t>Since we have both magnitude and phase information we can recreate the signal or manipulate it as needed.  This allows for more in-depth analysis such as RFI mitigation.  </a:t>
+            </a:r>
+            <a:endParaRPr lang="en-US" sz="2400" dirty="0"/>
+          </a:p>
+        </p:txBody>
+      </p:sp>
+    </p:spTree>
+    <p:extLst>
+      <p:ext uri="{BB962C8B-B14F-4D97-AF65-F5344CB8AC3E}">
+        <p14:creationId xmlns:p14="http://schemas.microsoft.com/office/powerpoint/2010/main" val="2514858675"/>
+      </p:ext>
+    </p:extLst>
+  </p:cSld>
+  <p:clrMapOvr>
+    <a:masterClrMapping/>
+  </p:clrMapOvr>
+</p:sld>
+</file>
+
+<file path=ppt/slides/slide18.xml><?xml version="1.0" encoding="utf-8"?>
+<p:sld xmlns:a="http://schemas.openxmlformats.org/drawingml/2006/main" xmlns:r="http://schemas.openxmlformats.org/officeDocument/2006/relationships" xmlns:p="http://schemas.openxmlformats.org/presentationml/2006/main">
+  <p:cSld>
+    <p:spTree>
+      <p:nvGrpSpPr>
+        <p:cNvPr id="1" name=""/>
+        <p:cNvGrpSpPr/>
+        <p:nvPr/>
+      </p:nvGrpSpPr>
+      <p:grpSpPr>
+        <a:xfrm>
+          <a:off x="0" y="0"/>
+          <a:ext cx="0" cy="0"/>
+          <a:chOff x="0" y="0"/>
+          <a:chExt cx="0" cy="0"/>
+        </a:xfrm>
+      </p:grpSpPr>
+      <p:sp>
+        <p:nvSpPr>
+          <p:cNvPr id="2" name="Title 1"/>
+          <p:cNvSpPr>
+            <a:spLocks noGrp="1"/>
+          </p:cNvSpPr>
+          <p:nvPr>
+            <p:ph type="title"/>
+          </p:nvPr>
+        </p:nvSpPr>
+        <p:spPr/>
+        <p:txBody>
+          <a:bodyPr/>
+          <a:lstStyle/>
+          <a:p>
+            <a:r>
+              <a:rPr lang="en-US" dirty="0" smtClean="0"/>
+              <a:t>Implementation </a:t>
+            </a:r>
+            <a:endParaRPr lang="en-US" dirty="0"/>
+          </a:p>
+        </p:txBody>
+      </p:sp>
+      <p:sp>
+        <p:nvSpPr>
+          <p:cNvPr id="3" name="Content Placeholder 2"/>
+          <p:cNvSpPr>
+            <a:spLocks noGrp="1"/>
+          </p:cNvSpPr>
+          <p:nvPr>
+            <p:ph idx="1"/>
+          </p:nvPr>
+        </p:nvSpPr>
+        <p:spPr/>
+        <p:txBody>
+          <a:bodyPr>
+            <a:normAutofit/>
+          </a:bodyPr>
+          <a:lstStyle/>
+          <a:p>
+            <a:r>
+              <a:rPr lang="en-US" sz="2400" dirty="0"/>
+              <a:t>A total power radiometer in software requires us to extract </a:t>
+            </a:r>
+            <a:r>
+              <a:rPr lang="en-US" sz="2400" dirty="0" smtClean="0"/>
+              <a:t>the magnitude </a:t>
+            </a:r>
+            <a:r>
+              <a:rPr lang="en-US" sz="2400" dirty="0"/>
+              <a:t>(or amplitude) information from the I/Q data </a:t>
+            </a:r>
+            <a:r>
+              <a:rPr lang="en-US" sz="2400" dirty="0" smtClean="0"/>
+              <a:t>captured.  This </a:t>
+            </a:r>
+            <a:r>
+              <a:rPr lang="en-US" sz="2400" dirty="0"/>
+              <a:t>is equivalent to what a square-law detector does </a:t>
+            </a:r>
+            <a:r>
+              <a:rPr lang="en-US" sz="2400" dirty="0" smtClean="0"/>
+              <a:t>in determining </a:t>
+            </a:r>
+            <a:r>
+              <a:rPr lang="en-US" sz="2400" dirty="0"/>
+              <a:t>the power measured.</a:t>
+            </a:r>
+            <a:br>
+              <a:rPr lang="en-US" sz="2400" dirty="0"/>
+            </a:br>
+            <a:r>
+              <a:rPr lang="en-US" sz="2400" dirty="0"/>
+              <a:t/>
+            </a:r>
+            <a:br>
+              <a:rPr lang="en-US" sz="2400" dirty="0"/>
+            </a:br>
+            <a:endParaRPr lang="en-US" sz="2400" dirty="0"/>
+          </a:p>
+        </p:txBody>
+      </p:sp>
+    </p:spTree>
+    <p:extLst>
+      <p:ext uri="{BB962C8B-B14F-4D97-AF65-F5344CB8AC3E}">
+        <p14:creationId xmlns:p14="http://schemas.microsoft.com/office/powerpoint/2010/main" val="3881789326"/>
+      </p:ext>
+    </p:extLst>
+  </p:cSld>
+  <p:clrMapOvr>
+    <a:masterClrMapping/>
+  </p:clrMapOvr>
+</p:sld>
+</file>
+
+<file path=ppt/slides/slide19.xml><?xml version="1.0" encoding="utf-8"?>
+<p:sld xmlns:a="http://schemas.openxmlformats.org/drawingml/2006/main" xmlns:r="http://schemas.openxmlformats.org/officeDocument/2006/relationships" xmlns:p="http://schemas.openxmlformats.org/presentationml/2006/main">
+  <p:cSld>
+    <p:spTree>
+      <p:nvGrpSpPr>
+        <p:cNvPr id="1" name=""/>
+        <p:cNvGrpSpPr/>
+        <p:nvPr/>
+      </p:nvGrpSpPr>
+      <p:grpSpPr>
+        <a:xfrm>
+          <a:off x="0" y="0"/>
+          <a:ext cx="0" cy="0"/>
+          <a:chOff x="0" y="0"/>
+          <a:chExt cx="0" cy="0"/>
+        </a:xfrm>
+      </p:grpSpPr>
+      <p:sp>
+        <p:nvSpPr>
+          <p:cNvPr id="2" name="Title 1"/>
+          <p:cNvSpPr>
+            <a:spLocks noGrp="1"/>
+          </p:cNvSpPr>
+          <p:nvPr>
+            <p:ph type="title"/>
+          </p:nvPr>
+        </p:nvSpPr>
+        <p:spPr/>
+        <p:txBody>
+          <a:bodyPr/>
+          <a:lstStyle/>
+          <a:p>
+            <a:r>
+              <a:rPr lang="en-US" dirty="0" smtClean="0"/>
+              <a:t>Implementation</a:t>
+            </a:r>
+            <a:endParaRPr lang="en-US" dirty="0"/>
+          </a:p>
+        </p:txBody>
+      </p:sp>
+      <mc:AlternateContent xmlns:mc="http://schemas.openxmlformats.org/markup-compatibility/2006">
+        <mc:Choice xmlns:a14="http://schemas.microsoft.com/office/drawing/2010/main" Requires="a14">
+          <p:sp>
+            <p:nvSpPr>
+              <p:cNvPr id="3" name="Content Placeholder 2"/>
+              <p:cNvSpPr>
+                <a:spLocks noGrp="1"/>
+              </p:cNvSpPr>
+              <p:nvPr>
+                <p:ph idx="1"/>
+              </p:nvPr>
+            </p:nvSpPr>
+            <p:spPr/>
+            <p:txBody>
+              <a:bodyPr/>
+              <a:lstStyle/>
+              <a:p>
+                <a:r>
+                  <a:rPr lang="en-US" sz="2400" dirty="0" smtClean="0"/>
+                  <a:t>For the SDR, the incoming signal is sampled and converted to I/Q values</a:t>
+                </a:r>
+                <a:r>
+                  <a:rPr lang="en-US" sz="2400" dirty="0"/>
+                  <a:t>. The I/Q values represent the amplitude and </a:t>
+                </a:r>
+                <a:r>
+                  <a:rPr lang="en-US" sz="2400" dirty="0" smtClean="0"/>
+                  <a:t>phase information </a:t>
+                </a:r>
+                <a:r>
+                  <a:rPr lang="en-US" sz="2400" dirty="0"/>
+                  <a:t>of the signal. In </a:t>
+                </a:r>
+                <a:r>
+                  <a:rPr lang="en-US" sz="2400" dirty="0" err="1"/>
+                  <a:t>GNURadio</a:t>
+                </a:r>
+                <a:r>
+                  <a:rPr lang="en-US" sz="2400" dirty="0"/>
+                  <a:t> we are then able to </a:t>
+                </a:r>
+                <a:r>
+                  <a:rPr lang="en-US" sz="2400" dirty="0" smtClean="0"/>
+                  <a:t>square these </a:t>
+                </a:r>
+                <a:r>
+                  <a:rPr lang="en-US" sz="2400" dirty="0"/>
+                  <a:t>values within software. This block in </a:t>
+                </a:r>
+                <a:r>
+                  <a:rPr lang="en-US" sz="2400" dirty="0" err="1" smtClean="0"/>
+                  <a:t>GNURadio</a:t>
+                </a:r>
+                <a:r>
+                  <a:rPr lang="en-US" sz="2400" dirty="0"/>
+                  <a:t> </a:t>
+                </a:r>
+                <a:r>
+                  <a:rPr lang="en-US" sz="2400" dirty="0" smtClean="0"/>
+                  <a:t>mathematically </a:t>
+                </a:r>
+                <a:r>
+                  <a:rPr lang="en-US" sz="2400" dirty="0"/>
+                  <a:t>performs the following</a:t>
+                </a:r>
+                <a:r>
+                  <a:rPr lang="en-US" sz="2400" dirty="0" smtClean="0"/>
+                  <a:t>:</a:t>
+                </a:r>
+              </a:p>
+              <a:p>
+                <a:r>
+                  <a:rPr lang="en-US" sz="2400" dirty="0"/>
+                  <a:t/>
+                </a:r>
+                <a:br>
+                  <a:rPr lang="en-US" sz="2400" dirty="0"/>
+                </a:br>
+                <a:r>
+                  <a:rPr lang="en-US" dirty="0"/>
+                  <a:t/>
+                </a:r>
+                <a:br>
+                  <a:rPr lang="en-US" dirty="0"/>
+                </a:br>
+                <a14:m>
+                  <m:oMath xmlns:m="http://schemas.openxmlformats.org/officeDocument/2006/math">
+                    <m:sSup>
+                      <m:sSupPr>
+                        <m:ctrlPr>
+                          <a:rPr lang="en-US" sz="2400" b="0" i="1" smtClean="0">
+                            <a:latin typeface="Cambria Math" panose="02040503050406030204" pitchFamily="18" charset="0"/>
+                          </a:rPr>
+                        </m:ctrlPr>
+                      </m:sSupPr>
+                      <m:e>
+                        <m:r>
+                          <a:rPr lang="en-US" sz="2400" b="0" i="1" smtClean="0">
+                            <a:latin typeface="Cambria Math" panose="02040503050406030204" pitchFamily="18" charset="0"/>
+                          </a:rPr>
+                          <m:t>𝐼</m:t>
+                        </m:r>
+                      </m:e>
+                      <m:sup>
+                        <m:r>
+                          <a:rPr lang="en-US" sz="2400" b="0" i="1" smtClean="0">
+                            <a:latin typeface="Cambria Math" panose="02040503050406030204" pitchFamily="18" charset="0"/>
+                          </a:rPr>
+                          <m:t>2</m:t>
+                        </m:r>
+                      </m:sup>
+                    </m:sSup>
+                    <m:r>
+                      <a:rPr lang="en-US" sz="2400" b="0" i="1" smtClean="0">
+                        <a:latin typeface="Cambria Math" panose="02040503050406030204" pitchFamily="18" charset="0"/>
+                      </a:rPr>
+                      <m:t>+</m:t>
+                    </m:r>
+                    <m:sSup>
+                      <m:sSupPr>
+                        <m:ctrlPr>
+                          <a:rPr lang="en-US" sz="2400" b="0" i="1" smtClean="0">
+                            <a:latin typeface="Cambria Math" panose="02040503050406030204" pitchFamily="18" charset="0"/>
+                          </a:rPr>
+                        </m:ctrlPr>
+                      </m:sSupPr>
+                      <m:e>
+                        <m:r>
+                          <a:rPr lang="en-US" sz="2400" b="0" i="1" smtClean="0">
+                            <a:latin typeface="Cambria Math" panose="02040503050406030204" pitchFamily="18" charset="0"/>
+                          </a:rPr>
+                          <m:t>𝑄</m:t>
+                        </m:r>
+                      </m:e>
+                      <m:sup>
+                        <m:r>
+                          <a:rPr lang="en-US" sz="2400" b="0" i="1" smtClean="0">
+                            <a:latin typeface="Cambria Math" panose="02040503050406030204" pitchFamily="18" charset="0"/>
+                          </a:rPr>
+                          <m:t>2</m:t>
+                        </m:r>
+                      </m:sup>
+                    </m:sSup>
+                    <m:r>
+                      <a:rPr lang="en-US" sz="2400" b="0" i="1" smtClean="0">
+                        <a:latin typeface="Cambria Math" panose="02040503050406030204" pitchFamily="18" charset="0"/>
+                      </a:rPr>
+                      <m:t>=</m:t>
+                    </m:r>
+                    <m:sSub>
+                      <m:sSubPr>
+                        <m:ctrlPr>
+                          <a:rPr lang="en-US" sz="2400" b="0" i="1" smtClean="0">
+                            <a:latin typeface="Cambria Math" panose="02040503050406030204" pitchFamily="18" charset="0"/>
+                          </a:rPr>
+                        </m:ctrlPr>
+                      </m:sSubPr>
+                      <m:e>
+                        <m:r>
+                          <a:rPr lang="en-US" sz="2400" b="0" i="1" smtClean="0">
+                            <a:latin typeface="Cambria Math" panose="02040503050406030204" pitchFamily="18" charset="0"/>
+                          </a:rPr>
+                          <m:t>𝑃</m:t>
+                        </m:r>
+                      </m:e>
+                      <m:sub>
+                        <m:r>
+                          <a:rPr lang="en-US" sz="2400" b="0" i="1" smtClean="0">
+                            <a:latin typeface="Cambria Math" panose="02040503050406030204" pitchFamily="18" charset="0"/>
+                          </a:rPr>
+                          <m:t>𝑜𝑢𝑡</m:t>
+                        </m:r>
+                      </m:sub>
+                    </m:sSub>
+                  </m:oMath>
+                </a14:m>
+                <a:endParaRPr lang="en-US" sz="2400" dirty="0"/>
+              </a:p>
+            </p:txBody>
+          </p:sp>
+        </mc:Choice>
+        <mc:Fallback>
+          <p:sp>
+            <p:nvSpPr>
+              <p:cNvPr id="3" name="Content Placeholder 2"/>
+              <p:cNvSpPr>
+                <a:spLocks noGrp="1" noRot="1" noChangeAspect="1" noMove="1" noResize="1" noEditPoints="1" noAdjustHandles="1" noChangeArrowheads="1" noChangeShapeType="1" noTextEdit="1"/>
+              </p:cNvSpPr>
+              <p:nvPr>
+                <p:ph idx="1"/>
+              </p:nvPr>
+            </p:nvSpPr>
+            <p:spPr>
+              <a:blipFill rotWithShape="0">
+                <a:blip r:embed="rId2"/>
+                <a:stretch>
+                  <a:fillRect l="-909" t="-2121" r="-2242"/>
+                </a:stretch>
+              </a:blipFill>
+            </p:spPr>
+            <p:txBody>
+              <a:bodyPr/>
+              <a:lstStyle/>
+              <a:p>
+                <a:r>
+                  <a:rPr lang="en-US">
+                    <a:noFill/>
+                  </a:rPr>
+                  <a:t> </a:t>
+                </a:r>
+              </a:p>
+            </p:txBody>
+          </p:sp>
+        </mc:Fallback>
+      </mc:AlternateContent>
+    </p:spTree>
+    <p:extLst>
+      <p:ext uri="{BB962C8B-B14F-4D97-AF65-F5344CB8AC3E}">
+        <p14:creationId xmlns:p14="http://schemas.microsoft.com/office/powerpoint/2010/main" val="578632491"/>
+      </p:ext>
+    </p:extLst>
+  </p:cSld>
+  <p:clrMapOvr>
+    <a:masterClrMapping/>
+  </p:clrMapOvr>
+</p:sld>
+</file>
+
 <file path=ppt/slides/slide2.xml><?xml version="1.0" encoding="utf-8"?>
 <p:sld xmlns:a="http://schemas.openxmlformats.org/drawingml/2006/main" xmlns:r="http://schemas.openxmlformats.org/officeDocument/2006/relationships" xmlns:p="http://schemas.openxmlformats.org/presentationml/2006/main">
   <p:cSld>
@@ -5911,6 +8808,118 @@
       </p:par>
     </p:tnLst>
   </p:timing>
+</p:sld>
+</file>
+
+<file path=ppt/slides/slide20.xml><?xml version="1.0" encoding="utf-8"?>
+<p:sld xmlns:a="http://schemas.openxmlformats.org/drawingml/2006/main" xmlns:r="http://schemas.openxmlformats.org/officeDocument/2006/relationships" xmlns:p="http://schemas.openxmlformats.org/presentationml/2006/main">
+  <p:cSld>
+    <p:spTree>
+      <p:nvGrpSpPr>
+        <p:cNvPr id="1" name=""/>
+        <p:cNvGrpSpPr/>
+        <p:nvPr/>
+      </p:nvGrpSpPr>
+      <p:grpSpPr>
+        <a:xfrm>
+          <a:off x="0" y="0"/>
+          <a:ext cx="0" cy="0"/>
+          <a:chOff x="0" y="0"/>
+          <a:chExt cx="0" cy="0"/>
+        </a:xfrm>
+      </p:grpSpPr>
+      <p:sp>
+        <p:nvSpPr>
+          <p:cNvPr id="2" name="Title 1"/>
+          <p:cNvSpPr>
+            <a:spLocks noGrp="1"/>
+          </p:cNvSpPr>
+          <p:nvPr>
+            <p:ph type="title"/>
+          </p:nvPr>
+        </p:nvSpPr>
+        <p:spPr/>
+        <p:txBody>
+          <a:bodyPr/>
+          <a:lstStyle/>
+          <a:p>
+            <a:r>
+              <a:rPr lang="en-US" dirty="0" smtClean="0"/>
+              <a:t>Filtering</a:t>
+            </a:r>
+            <a:endParaRPr lang="en-US" dirty="0"/>
+          </a:p>
+        </p:txBody>
+      </p:sp>
+      <p:sp>
+        <p:nvSpPr>
+          <p:cNvPr id="3" name="Content Placeholder 2"/>
+          <p:cNvSpPr>
+            <a:spLocks noGrp="1"/>
+          </p:cNvSpPr>
+          <p:nvPr>
+            <p:ph idx="1"/>
+          </p:nvPr>
+        </p:nvSpPr>
+        <p:spPr/>
+        <p:txBody>
+          <a:bodyPr>
+            <a:normAutofit/>
+          </a:bodyPr>
+          <a:lstStyle/>
+          <a:p>
+            <a:r>
+              <a:rPr lang="en-US" sz="2400" dirty="0" smtClean="0"/>
+              <a:t>Filtering requirements in a software defined radio is different from a hardware based or traditional radiometer.</a:t>
+            </a:r>
+          </a:p>
+          <a:p>
+            <a:pPr>
+              <a:buFont typeface="Wingdings" panose="05000000000000000000" pitchFamily="2" charset="2"/>
+              <a:buChar char="§"/>
+            </a:pPr>
+            <a:r>
+              <a:rPr lang="en-US" sz="2400" dirty="0" smtClean="0"/>
+              <a:t>The bandwidth setting of the SDR only samples data within that bandwidth</a:t>
+            </a:r>
+          </a:p>
+          <a:p>
+            <a:pPr>
+              <a:buFont typeface="Wingdings" panose="05000000000000000000" pitchFamily="2" charset="2"/>
+              <a:buChar char="§"/>
+            </a:pPr>
+            <a:r>
+              <a:rPr lang="en-US" sz="2400" dirty="0" smtClean="0"/>
+              <a:t>Additional filters can be added at a cost of additional processing requirements</a:t>
+            </a:r>
+          </a:p>
+          <a:p>
+            <a:pPr>
+              <a:buFont typeface="Wingdings" panose="05000000000000000000" pitchFamily="2" charset="2"/>
+              <a:buChar char="§"/>
+            </a:pPr>
+            <a:r>
+              <a:rPr lang="en-US" sz="2400" dirty="0" smtClean="0"/>
+              <a:t>Because filtering is software driven, filters can be added or removed with no additional </a:t>
+            </a:r>
+            <a:r>
+              <a:rPr lang="en-US" sz="2400" smtClean="0"/>
+              <a:t>hardware required.</a:t>
+            </a:r>
+            <a:endParaRPr lang="en-US" sz="2400"/>
+          </a:p>
+        </p:txBody>
+      </p:sp>
+    </p:spTree>
+    <p:extLst>
+      <p:ext uri="{BB962C8B-B14F-4D97-AF65-F5344CB8AC3E}">
+        <p14:creationId xmlns:p14="http://schemas.microsoft.com/office/powerpoint/2010/main" val="3716362889"/>
+      </p:ext>
+    </p:extLst>
+  </p:cSld>
+  <p:clrMapOvr>
+    <a:masterClrMapping/>
+  </p:clrMapOvr>
 </p:sld>
 </file>
 

--- a/Presentation/Final Oral Presentation.pptx
+++ b/Presentation/Final Oral Presentation.pptx
@@ -5,7 +5,7 @@
     <p:sldMasterId id="2147483648" r:id="rId1"/>
   </p:sldMasterIdLst>
   <p:notesMasterIdLst>
-    <p:notesMasterId r:id="rId22"/>
+    <p:notesMasterId r:id="rId23"/>
   </p:notesMasterIdLst>
   <p:sldIdLst>
     <p:sldId id="256" r:id="rId2"/>
@@ -28,6 +28,7 @@
     <p:sldId id="273" r:id="rId19"/>
     <p:sldId id="274" r:id="rId20"/>
     <p:sldId id="275" r:id="rId21"/>
+    <p:sldId id="276" r:id="rId22"/>
   </p:sldIdLst>
   <p:sldSz cx="12192000" cy="6858000"/>
   <p:notesSz cx="6858000" cy="9144000"/>
@@ -128,10 +129,10 @@
   </p:defaultTextStyle>
   <p:extLst>
     <p:ext uri="{EFAFB233-063F-42B5-8137-9DF3F51BA10A}">
-      <p15:sldGuideLst xmlns:p15="http://schemas.microsoft.com/office/powerpoint/2012/main"/>
+      <p15:sldGuideLst xmlns:p15="http://schemas.microsoft.com/office/powerpoint/2012/main" xmlns=""/>
     </p:ext>
     <p:ext uri="{2D200454-40CA-4A62-9FC3-DE9A4176ACB9}">
-      <p15:notesGuideLst xmlns:p15="http://schemas.microsoft.com/office/powerpoint/2012/main">
+      <p15:notesGuideLst xmlns:p15="http://schemas.microsoft.com/office/powerpoint/2012/main" xmlns="">
         <p15:guide id="1" orient="horz" pos="2880" userDrawn="1">
           <p15:clr>
             <a:srgbClr val="A4A3A4"/>
@@ -230,7 +231,7 @@
           <a:p>
             <a:fld id="{92C649C7-C039-45D5-907F-E555A9769906}" type="datetimeFigureOut">
               <a:rPr lang="en-US" smtClean="0"/>
-              <a:t>4/18/2015</a:t>
+              <a:t>4/18/15</a:t>
             </a:fld>
             <a:endParaRPr lang="en-US"/>
           </a:p>
@@ -3289,7 +3290,7 @@
           <a:p>
             <a:fld id="{5A069CB8-F204-4D06-B913-C5A26A89888A}" type="datetimeFigureOut">
               <a:rPr lang="en-US" dirty="0"/>
-              <a:t>4/18/2015</a:t>
+              <a:t>4/18/15</a:t>
             </a:fld>
             <a:endParaRPr lang="en-US" dirty="0"/>
           </a:p>
@@ -3492,7 +3493,7 @@
           <a:p>
             <a:fld id="{50B6E300-0A13-4A81-945A-7333C271A069}" type="datetimeFigureOut">
               <a:rPr lang="en-US" dirty="0"/>
-              <a:t>4/18/2015</a:t>
+              <a:t>4/18/15</a:t>
             </a:fld>
             <a:endParaRPr lang="en-US" dirty="0"/>
           </a:p>
@@ -3743,7 +3744,7 @@
           <a:p>
             <a:fld id="{34671962-1EA4-46E7-BCB0-F36CE46D1A59}" type="datetimeFigureOut">
               <a:rPr lang="en-US" dirty="0"/>
-              <a:t>4/18/2015</a:t>
+              <a:t>4/18/15</a:t>
             </a:fld>
             <a:endParaRPr lang="en-US" dirty="0"/>
           </a:p>
@@ -3908,7 +3909,7 @@
           <a:p>
             <a:fld id="{D30BB376-B19C-488D-ABEB-03C7E6E9E3E0}" type="datetimeFigureOut">
               <a:rPr lang="en-US" dirty="0"/>
-              <a:t>4/18/2015</a:t>
+              <a:t>4/18/15</a:t>
             </a:fld>
             <a:endParaRPr lang="en-US" dirty="0"/>
           </a:p>
@@ -4246,7 +4247,7 @@
           <a:p>
             <a:fld id="{486F077B-A50F-4D64-8574-E2D6A98A5553}" type="datetimeFigureOut">
               <a:rPr lang="en-US" dirty="0"/>
-              <a:t>4/18/2015</a:t>
+              <a:t>4/18/15</a:t>
             </a:fld>
             <a:endParaRPr lang="en-US" dirty="0"/>
           </a:p>
@@ -4516,7 +4517,7 @@
           <a:p>
             <a:fld id="{7D9E2A62-1983-43A1-A163-D8AA46534C80}" type="datetimeFigureOut">
               <a:rPr lang="en-US" dirty="0"/>
-              <a:t>4/18/2015</a:t>
+              <a:t>4/18/15</a:t>
             </a:fld>
             <a:endParaRPr lang="en-US" dirty="0"/>
           </a:p>
@@ -4890,7 +4891,7 @@
           <a:p>
             <a:fld id="{898F3E3B-34E3-4345-B2A1-994B83598A9C}" type="datetimeFigureOut">
               <a:rPr lang="en-US" dirty="0"/>
-              <a:t>4/18/2015</a:t>
+              <a:t>4/18/15</a:t>
             </a:fld>
             <a:endParaRPr lang="en-US" dirty="0"/>
           </a:p>
@@ -5003,7 +5004,7 @@
           <a:p>
             <a:fld id="{FD816C96-82A1-4D77-8ADA-627AC6FE3D65}" type="datetimeFigureOut">
               <a:rPr lang="en-US" dirty="0"/>
-              <a:t>4/18/2015</a:t>
+              <a:t>4/18/15</a:t>
             </a:fld>
             <a:endParaRPr lang="en-US" dirty="0"/>
           </a:p>
@@ -5169,7 +5170,7 @@
           <a:p>
             <a:fld id="{1D102C1E-28F2-47E9-802D-339E64E2F920}" type="datetimeFigureOut">
               <a:rPr lang="en-US" dirty="0"/>
-              <a:t>4/18/2015</a:t>
+              <a:t>4/18/15</a:t>
             </a:fld>
             <a:endParaRPr lang="en-US" dirty="0"/>
           </a:p>
@@ -5519,7 +5520,7 @@
           <a:p>
             <a:fld id="{24271A48-F18A-45B3-BC05-1E27DA3F88AF}" type="datetimeFigureOut">
               <a:rPr lang="en-US" dirty="0"/>
-              <a:t>4/18/2015</a:t>
+              <a:t>4/18/15</a:t>
             </a:fld>
             <a:endParaRPr lang="en-US" dirty="0"/>
           </a:p>
@@ -5892,7 +5893,7 @@
           <a:p>
             <a:fld id="{65B747F8-9654-4282-85D2-65F41AAE7A75}" type="datetimeFigureOut">
               <a:rPr lang="en-US" dirty="0"/>
-              <a:t>4/18/2015</a:t>
+              <a:t>4/18/15</a:t>
             </a:fld>
             <a:endParaRPr lang="en-US" dirty="0"/>
           </a:p>
@@ -6174,7 +6175,7 @@
           <a:p>
             <a:fld id="{5DC5B261-8843-42D1-AAFC-05E20E2D9B97}" type="datetimeFigureOut">
               <a:rPr lang="en-US" dirty="0"/>
-              <a:t>4/18/2015</a:t>
+              <a:t>4/18/15</a:t>
             </a:fld>
             <a:endParaRPr lang="en-US" dirty="0"/>
           </a:p>
@@ -6770,7 +6771,7 @@
   <p:timing>
     <p:tnLst>
       <p:par>
-        <p:cTn id="1" dur="indefinite" restart="never" nodeType="tmRoot"/>
+        <p:cTn xmlns:p14="http://schemas.microsoft.com/office/powerpoint/2010/main" id="1" dur="indefinite" restart="never" nodeType="tmRoot"/>
       </p:par>
     </p:tnLst>
   </p:timing>
@@ -6970,7 +6971,7 @@
   <p:timing>
     <p:tnLst>
       <p:par>
-        <p:cTn id="1" dur="indefinite" restart="never" nodeType="tmRoot"/>
+        <p:cTn xmlns:p14="http://schemas.microsoft.com/office/powerpoint/2010/main" id="1" dur="indefinite" restart="never" nodeType="tmRoot"/>
       </p:par>
     </p:tnLst>
   </p:timing>
@@ -7039,11 +7040,7 @@
             </a:pPr>
             <a:r>
               <a:rPr lang="en-US" sz="2400" dirty="0" smtClean="0"/>
-              <a:t>A more realistic model is a system that includes the noise that is generated by th</a:t>
-            </a:r>
-            <a:r>
-              <a:rPr lang="en-US" sz="2400" dirty="0" smtClean="0"/>
-              <a:t>e radiometer itself.  This noise is added to the noise from the antenna.</a:t>
+              <a:t>A more realistic model is a system that includes the noise that is generated by the radiometer itself.  This noise is added to the noise from the antenna.</a:t>
             </a:r>
             <a:r>
               <a:rPr lang="en-US" sz="2400" dirty="0"/>
@@ -7099,7 +7096,7 @@
   <p:timing>
     <p:tnLst>
       <p:par>
-        <p:cTn id="1" dur="indefinite" restart="never" nodeType="tmRoot"/>
+        <p:cTn xmlns:p14="http://schemas.microsoft.com/office/powerpoint/2010/main" id="1" dur="indefinite" restart="never" nodeType="tmRoot"/>
       </p:par>
     </p:tnLst>
   </p:timing>
@@ -8454,8 +8451,8 @@
           </a:p>
         </p:txBody>
       </p:sp>
-      <mc:AlternateContent xmlns:mc="http://schemas.openxmlformats.org/markup-compatibility/2006">
-        <mc:Choice xmlns:a14="http://schemas.microsoft.com/office/drawing/2010/main" Requires="a14">
+      <mc:AlternateContent xmlns:mc="http://schemas.openxmlformats.org/markup-compatibility/2006" xmlns:a14="http://schemas.microsoft.com/office/drawing/2010/main">
+        <mc:Choice Requires="a14">
           <p:sp>
             <p:nvSpPr>
               <p:cNvPr id="3" name="Content Placeholder 2"/>
@@ -8540,7 +8537,7 @@
                   <a:rPr lang="en-US" dirty="0"/>
                 </a:br>
                 <a14:m>
-                  <m:oMath xmlns:m="http://schemas.openxmlformats.org/officeDocument/2006/math">
+                  <m:oMath xmlns:m="http://schemas.openxmlformats.org/officeDocument/2006/math" xmlns="">
                     <m:sSup>
                       <m:sSupPr>
                         <m:ctrlPr>
@@ -8635,7 +8632,7 @@
             </p:txBody>
           </p:sp>
         </mc:Choice>
-        <mc:Fallback>
+        <mc:Fallback xmlns="">
           <p:sp>
             <p:nvSpPr>
               <p:cNvPr id="3" name="Content Placeholder 2"/>
@@ -8804,7 +8801,7 @@
   <p:timing>
     <p:tnLst>
       <p:par>
-        <p:cTn id="1" dur="indefinite" restart="never" nodeType="tmRoot"/>
+        <p:cTn xmlns:p14="http://schemas.microsoft.com/office/powerpoint/2010/main" id="1" dur="indefinite" restart="never" nodeType="tmRoot"/>
       </p:par>
     </p:tnLst>
   </p:timing>
@@ -8914,6 +8911,144 @@
     <p:extLst>
       <p:ext uri="{BB962C8B-B14F-4D97-AF65-F5344CB8AC3E}">
         <p14:creationId xmlns:p14="http://schemas.microsoft.com/office/powerpoint/2010/main" val="3716362889"/>
+      </p:ext>
+    </p:extLst>
+  </p:cSld>
+  <p:clrMapOvr>
+    <a:masterClrMapping/>
+  </p:clrMapOvr>
+</p:sld>
+</file>
+
+<file path=ppt/slides/slide21.xml><?xml version="1.0" encoding="utf-8"?>
+<p:sld xmlns:a="http://schemas.openxmlformats.org/drawingml/2006/main" xmlns:r="http://schemas.openxmlformats.org/officeDocument/2006/relationships" xmlns:p="http://schemas.openxmlformats.org/presentationml/2006/main">
+  <p:cSld>
+    <p:spTree>
+      <p:nvGrpSpPr>
+        <p:cNvPr id="1" name=""/>
+        <p:cNvGrpSpPr/>
+        <p:nvPr/>
+      </p:nvGrpSpPr>
+      <p:grpSpPr>
+        <a:xfrm>
+          <a:off x="0" y="0"/>
+          <a:ext cx="0" cy="0"/>
+          <a:chOff x="0" y="0"/>
+          <a:chExt cx="0" cy="0"/>
+        </a:xfrm>
+      </p:grpSpPr>
+      <p:sp>
+        <p:nvSpPr>
+          <p:cNvPr id="2" name="Title 1"/>
+          <p:cNvSpPr>
+            <a:spLocks noGrp="1"/>
+          </p:cNvSpPr>
+          <p:nvPr>
+            <p:ph type="title"/>
+          </p:nvPr>
+        </p:nvSpPr>
+        <p:spPr/>
+        <p:txBody>
+          <a:bodyPr/>
+          <a:lstStyle/>
+          <a:p>
+            <a:r>
+              <a:rPr lang="en-US" dirty="0" smtClean="0"/>
+              <a:t>Integration</a:t>
+            </a:r>
+            <a:endParaRPr lang="en-US" dirty="0"/>
+          </a:p>
+        </p:txBody>
+      </p:sp>
+      <p:sp>
+        <p:nvSpPr>
+          <p:cNvPr id="3" name="Content Placeholder 2"/>
+          <p:cNvSpPr>
+            <a:spLocks noGrp="1"/>
+          </p:cNvSpPr>
+          <p:nvPr>
+            <p:ph idx="1"/>
+          </p:nvPr>
+        </p:nvSpPr>
+        <p:spPr/>
+        <p:txBody>
+          <a:bodyPr>
+            <a:normAutofit/>
+          </a:bodyPr>
+          <a:lstStyle/>
+          <a:p>
+            <a:r>
+              <a:rPr lang="en-US" sz="2400" dirty="0"/>
+              <a:t>The data we get from these power measurements </a:t>
+            </a:r>
+            <a:r>
+              <a:rPr lang="en-US" sz="2400" dirty="0" smtClean="0"/>
+              <a:t>fluctuate very quickly</a:t>
+            </a:r>
+            <a:r>
+              <a:rPr lang="en-US" sz="2400" dirty="0"/>
+              <a:t>. We want to smooth out or </a:t>
+            </a:r>
+            <a:r>
+              <a:rPr lang="en-US" sz="2400" dirty="0" smtClean="0"/>
+              <a:t>filter </a:t>
+            </a:r>
+            <a:r>
+              <a:rPr lang="en-US" sz="2400" dirty="0"/>
+              <a:t>this data by </a:t>
+            </a:r>
+            <a:r>
+              <a:rPr lang="en-US" sz="2400" dirty="0" smtClean="0"/>
+              <a:t>integrating this </a:t>
+            </a:r>
+            <a:r>
+              <a:rPr lang="en-US" sz="2400" dirty="0"/>
+              <a:t>over time. In a traditional radiometer a hardware integrator </a:t>
+            </a:r>
+            <a:r>
+              <a:rPr lang="en-US" sz="2400" dirty="0" smtClean="0"/>
+              <a:t>is often </a:t>
+            </a:r>
+            <a:r>
+              <a:rPr lang="en-US" sz="2400" dirty="0"/>
+              <a:t>used. In software, we can use an </a:t>
+            </a:r>
+            <a:r>
+              <a:rPr lang="en-US" sz="2400" dirty="0" smtClean="0"/>
+              <a:t>Infinite </a:t>
+            </a:r>
+            <a:r>
+              <a:rPr lang="en-US" sz="2400" dirty="0"/>
+              <a:t>Impulse </a:t>
+            </a:r>
+            <a:r>
+              <a:rPr lang="en-US" sz="2400" dirty="0" smtClean="0"/>
+              <a:t>Response (</a:t>
+            </a:r>
+            <a:r>
+              <a:rPr lang="en-US" sz="2400" dirty="0"/>
+              <a:t>IIR</a:t>
+            </a:r>
+            <a:r>
+              <a:rPr lang="en-US" sz="2400"/>
+              <a:t>) </a:t>
+            </a:r>
+            <a:r>
+              <a:rPr lang="en-US" sz="2400" smtClean="0"/>
+              <a:t>filter </a:t>
+            </a:r>
+            <a:r>
+              <a:rPr lang="en-US" sz="2400" dirty="0"/>
+              <a:t>as an integrator.</a:t>
+            </a:r>
+            <a:endParaRPr lang="en-US" sz="2400" dirty="0"/>
+          </a:p>
+        </p:txBody>
+      </p:sp>
+    </p:spTree>
+    <p:extLst>
+      <p:ext uri="{BB962C8B-B14F-4D97-AF65-F5344CB8AC3E}">
+        <p14:creationId xmlns:p14="http://schemas.microsoft.com/office/powerpoint/2010/main" val="79693499"/>
       </p:ext>
     </p:extLst>
   </p:cSld>
@@ -8995,7 +9130,7 @@
   <p:timing>
     <p:tnLst>
       <p:par>
-        <p:cTn id="1" dur="indefinite" restart="never" nodeType="tmRoot"/>
+        <p:cTn xmlns:p14="http://schemas.microsoft.com/office/powerpoint/2010/main" id="1" dur="indefinite" restart="never" nodeType="tmRoot"/>
       </p:par>
     </p:tnLst>
   </p:timing>
@@ -9428,7 +9563,7 @@
   <p:timing>
     <p:tnLst>
       <p:par>
-        <p:cTn id="1" dur="indefinite" restart="never" nodeType="tmRoot"/>
+        <p:cTn xmlns:p14="http://schemas.microsoft.com/office/powerpoint/2010/main" id="1" dur="indefinite" restart="never" nodeType="tmRoot"/>
       </p:par>
     </p:tnLst>
   </p:timing>
@@ -9801,7 +9936,7 @@
   <p:timing>
     <p:tnLst>
       <p:par>
-        <p:cTn id="1" dur="indefinite" restart="never" nodeType="tmRoot"/>
+        <p:cTn xmlns:p14="http://schemas.microsoft.com/office/powerpoint/2010/main" id="1" dur="indefinite" restart="never" nodeType="tmRoot"/>
       </p:par>
     </p:tnLst>
   </p:timing>
@@ -9919,7 +10054,7 @@
   <p:timing>
     <p:tnLst>
       <p:par>
-        <p:cTn id="1" dur="indefinite" restart="never" nodeType="tmRoot"/>
+        <p:cTn xmlns:p14="http://schemas.microsoft.com/office/powerpoint/2010/main" id="1" dur="indefinite" restart="never" nodeType="tmRoot"/>
       </p:par>
     </p:tnLst>
   </p:timing>
@@ -10087,7 +10222,7 @@
   <p:timing>
     <p:tnLst>
       <p:par>
-        <p:cTn id="1" dur="indefinite" restart="never" nodeType="tmRoot"/>
+        <p:cTn xmlns:p14="http://schemas.microsoft.com/office/powerpoint/2010/main" id="1" dur="indefinite" restart="never" nodeType="tmRoot"/>
       </p:par>
     </p:tnLst>
   </p:timing>
@@ -10263,7 +10398,7 @@
   <p:timing>
     <p:tnLst>
       <p:par>
-        <p:cTn id="1" dur="indefinite" restart="never" nodeType="tmRoot"/>
+        <p:cTn xmlns:p14="http://schemas.microsoft.com/office/powerpoint/2010/main" id="1" dur="indefinite" restart="never" nodeType="tmRoot"/>
       </p:par>
     </p:tnLst>
   </p:timing>
@@ -10409,7 +10544,7 @@
   <p:timing>
     <p:tnLst>
       <p:par>
-        <p:cTn id="1" dur="indefinite" restart="never" nodeType="tmRoot"/>
+        <p:cTn xmlns:p14="http://schemas.microsoft.com/office/powerpoint/2010/main" id="1" dur="indefinite" restart="never" nodeType="tmRoot"/>
       </p:par>
     </p:tnLst>
   </p:timing>
@@ -10459,7 +10594,7 @@
     </a:clrScheme>
     <a:fontScheme name="Retrospect">
       <a:majorFont>
-        <a:latin typeface="Calibri Light" panose="020F0302020204030204"/>
+        <a:latin typeface="Calibri Light"/>
         <a:ea typeface=""/>
         <a:cs typeface=""/>
         <a:font script="Jpan" typeface="ＭＳ Ｐゴシック"/>
@@ -10494,7 +10629,7 @@
         <a:font script="Geor" typeface="Sylfaen"/>
       </a:majorFont>
       <a:minorFont>
-        <a:latin typeface="Calibri" panose="020F0502020204030204"/>
+        <a:latin typeface="Calibri"/>
         <a:ea typeface=""/>
         <a:cs typeface=""/>
         <a:font script="Jpan" typeface="ＭＳ Ｐゴシック"/>
@@ -10693,7 +10828,7 @@
   <a:extraClrSchemeLst/>
   <a:extLst>
     <a:ext uri="{05A4C25C-085E-4340-85A3-A5531E510DB2}">
-      <thm15:themeFamily xmlns:thm15="http://schemas.microsoft.com/office/thememl/2012/main" name="Retrospect" id="{5F128B03-DCCA-4EEB-AB3B-CF2899314A46}" vid="{02006FA4-1611-4B07-AF7F-85CF6D20EB3E}"/>
+      <thm15:themeFamily xmlns:thm15="http://schemas.microsoft.com/office/thememl/2012/main" xmlns="" name="Retrospect" id="{5F128B03-DCCA-4EEB-AB3B-CF2899314A46}" vid="{02006FA4-1611-4B07-AF7F-85CF6D20EB3E}"/>
     </a:ext>
   </a:extLst>
 </a:theme>
@@ -10742,7 +10877,7 @@
     </a:clrScheme>
     <a:fontScheme name="Office">
       <a:majorFont>
-        <a:latin typeface="Calibri Light" panose="020F0302020204030204"/>
+        <a:latin typeface="Calibri Light"/>
         <a:ea typeface=""/>
         <a:cs typeface=""/>
         <a:font script="Jpan" typeface="ＭＳ Ｐゴシック"/>
@@ -10777,7 +10912,7 @@
         <a:font script="Geor" typeface="Sylfaen"/>
       </a:majorFont>
       <a:minorFont>
-        <a:latin typeface="Calibri" panose="020F0502020204030204"/>
+        <a:latin typeface="Calibri"/>
         <a:ea typeface=""/>
         <a:cs typeface=""/>
         <a:font script="Jpan" typeface="ＭＳ Ｐゴシック"/>
@@ -10954,7 +11089,7 @@
   <a:extraClrSchemeLst/>
   <a:extLst>
     <a:ext uri="{05A4C25C-085E-4340-85A3-A5531E510DB2}">
-      <thm15:themeFamily xmlns:thm15="http://schemas.microsoft.com/office/thememl/2012/main" name="Office Theme" id="{62F939B6-93AF-4DB8-9C6B-D6C7DFDC589F}" vid="{4A3C46E8-61CC-4603-A589-7422A47A8E4A}"/>
+      <thm15:themeFamily xmlns:thm15="http://schemas.microsoft.com/office/thememl/2012/main" xmlns="" name="Office Theme" id="{62F939B6-93AF-4DB8-9C6B-D6C7DFDC589F}" vid="{4A3C46E8-61CC-4603-A589-7422A47A8E4A}"/>
     </a:ext>
   </a:extLst>
 </a:theme>

--- a/Presentation/Final Oral Presentation.pptx
+++ b/Presentation/Final Oral Presentation.pptx
@@ -5,7 +5,7 @@
     <p:sldMasterId id="2147483648" r:id="rId1"/>
   </p:sldMasterIdLst>
   <p:notesMasterIdLst>
-    <p:notesMasterId r:id="rId23"/>
+    <p:notesMasterId r:id="rId38"/>
   </p:notesMasterIdLst>
   <p:sldIdLst>
     <p:sldId id="256" r:id="rId2"/>
@@ -29,6 +29,21 @@
     <p:sldId id="274" r:id="rId20"/>
     <p:sldId id="275" r:id="rId21"/>
     <p:sldId id="276" r:id="rId22"/>
+    <p:sldId id="277" r:id="rId23"/>
+    <p:sldId id="278" r:id="rId24"/>
+    <p:sldId id="279" r:id="rId25"/>
+    <p:sldId id="280" r:id="rId26"/>
+    <p:sldId id="281" r:id="rId27"/>
+    <p:sldId id="282" r:id="rId28"/>
+    <p:sldId id="283" r:id="rId29"/>
+    <p:sldId id="284" r:id="rId30"/>
+    <p:sldId id="285" r:id="rId31"/>
+    <p:sldId id="286" r:id="rId32"/>
+    <p:sldId id="287" r:id="rId33"/>
+    <p:sldId id="288" r:id="rId34"/>
+    <p:sldId id="289" r:id="rId35"/>
+    <p:sldId id="290" r:id="rId36"/>
+    <p:sldId id="291" r:id="rId37"/>
   </p:sldIdLst>
   <p:sldSz cx="12192000" cy="6858000"/>
   <p:notesSz cx="6858000" cy="9144000"/>
@@ -129,10 +144,21 @@
   </p:defaultTextStyle>
   <p:extLst>
     <p:ext uri="{EFAFB233-063F-42B5-8137-9DF3F51BA10A}">
-      <p15:sldGuideLst xmlns:p15="http://schemas.microsoft.com/office/powerpoint/2012/main" xmlns=""/>
+      <p15:sldGuideLst xmlns:p15="http://schemas.microsoft.com/office/powerpoint/2012/main">
+        <p15:guide id="1" orient="horz" pos="2160">
+          <p15:clr>
+            <a:srgbClr val="A4A3A4"/>
+          </p15:clr>
+        </p15:guide>
+        <p15:guide id="2" pos="3840">
+          <p15:clr>
+            <a:srgbClr val="A4A3A4"/>
+          </p15:clr>
+        </p15:guide>
+      </p15:sldGuideLst>
     </p:ext>
     <p:ext uri="{2D200454-40CA-4A62-9FC3-DE9A4176ACB9}">
-      <p15:notesGuideLst xmlns:p15="http://schemas.microsoft.com/office/powerpoint/2012/main" xmlns="">
+      <p15:notesGuideLst xmlns:p15="http://schemas.microsoft.com/office/powerpoint/2012/main">
         <p15:guide id="1" orient="horz" pos="2880" userDrawn="1">
           <p15:clr>
             <a:srgbClr val="A4A3A4"/>
@@ -231,7 +257,7 @@
           <a:p>
             <a:fld id="{92C649C7-C039-45D5-907F-E555A9769906}" type="datetimeFigureOut">
               <a:rPr lang="en-US" smtClean="0"/>
-              <a:t>4/18/15</a:t>
+              <a:t>4/19/2015</a:t>
             </a:fld>
             <a:endParaRPr lang="en-US"/>
           </a:p>
@@ -3290,7 +3316,7 @@
           <a:p>
             <a:fld id="{5A069CB8-F204-4D06-B913-C5A26A89888A}" type="datetimeFigureOut">
               <a:rPr lang="en-US" dirty="0"/>
-              <a:t>4/18/15</a:t>
+              <a:t>4/19/2015</a:t>
             </a:fld>
             <a:endParaRPr lang="en-US" dirty="0"/>
           </a:p>
@@ -3493,7 +3519,7 @@
           <a:p>
             <a:fld id="{50B6E300-0A13-4A81-945A-7333C271A069}" type="datetimeFigureOut">
               <a:rPr lang="en-US" dirty="0"/>
-              <a:t>4/18/15</a:t>
+              <a:t>4/19/2015</a:t>
             </a:fld>
             <a:endParaRPr lang="en-US" dirty="0"/>
           </a:p>
@@ -3744,7 +3770,7 @@
           <a:p>
             <a:fld id="{34671962-1EA4-46E7-BCB0-F36CE46D1A59}" type="datetimeFigureOut">
               <a:rPr lang="en-US" dirty="0"/>
-              <a:t>4/18/15</a:t>
+              <a:t>4/19/2015</a:t>
             </a:fld>
             <a:endParaRPr lang="en-US" dirty="0"/>
           </a:p>
@@ -3909,7 +3935,7 @@
           <a:p>
             <a:fld id="{D30BB376-B19C-488D-ABEB-03C7E6E9E3E0}" type="datetimeFigureOut">
               <a:rPr lang="en-US" dirty="0"/>
-              <a:t>4/18/15</a:t>
+              <a:t>4/19/2015</a:t>
             </a:fld>
             <a:endParaRPr lang="en-US" dirty="0"/>
           </a:p>
@@ -4247,7 +4273,7 @@
           <a:p>
             <a:fld id="{486F077B-A50F-4D64-8574-E2D6A98A5553}" type="datetimeFigureOut">
               <a:rPr lang="en-US" dirty="0"/>
-              <a:t>4/18/15</a:t>
+              <a:t>4/19/2015</a:t>
             </a:fld>
             <a:endParaRPr lang="en-US" dirty="0"/>
           </a:p>
@@ -4517,7 +4543,7 @@
           <a:p>
             <a:fld id="{7D9E2A62-1983-43A1-A163-D8AA46534C80}" type="datetimeFigureOut">
               <a:rPr lang="en-US" dirty="0"/>
-              <a:t>4/18/15</a:t>
+              <a:t>4/19/2015</a:t>
             </a:fld>
             <a:endParaRPr lang="en-US" dirty="0"/>
           </a:p>
@@ -4891,7 +4917,7 @@
           <a:p>
             <a:fld id="{898F3E3B-34E3-4345-B2A1-994B83598A9C}" type="datetimeFigureOut">
               <a:rPr lang="en-US" dirty="0"/>
-              <a:t>4/18/15</a:t>
+              <a:t>4/19/2015</a:t>
             </a:fld>
             <a:endParaRPr lang="en-US" dirty="0"/>
           </a:p>
@@ -5004,7 +5030,7 @@
           <a:p>
             <a:fld id="{FD816C96-82A1-4D77-8ADA-627AC6FE3D65}" type="datetimeFigureOut">
               <a:rPr lang="en-US" dirty="0"/>
-              <a:t>4/18/15</a:t>
+              <a:t>4/19/2015</a:t>
             </a:fld>
             <a:endParaRPr lang="en-US" dirty="0"/>
           </a:p>
@@ -5170,7 +5196,7 @@
           <a:p>
             <a:fld id="{1D102C1E-28F2-47E9-802D-339E64E2F920}" type="datetimeFigureOut">
               <a:rPr lang="en-US" dirty="0"/>
-              <a:t>4/18/15</a:t>
+              <a:t>4/19/2015</a:t>
             </a:fld>
             <a:endParaRPr lang="en-US" dirty="0"/>
           </a:p>
@@ -5520,7 +5546,7 @@
           <a:p>
             <a:fld id="{24271A48-F18A-45B3-BC05-1E27DA3F88AF}" type="datetimeFigureOut">
               <a:rPr lang="en-US" dirty="0"/>
-              <a:t>4/18/15</a:t>
+              <a:t>4/19/2015</a:t>
             </a:fld>
             <a:endParaRPr lang="en-US" dirty="0"/>
           </a:p>
@@ -5893,7 +5919,7 @@
           <a:p>
             <a:fld id="{65B747F8-9654-4282-85D2-65F41AAE7A75}" type="datetimeFigureOut">
               <a:rPr lang="en-US" dirty="0"/>
-              <a:t>4/18/15</a:t>
+              <a:t>4/19/2015</a:t>
             </a:fld>
             <a:endParaRPr lang="en-US" dirty="0"/>
           </a:p>
@@ -6175,7 +6201,7 @@
           <a:p>
             <a:fld id="{5DC5B261-8843-42D1-AAFC-05E20E2D9B97}" type="datetimeFigureOut">
               <a:rPr lang="en-US" dirty="0"/>
-              <a:t>4/18/15</a:t>
+              <a:t>4/19/2015</a:t>
             </a:fld>
             <a:endParaRPr lang="en-US" dirty="0"/>
           </a:p>
@@ -6771,7 +6797,7 @@
   <p:timing>
     <p:tnLst>
       <p:par>
-        <p:cTn xmlns:p14="http://schemas.microsoft.com/office/powerpoint/2010/main" id="1" dur="indefinite" restart="never" nodeType="tmRoot"/>
+        <p:cTn id="1" dur="indefinite" restart="never" nodeType="tmRoot"/>
       </p:par>
     </p:tnLst>
   </p:timing>
@@ -6971,7 +6997,7 @@
   <p:timing>
     <p:tnLst>
       <p:par>
-        <p:cTn xmlns:p14="http://schemas.microsoft.com/office/powerpoint/2010/main" id="1" dur="indefinite" restart="never" nodeType="tmRoot"/>
+        <p:cTn id="1" dur="indefinite" restart="never" nodeType="tmRoot"/>
       </p:par>
     </p:tnLst>
   </p:timing>
@@ -7096,7 +7122,7 @@
   <p:timing>
     <p:tnLst>
       <p:par>
-        <p:cTn xmlns:p14="http://schemas.microsoft.com/office/powerpoint/2010/main" id="1" dur="indefinite" restart="never" nodeType="tmRoot"/>
+        <p:cTn id="1" dur="indefinite" restart="never" nodeType="tmRoot"/>
       </p:par>
     </p:tnLst>
   </p:timing>
@@ -8537,7 +8563,7 @@
                   <a:rPr lang="en-US" dirty="0"/>
                 </a:br>
                 <a14:m>
-                  <m:oMath xmlns:m="http://schemas.openxmlformats.org/officeDocument/2006/math" xmlns="">
+                  <m:oMath xmlns:m="http://schemas.openxmlformats.org/officeDocument/2006/math">
                     <m:sSup>
                       <m:sSupPr>
                         <m:ctrlPr>
@@ -8801,7 +8827,7 @@
   <p:timing>
     <p:tnLst>
       <p:par>
-        <p:cTn xmlns:p14="http://schemas.microsoft.com/office/powerpoint/2010/main" id="1" dur="indefinite" restart="never" nodeType="tmRoot"/>
+        <p:cTn id="1" dur="indefinite" restart="never" nodeType="tmRoot"/>
       </p:par>
     </p:tnLst>
   </p:timing>
@@ -9041,7 +9067,6 @@
               <a:rPr lang="en-US" sz="2400" dirty="0"/>
               <a:t>as an integrator.</a:t>
             </a:r>
-            <a:endParaRPr lang="en-US" sz="2400" dirty="0"/>
           </a:p>
         </p:txBody>
       </p:sp>
@@ -9049,6 +9074,1331 @@
     <p:extLst>
       <p:ext uri="{BB962C8B-B14F-4D97-AF65-F5344CB8AC3E}">
         <p14:creationId xmlns:p14="http://schemas.microsoft.com/office/powerpoint/2010/main" val="79693499"/>
+      </p:ext>
+    </p:extLst>
+  </p:cSld>
+  <p:clrMapOvr>
+    <a:masterClrMapping/>
+  </p:clrMapOvr>
+</p:sld>
+</file>
+
+<file path=ppt/slides/slide22.xml><?xml version="1.0" encoding="utf-8"?>
+<p:sld xmlns:a="http://schemas.openxmlformats.org/drawingml/2006/main" xmlns:r="http://schemas.openxmlformats.org/officeDocument/2006/relationships" xmlns:p="http://schemas.openxmlformats.org/presentationml/2006/main">
+  <p:cSld>
+    <p:spTree>
+      <p:nvGrpSpPr>
+        <p:cNvPr id="1" name=""/>
+        <p:cNvGrpSpPr/>
+        <p:nvPr/>
+      </p:nvGrpSpPr>
+      <p:grpSpPr>
+        <a:xfrm>
+          <a:off x="0" y="0"/>
+          <a:ext cx="0" cy="0"/>
+          <a:chOff x="0" y="0"/>
+          <a:chExt cx="0" cy="0"/>
+        </a:xfrm>
+      </p:grpSpPr>
+      <p:sp>
+        <p:nvSpPr>
+          <p:cNvPr id="2" name="Title 1"/>
+          <p:cNvSpPr>
+            <a:spLocks noGrp="1"/>
+          </p:cNvSpPr>
+          <p:nvPr>
+            <p:ph type="title"/>
+          </p:nvPr>
+        </p:nvSpPr>
+        <p:spPr/>
+        <p:txBody>
+          <a:bodyPr/>
+          <a:lstStyle/>
+          <a:p>
+            <a:r>
+              <a:rPr lang="en-US" dirty="0" smtClean="0"/>
+              <a:t>IIR as an integrator implementation</a:t>
+            </a:r>
+            <a:endParaRPr lang="en-US" dirty="0"/>
+          </a:p>
+        </p:txBody>
+      </p:sp>
+      <mc:AlternateContent xmlns:mc="http://schemas.openxmlformats.org/markup-compatibility/2006">
+        <mc:Choice xmlns:a14="http://schemas.microsoft.com/office/drawing/2010/main" Requires="a14">
+          <p:sp>
+            <p:nvSpPr>
+              <p:cNvPr id="3" name="Content Placeholder 2"/>
+              <p:cNvSpPr>
+                <a:spLocks noGrp="1"/>
+              </p:cNvSpPr>
+              <p:nvPr>
+                <p:ph idx="1"/>
+              </p:nvPr>
+            </p:nvSpPr>
+            <p:spPr/>
+            <p:txBody>
+              <a:bodyPr>
+                <a:normAutofit/>
+              </a:bodyPr>
+              <a:lstStyle/>
+              <a:p>
+                <a:r>
+                  <a:rPr lang="en-US" sz="2400" dirty="0" smtClean="0"/>
+                  <a:t>It can be seen that an IIR filter can have the same frequency response as we would expect from an analog RC filter.  As our sampling rate approaches infinity, the approximation gets closer to the original response from the analog RC circuit.</a:t>
+                </a:r>
+              </a:p>
+              <a:p>
+                <a:pPr algn="ctr"/>
+                <a:endParaRPr lang="en-US" sz="2400" dirty="0"/>
+              </a:p>
+              <a:p>
+                <a:pPr algn="ctr"/>
+                <a14:m>
+                  <m:oMath xmlns:m="http://schemas.openxmlformats.org/officeDocument/2006/math">
+                    <m:sSub>
+                      <m:sSubPr>
+                        <m:ctrlPr>
+                          <a:rPr lang="en-US" sz="2400" b="0" i="1" smtClean="0">
+                            <a:latin typeface="Cambria Math" panose="02040503050406030204" pitchFamily="18" charset="0"/>
+                          </a:rPr>
+                        </m:ctrlPr>
+                      </m:sSubPr>
+                      <m:e>
+                        <m:r>
+                          <a:rPr lang="en-US" sz="2400" b="0" i="1" smtClean="0">
+                            <a:latin typeface="Cambria Math" panose="02040503050406030204" pitchFamily="18" charset="0"/>
+                          </a:rPr>
+                          <m:t>𝑦</m:t>
+                        </m:r>
+                      </m:e>
+                      <m:sub>
+                        <m:r>
+                          <a:rPr lang="en-US" sz="2400" b="0" i="1" smtClean="0">
+                            <a:latin typeface="Cambria Math" panose="02040503050406030204" pitchFamily="18" charset="0"/>
+                          </a:rPr>
+                          <m:t>𝑛</m:t>
+                        </m:r>
+                      </m:sub>
+                    </m:sSub>
+                    <m:r>
+                      <a:rPr lang="en-US" sz="2400" b="0" i="1" smtClean="0">
+                        <a:latin typeface="Cambria Math" panose="02040503050406030204" pitchFamily="18" charset="0"/>
+                      </a:rPr>
+                      <m:t>= </m:t>
+                    </m:r>
+                    <m:f>
+                      <m:fPr>
+                        <m:ctrlPr>
+                          <a:rPr lang="en-US" sz="2400" b="0" i="1" smtClean="0">
+                            <a:latin typeface="Cambria Math" panose="02040503050406030204" pitchFamily="18" charset="0"/>
+                          </a:rPr>
+                        </m:ctrlPr>
+                      </m:fPr>
+                      <m:num>
+                        <m:r>
+                          <a:rPr lang="en-US" sz="2400" b="0" i="1" smtClean="0">
+                            <a:latin typeface="Cambria Math" panose="02040503050406030204" pitchFamily="18" charset="0"/>
+                          </a:rPr>
+                          <m:t>𝑇</m:t>
+                        </m:r>
+                      </m:num>
+                      <m:den>
+                        <m:r>
+                          <a:rPr lang="en-US" sz="2400" b="0" i="1" smtClean="0">
+                            <a:latin typeface="Cambria Math" panose="02040503050406030204" pitchFamily="18" charset="0"/>
+                          </a:rPr>
+                          <m:t>𝑇</m:t>
+                        </m:r>
+                        <m:r>
+                          <a:rPr lang="en-US" sz="2400" b="0" i="1" smtClean="0">
+                            <a:latin typeface="Cambria Math" panose="02040503050406030204" pitchFamily="18" charset="0"/>
+                          </a:rPr>
+                          <m:t>+</m:t>
+                        </m:r>
+                        <m:r>
+                          <a:rPr lang="en-US" sz="2400" b="0" i="1" smtClean="0">
+                            <a:latin typeface="Cambria Math" panose="02040503050406030204" pitchFamily="18" charset="0"/>
+                          </a:rPr>
+                          <m:t>𝑅𝐶</m:t>
+                        </m:r>
+                      </m:den>
+                    </m:f>
+                    <m:sSub>
+                      <m:sSubPr>
+                        <m:ctrlPr>
+                          <a:rPr lang="en-US" sz="2400" b="0" i="1" smtClean="0">
+                            <a:latin typeface="Cambria Math" panose="02040503050406030204" pitchFamily="18" charset="0"/>
+                          </a:rPr>
+                        </m:ctrlPr>
+                      </m:sSubPr>
+                      <m:e>
+                        <m:r>
+                          <a:rPr lang="en-US" sz="2400" b="0" i="1" smtClean="0">
+                            <a:latin typeface="Cambria Math" panose="02040503050406030204" pitchFamily="18" charset="0"/>
+                          </a:rPr>
+                          <m:t>𝑥</m:t>
+                        </m:r>
+                      </m:e>
+                      <m:sub>
+                        <m:r>
+                          <a:rPr lang="en-US" sz="2400" b="0" i="1" smtClean="0">
+                            <a:latin typeface="Cambria Math" panose="02040503050406030204" pitchFamily="18" charset="0"/>
+                          </a:rPr>
+                          <m:t>𝑛</m:t>
+                        </m:r>
+                      </m:sub>
+                    </m:sSub>
+                    <m:r>
+                      <a:rPr lang="en-US" sz="2400" b="0" i="1" smtClean="0">
+                        <a:latin typeface="Cambria Math" panose="02040503050406030204" pitchFamily="18" charset="0"/>
+                      </a:rPr>
+                      <m:t>+</m:t>
+                    </m:r>
+                    <m:f>
+                      <m:fPr>
+                        <m:ctrlPr>
+                          <a:rPr lang="en-US" sz="2400" b="0" i="1" smtClean="0">
+                            <a:latin typeface="Cambria Math" panose="02040503050406030204" pitchFamily="18" charset="0"/>
+                          </a:rPr>
+                        </m:ctrlPr>
+                      </m:fPr>
+                      <m:num>
+                        <m:r>
+                          <a:rPr lang="en-US" sz="2400" b="0" i="1" smtClean="0">
+                            <a:latin typeface="Cambria Math" panose="02040503050406030204" pitchFamily="18" charset="0"/>
+                          </a:rPr>
+                          <m:t>𝑅𝐶</m:t>
+                        </m:r>
+                      </m:num>
+                      <m:den>
+                        <m:r>
+                          <a:rPr lang="en-US" sz="2400" b="0" i="1" smtClean="0">
+                            <a:latin typeface="Cambria Math" panose="02040503050406030204" pitchFamily="18" charset="0"/>
+                          </a:rPr>
+                          <m:t>𝑇</m:t>
+                        </m:r>
+                        <m:r>
+                          <a:rPr lang="en-US" sz="2400" b="0" i="1" smtClean="0">
+                            <a:latin typeface="Cambria Math" panose="02040503050406030204" pitchFamily="18" charset="0"/>
+                          </a:rPr>
+                          <m:t>+</m:t>
+                        </m:r>
+                        <m:r>
+                          <a:rPr lang="en-US" sz="2400" b="0" i="1" smtClean="0">
+                            <a:latin typeface="Cambria Math" panose="02040503050406030204" pitchFamily="18" charset="0"/>
+                          </a:rPr>
+                          <m:t>𝑅𝐶</m:t>
+                        </m:r>
+                      </m:den>
+                    </m:f>
+                    <m:sSub>
+                      <m:sSubPr>
+                        <m:ctrlPr>
+                          <a:rPr lang="en-US" sz="2400" b="0" i="1" smtClean="0">
+                            <a:latin typeface="Cambria Math" panose="02040503050406030204" pitchFamily="18" charset="0"/>
+                          </a:rPr>
+                        </m:ctrlPr>
+                      </m:sSubPr>
+                      <m:e>
+                        <m:r>
+                          <a:rPr lang="en-US" sz="2400" b="0" i="1" smtClean="0">
+                            <a:latin typeface="Cambria Math" panose="02040503050406030204" pitchFamily="18" charset="0"/>
+                          </a:rPr>
+                          <m:t>𝑦</m:t>
+                        </m:r>
+                      </m:e>
+                      <m:sub>
+                        <m:r>
+                          <a:rPr lang="en-US" sz="2400" b="0" i="1" smtClean="0">
+                            <a:latin typeface="Cambria Math" panose="02040503050406030204" pitchFamily="18" charset="0"/>
+                          </a:rPr>
+                          <m:t>𝑛</m:t>
+                        </m:r>
+                        <m:r>
+                          <a:rPr lang="en-US" sz="2400" b="0" i="1" smtClean="0">
+                            <a:latin typeface="Cambria Math" panose="02040503050406030204" pitchFamily="18" charset="0"/>
+                          </a:rPr>
+                          <m:t>−1</m:t>
+                        </m:r>
+                      </m:sub>
+                    </m:sSub>
+                  </m:oMath>
+                </a14:m>
+                <a:endParaRPr lang="en-US" sz="2400" dirty="0"/>
+              </a:p>
+            </p:txBody>
+          </p:sp>
+        </mc:Choice>
+        <mc:Fallback>
+          <p:sp>
+            <p:nvSpPr>
+              <p:cNvPr id="3" name="Content Placeholder 2"/>
+              <p:cNvSpPr>
+                <a:spLocks noGrp="1" noRot="1" noChangeAspect="1" noMove="1" noResize="1" noEditPoints="1" noAdjustHandles="1" noChangeArrowheads="1" noChangeShapeType="1" noTextEdit="1"/>
+              </p:cNvSpPr>
+              <p:nvPr>
+                <p:ph idx="1"/>
+              </p:nvPr>
+            </p:nvSpPr>
+            <p:spPr>
+              <a:blipFill rotWithShape="0">
+                <a:blip r:embed="rId2"/>
+                <a:stretch>
+                  <a:fillRect l="-909" t="-2121" r="-1273"/>
+                </a:stretch>
+              </a:blipFill>
+            </p:spPr>
+            <p:txBody>
+              <a:bodyPr/>
+              <a:lstStyle/>
+              <a:p>
+                <a:r>
+                  <a:rPr lang="en-US">
+                    <a:noFill/>
+                  </a:rPr>
+                  <a:t> </a:t>
+                </a:r>
+              </a:p>
+            </p:txBody>
+          </p:sp>
+        </mc:Fallback>
+      </mc:AlternateContent>
+    </p:spTree>
+    <p:extLst>
+      <p:ext uri="{BB962C8B-B14F-4D97-AF65-F5344CB8AC3E}">
+        <p14:creationId xmlns:p14="http://schemas.microsoft.com/office/powerpoint/2010/main" val="1086735888"/>
+      </p:ext>
+    </p:extLst>
+  </p:cSld>
+  <p:clrMapOvr>
+    <a:masterClrMapping/>
+  </p:clrMapOvr>
+</p:sld>
+</file>
+
+<file path=ppt/slides/slide23.xml><?xml version="1.0" encoding="utf-8"?>
+<p:sld xmlns:a="http://schemas.openxmlformats.org/drawingml/2006/main" xmlns:r="http://schemas.openxmlformats.org/officeDocument/2006/relationships" xmlns:p="http://schemas.openxmlformats.org/presentationml/2006/main">
+  <p:cSld>
+    <p:spTree>
+      <p:nvGrpSpPr>
+        <p:cNvPr id="1" name=""/>
+        <p:cNvGrpSpPr/>
+        <p:nvPr/>
+      </p:nvGrpSpPr>
+      <p:grpSpPr>
+        <a:xfrm>
+          <a:off x="0" y="0"/>
+          <a:ext cx="0" cy="0"/>
+          <a:chOff x="0" y="0"/>
+          <a:chExt cx="0" cy="0"/>
+        </a:xfrm>
+      </p:grpSpPr>
+      <p:sp>
+        <p:nvSpPr>
+          <p:cNvPr id="2" name="Title 1"/>
+          <p:cNvSpPr>
+            <a:spLocks noGrp="1"/>
+          </p:cNvSpPr>
+          <p:nvPr>
+            <p:ph type="title"/>
+          </p:nvPr>
+        </p:nvSpPr>
+        <p:spPr/>
+        <p:txBody>
+          <a:bodyPr/>
+          <a:lstStyle/>
+          <a:p>
+            <a:r>
+              <a:rPr lang="en-US" dirty="0" smtClean="0"/>
+              <a:t>Implementation in SDR</a:t>
+            </a:r>
+            <a:endParaRPr lang="en-US" dirty="0"/>
+          </a:p>
+        </p:txBody>
+      </p:sp>
+      <p:pic>
+        <p:nvPicPr>
+          <p:cNvPr id="4" name="Content Placeholder 3"/>
+          <p:cNvPicPr>
+            <a:picLocks noGrp="1" noChangeAspect="1"/>
+          </p:cNvPicPr>
+          <p:nvPr>
+            <p:ph idx="1"/>
+          </p:nvPr>
+        </p:nvPicPr>
+        <p:blipFill>
+          <a:blip r:embed="rId2">
+            <a:extLst>
+              <a:ext uri="{28A0092B-C50C-407E-A947-70E740481C1C}">
+                <a14:useLocalDpi xmlns:a14="http://schemas.microsoft.com/office/drawing/2010/main" val="0"/>
+              </a:ext>
+            </a:extLst>
+          </a:blip>
+          <a:stretch>
+            <a:fillRect/>
+          </a:stretch>
+        </p:blipFill>
+        <p:spPr>
+          <a:xfrm>
+            <a:off x="2855496" y="1846263"/>
+            <a:ext cx="5952484" cy="4464363"/>
+          </a:xfrm>
+        </p:spPr>
+      </p:pic>
+    </p:spTree>
+    <p:extLst>
+      <p:ext uri="{BB962C8B-B14F-4D97-AF65-F5344CB8AC3E}">
+        <p14:creationId xmlns:p14="http://schemas.microsoft.com/office/powerpoint/2010/main" val="169560190"/>
+      </p:ext>
+    </p:extLst>
+  </p:cSld>
+  <p:clrMapOvr>
+    <a:masterClrMapping/>
+  </p:clrMapOvr>
+</p:sld>
+</file>
+
+<file path=ppt/slides/slide24.xml><?xml version="1.0" encoding="utf-8"?>
+<p:sld xmlns:a="http://schemas.openxmlformats.org/drawingml/2006/main" xmlns:r="http://schemas.openxmlformats.org/officeDocument/2006/relationships" xmlns:p="http://schemas.openxmlformats.org/presentationml/2006/main">
+  <p:cSld>
+    <p:spTree>
+      <p:nvGrpSpPr>
+        <p:cNvPr id="1" name=""/>
+        <p:cNvGrpSpPr/>
+        <p:nvPr/>
+      </p:nvGrpSpPr>
+      <p:grpSpPr>
+        <a:xfrm>
+          <a:off x="0" y="0"/>
+          <a:ext cx="0" cy="0"/>
+          <a:chOff x="0" y="0"/>
+          <a:chExt cx="0" cy="0"/>
+        </a:xfrm>
+      </p:grpSpPr>
+      <p:sp>
+        <p:nvSpPr>
+          <p:cNvPr id="3" name="Content Placeholder 2"/>
+          <p:cNvSpPr>
+            <a:spLocks noGrp="1"/>
+          </p:cNvSpPr>
+          <p:nvPr>
+            <p:ph idx="1"/>
+          </p:nvPr>
+        </p:nvSpPr>
+        <p:spPr/>
+        <p:txBody>
+          <a:bodyPr/>
+          <a:lstStyle/>
+          <a:p>
+            <a:r>
+              <a:rPr lang="en-US" dirty="0" smtClean="0"/>
+              <a:t>In </a:t>
+            </a:r>
+            <a:r>
+              <a:rPr lang="en-US" dirty="0" err="1" smtClean="0"/>
+              <a:t>GNURadio</a:t>
+            </a:r>
+            <a:r>
+              <a:rPr lang="en-US" dirty="0" smtClean="0"/>
+              <a:t>, we begin with our source block.  The source block provides the I and Q data that we can use in our signal processing.  In our case, the source block communications with the N200 SDR over a Gigabit Ethernet connection.  We also communication back to this block to set the bandwidth, frequency and gain values for the onboard PGA.</a:t>
+            </a:r>
+            <a:endParaRPr lang="en-US" dirty="0"/>
+          </a:p>
+        </p:txBody>
+      </p:sp>
+      <p:sp>
+        <p:nvSpPr>
+          <p:cNvPr id="2" name="Title 1"/>
+          <p:cNvSpPr>
+            <a:spLocks noGrp="1"/>
+          </p:cNvSpPr>
+          <p:nvPr>
+            <p:ph type="title"/>
+          </p:nvPr>
+        </p:nvSpPr>
+        <p:spPr/>
+        <p:txBody>
+          <a:bodyPr/>
+          <a:lstStyle/>
+          <a:p>
+            <a:r>
+              <a:rPr lang="en-US" dirty="0" smtClean="0"/>
+              <a:t>Implementation in SDR</a:t>
+            </a:r>
+            <a:endParaRPr lang="en-US" dirty="0"/>
+          </a:p>
+        </p:txBody>
+      </p:sp>
+      <p:pic>
+        <p:nvPicPr>
+          <p:cNvPr id="5" name="Content Placeholder 3"/>
+          <p:cNvPicPr>
+            <a:picLocks noChangeAspect="1"/>
+          </p:cNvPicPr>
+          <p:nvPr/>
+        </p:nvPicPr>
+        <p:blipFill rotWithShape="1">
+          <a:blip r:embed="rId2">
+            <a:extLst>
+              <a:ext uri="{28A0092B-C50C-407E-A947-70E740481C1C}">
+                <a14:useLocalDpi xmlns:a14="http://schemas.microsoft.com/office/drawing/2010/main" val="0"/>
+              </a:ext>
+            </a:extLst>
+          </a:blip>
+          <a:srcRect t="58833" r="88145" b="28018"/>
+          <a:stretch/>
+        </p:blipFill>
+        <p:spPr>
+          <a:xfrm>
+            <a:off x="4520306" y="3196941"/>
+            <a:ext cx="3212348" cy="2672153"/>
+          </a:xfrm>
+          <a:prstGeom prst="rect">
+            <a:avLst/>
+          </a:prstGeom>
+        </p:spPr>
+      </p:pic>
+    </p:spTree>
+    <p:extLst>
+      <p:ext uri="{BB962C8B-B14F-4D97-AF65-F5344CB8AC3E}">
+        <p14:creationId xmlns:p14="http://schemas.microsoft.com/office/powerpoint/2010/main" val="807923006"/>
+      </p:ext>
+    </p:extLst>
+  </p:cSld>
+  <p:clrMapOvr>
+    <a:masterClrMapping/>
+  </p:clrMapOvr>
+</p:sld>
+</file>
+
+<file path=ppt/slides/slide25.xml><?xml version="1.0" encoding="utf-8"?>
+<p:sld xmlns:a="http://schemas.openxmlformats.org/drawingml/2006/main" xmlns:r="http://schemas.openxmlformats.org/officeDocument/2006/relationships" xmlns:p="http://schemas.openxmlformats.org/presentationml/2006/main">
+  <p:cSld>
+    <p:spTree>
+      <p:nvGrpSpPr>
+        <p:cNvPr id="1" name=""/>
+        <p:cNvGrpSpPr/>
+        <p:nvPr/>
+      </p:nvGrpSpPr>
+      <p:grpSpPr>
+        <a:xfrm>
+          <a:off x="0" y="0"/>
+          <a:ext cx="0" cy="0"/>
+          <a:chOff x="0" y="0"/>
+          <a:chExt cx="0" cy="0"/>
+        </a:xfrm>
+      </p:grpSpPr>
+      <p:sp>
+        <p:nvSpPr>
+          <p:cNvPr id="2" name="Title 1"/>
+          <p:cNvSpPr>
+            <a:spLocks noGrp="1"/>
+          </p:cNvSpPr>
+          <p:nvPr>
+            <p:ph type="title"/>
+          </p:nvPr>
+        </p:nvSpPr>
+        <p:spPr/>
+        <p:txBody>
+          <a:bodyPr/>
+          <a:lstStyle/>
+          <a:p>
+            <a:r>
+              <a:rPr lang="en-US" dirty="0" smtClean="0"/>
+              <a:t>Implementation in SDR</a:t>
+            </a:r>
+            <a:endParaRPr lang="en-US" dirty="0"/>
+          </a:p>
+        </p:txBody>
+      </p:sp>
+      <p:pic>
+        <p:nvPicPr>
+          <p:cNvPr id="4" name="Content Placeholder 3"/>
+          <p:cNvPicPr>
+            <a:picLocks noGrp="1" noChangeAspect="1"/>
+          </p:cNvPicPr>
+          <p:nvPr>
+            <p:ph idx="1"/>
+          </p:nvPr>
+        </p:nvPicPr>
+        <p:blipFill rotWithShape="1">
+          <a:blip r:embed="rId2">
+            <a:extLst>
+              <a:ext uri="{28A0092B-C50C-407E-A947-70E740481C1C}">
+                <a14:useLocalDpi xmlns:a14="http://schemas.microsoft.com/office/drawing/2010/main" val="0"/>
+              </a:ext>
+            </a:extLst>
+          </a:blip>
+          <a:srcRect l="9086" t="39528" r="76023" b="51067"/>
+          <a:stretch/>
+        </p:blipFill>
+        <p:spPr>
+          <a:xfrm>
+            <a:off x="401215" y="4655975"/>
+            <a:ext cx="2619832" cy="1240972"/>
+          </a:xfrm>
+        </p:spPr>
+      </p:pic>
+      <p:pic>
+        <p:nvPicPr>
+          <p:cNvPr id="3" name="Picture 2"/>
+          <p:cNvPicPr>
+            <a:picLocks noChangeAspect="1"/>
+          </p:cNvPicPr>
+          <p:nvPr/>
+        </p:nvPicPr>
+        <p:blipFill rotWithShape="1">
+          <a:blip r:embed="rId3">
+            <a:extLst>
+              <a:ext uri="{28A0092B-C50C-407E-A947-70E740481C1C}">
+                <a14:useLocalDpi xmlns:a14="http://schemas.microsoft.com/office/drawing/2010/main" val="0"/>
+              </a:ext>
+            </a:extLst>
+          </a:blip>
+          <a:srcRect t="29524" r="30880" b="55510"/>
+          <a:stretch/>
+        </p:blipFill>
+        <p:spPr>
+          <a:xfrm>
+            <a:off x="1809750" y="2024742"/>
+            <a:ext cx="8887986" cy="1539551"/>
+          </a:xfrm>
+          <a:prstGeom prst="rect">
+            <a:avLst/>
+          </a:prstGeom>
+        </p:spPr>
+      </p:pic>
+      <p:sp>
+        <p:nvSpPr>
+          <p:cNvPr id="6" name="Up Arrow 5"/>
+          <p:cNvSpPr/>
+          <p:nvPr/>
+        </p:nvSpPr>
+        <p:spPr>
+          <a:xfrm>
+            <a:off x="3974841" y="3331028"/>
+            <a:ext cx="634481" cy="662474"/>
+          </a:xfrm>
+          <a:prstGeom prst="upArrow">
+            <a:avLst/>
+          </a:prstGeom>
+        </p:spPr>
+        <p:style>
+          <a:lnRef idx="2">
+            <a:schemeClr val="accent1">
+              <a:shade val="50000"/>
+            </a:schemeClr>
+          </a:lnRef>
+          <a:fillRef idx="1">
+            <a:schemeClr val="accent1"/>
+          </a:fillRef>
+          <a:effectRef idx="0">
+            <a:schemeClr val="accent1"/>
+          </a:effectRef>
+          <a:fontRef idx="minor">
+            <a:schemeClr val="lt1"/>
+          </a:fontRef>
+        </p:style>
+        <p:txBody>
+          <a:bodyPr rtlCol="0" anchor="ctr"/>
+          <a:lstStyle/>
+          <a:p>
+            <a:pPr algn="ctr"/>
+            <a:endParaRPr lang="en-US" dirty="0"/>
+          </a:p>
+        </p:txBody>
+      </p:sp>
+      <p:sp>
+        <p:nvSpPr>
+          <p:cNvPr id="7" name="Up Arrow 6"/>
+          <p:cNvSpPr/>
+          <p:nvPr/>
+        </p:nvSpPr>
+        <p:spPr>
+          <a:xfrm>
+            <a:off x="6139932" y="3331028"/>
+            <a:ext cx="634481" cy="662474"/>
+          </a:xfrm>
+          <a:prstGeom prst="upArrow">
+            <a:avLst/>
+          </a:prstGeom>
+        </p:spPr>
+        <p:style>
+          <a:lnRef idx="2">
+            <a:schemeClr val="accent1">
+              <a:shade val="50000"/>
+            </a:schemeClr>
+          </a:lnRef>
+          <a:fillRef idx="1">
+            <a:schemeClr val="accent1"/>
+          </a:fillRef>
+          <a:effectRef idx="0">
+            <a:schemeClr val="accent1"/>
+          </a:effectRef>
+          <a:fontRef idx="minor">
+            <a:schemeClr val="lt1"/>
+          </a:fontRef>
+        </p:style>
+        <p:txBody>
+          <a:bodyPr rtlCol="0" anchor="ctr"/>
+          <a:lstStyle/>
+          <a:p>
+            <a:pPr algn="ctr"/>
+            <a:endParaRPr lang="en-US"/>
+          </a:p>
+        </p:txBody>
+      </p:sp>
+      <p:sp>
+        <p:nvSpPr>
+          <p:cNvPr id="8" name="Up Arrow 7"/>
+          <p:cNvSpPr/>
+          <p:nvPr/>
+        </p:nvSpPr>
+        <p:spPr>
+          <a:xfrm>
+            <a:off x="8214050" y="3331028"/>
+            <a:ext cx="634481" cy="662474"/>
+          </a:xfrm>
+          <a:prstGeom prst="upArrow">
+            <a:avLst/>
+          </a:prstGeom>
+        </p:spPr>
+        <p:style>
+          <a:lnRef idx="2">
+            <a:schemeClr val="accent1">
+              <a:shade val="50000"/>
+            </a:schemeClr>
+          </a:lnRef>
+          <a:fillRef idx="1">
+            <a:schemeClr val="accent1"/>
+          </a:fillRef>
+          <a:effectRef idx="0">
+            <a:schemeClr val="accent1"/>
+          </a:effectRef>
+          <a:fontRef idx="minor">
+            <a:schemeClr val="lt1"/>
+          </a:fontRef>
+        </p:style>
+        <p:txBody>
+          <a:bodyPr rtlCol="0" anchor="ctr"/>
+          <a:lstStyle/>
+          <a:p>
+            <a:pPr algn="ctr"/>
+            <a:endParaRPr lang="en-US"/>
+          </a:p>
+        </p:txBody>
+      </p:sp>
+      <p:sp>
+        <p:nvSpPr>
+          <p:cNvPr id="9" name="TextBox 8"/>
+          <p:cNvSpPr txBox="1"/>
+          <p:nvPr/>
+        </p:nvSpPr>
+        <p:spPr>
+          <a:xfrm>
+            <a:off x="3417514" y="4105470"/>
+            <a:ext cx="1749133" cy="369332"/>
+          </a:xfrm>
+          <a:prstGeom prst="rect">
+            <a:avLst/>
+          </a:prstGeom>
+          <a:noFill/>
+        </p:spPr>
+        <p:txBody>
+          <a:bodyPr wrap="none" rtlCol="0">
+            <a:spAutoFit/>
+          </a:bodyPr>
+          <a:lstStyle/>
+          <a:p>
+            <a:r>
+              <a:rPr lang="en-US" dirty="0" smtClean="0"/>
+              <a:t>Power Detection</a:t>
+            </a:r>
+            <a:endParaRPr lang="en-US" dirty="0"/>
+          </a:p>
+        </p:txBody>
+      </p:sp>
+      <p:sp>
+        <p:nvSpPr>
+          <p:cNvPr id="10" name="TextBox 9"/>
+          <p:cNvSpPr txBox="1"/>
+          <p:nvPr/>
+        </p:nvSpPr>
+        <p:spPr>
+          <a:xfrm>
+            <a:off x="5847998" y="4096140"/>
+            <a:ext cx="1218347" cy="369332"/>
+          </a:xfrm>
+          <a:prstGeom prst="rect">
+            <a:avLst/>
+          </a:prstGeom>
+          <a:noFill/>
+        </p:spPr>
+        <p:txBody>
+          <a:bodyPr wrap="none" rtlCol="0">
+            <a:spAutoFit/>
+          </a:bodyPr>
+          <a:lstStyle/>
+          <a:p>
+            <a:r>
+              <a:rPr lang="en-US" dirty="0" smtClean="0"/>
+              <a:t>Integration</a:t>
+            </a:r>
+            <a:endParaRPr lang="en-US" dirty="0"/>
+          </a:p>
+        </p:txBody>
+      </p:sp>
+      <p:sp>
+        <p:nvSpPr>
+          <p:cNvPr id="11" name="TextBox 10"/>
+          <p:cNvSpPr txBox="1"/>
+          <p:nvPr/>
+        </p:nvSpPr>
+        <p:spPr>
+          <a:xfrm>
+            <a:off x="7751429" y="4105470"/>
+            <a:ext cx="1559722" cy="369332"/>
+          </a:xfrm>
+          <a:prstGeom prst="rect">
+            <a:avLst/>
+          </a:prstGeom>
+          <a:noFill/>
+        </p:spPr>
+        <p:txBody>
+          <a:bodyPr wrap="none" rtlCol="0">
+            <a:spAutoFit/>
+          </a:bodyPr>
+          <a:lstStyle/>
+          <a:p>
+            <a:r>
+              <a:rPr lang="en-US" dirty="0" smtClean="0"/>
+              <a:t>Low Pass Filter</a:t>
+            </a:r>
+            <a:endParaRPr lang="en-US" dirty="0"/>
+          </a:p>
+        </p:txBody>
+      </p:sp>
+    </p:spTree>
+    <p:extLst>
+      <p:ext uri="{BB962C8B-B14F-4D97-AF65-F5344CB8AC3E}">
+        <p14:creationId xmlns:p14="http://schemas.microsoft.com/office/powerpoint/2010/main" val="1983631172"/>
+      </p:ext>
+    </p:extLst>
+  </p:cSld>
+  <p:clrMapOvr>
+    <a:masterClrMapping/>
+  </p:clrMapOvr>
+</p:sld>
+</file>
+
+<file path=ppt/slides/slide26.xml><?xml version="1.0" encoding="utf-8"?>
+<p:sld xmlns:a="http://schemas.openxmlformats.org/drawingml/2006/main" xmlns:r="http://schemas.openxmlformats.org/officeDocument/2006/relationships" xmlns:p="http://schemas.openxmlformats.org/presentationml/2006/main">
+  <p:cSld>
+    <p:spTree>
+      <p:nvGrpSpPr>
+        <p:cNvPr id="1" name=""/>
+        <p:cNvGrpSpPr/>
+        <p:nvPr/>
+      </p:nvGrpSpPr>
+      <p:grpSpPr>
+        <a:xfrm>
+          <a:off x="0" y="0"/>
+          <a:ext cx="0" cy="0"/>
+          <a:chOff x="0" y="0"/>
+          <a:chExt cx="0" cy="0"/>
+        </a:xfrm>
+      </p:grpSpPr>
+      <p:sp>
+        <p:nvSpPr>
+          <p:cNvPr id="2" name="Title 1"/>
+          <p:cNvSpPr>
+            <a:spLocks noGrp="1"/>
+          </p:cNvSpPr>
+          <p:nvPr>
+            <p:ph type="title"/>
+          </p:nvPr>
+        </p:nvSpPr>
+        <p:spPr/>
+        <p:txBody>
+          <a:bodyPr/>
+          <a:lstStyle/>
+          <a:p>
+            <a:r>
+              <a:rPr lang="en-US" dirty="0" smtClean="0"/>
+              <a:t>GUI for Radiometer</a:t>
+            </a:r>
+            <a:endParaRPr lang="en-US" dirty="0"/>
+          </a:p>
+        </p:txBody>
+      </p:sp>
+      <p:pic>
+        <p:nvPicPr>
+          <p:cNvPr id="4" name="Content Placeholder 3"/>
+          <p:cNvPicPr>
+            <a:picLocks noGrp="1" noChangeAspect="1"/>
+          </p:cNvPicPr>
+          <p:nvPr>
+            <p:ph idx="1"/>
+          </p:nvPr>
+        </p:nvPicPr>
+        <p:blipFill rotWithShape="1">
+          <a:blip r:embed="rId2">
+            <a:extLst>
+              <a:ext uri="{28A0092B-C50C-407E-A947-70E740481C1C}">
+                <a14:useLocalDpi xmlns:a14="http://schemas.microsoft.com/office/drawing/2010/main" val="0"/>
+              </a:ext>
+            </a:extLst>
+          </a:blip>
+          <a:srcRect b="21340"/>
+          <a:stretch/>
+        </p:blipFill>
+        <p:spPr>
+          <a:xfrm>
+            <a:off x="1668284" y="1737360"/>
+            <a:ext cx="8916392" cy="4383522"/>
+          </a:xfrm>
+        </p:spPr>
+      </p:pic>
+    </p:spTree>
+    <p:extLst>
+      <p:ext uri="{BB962C8B-B14F-4D97-AF65-F5344CB8AC3E}">
+        <p14:creationId xmlns:p14="http://schemas.microsoft.com/office/powerpoint/2010/main" val="254961184"/>
+      </p:ext>
+    </p:extLst>
+  </p:cSld>
+  <p:clrMapOvr>
+    <a:masterClrMapping/>
+  </p:clrMapOvr>
+</p:sld>
+</file>
+
+<file path=ppt/slides/slide27.xml><?xml version="1.0" encoding="utf-8"?>
+<p:sld xmlns:a="http://schemas.openxmlformats.org/drawingml/2006/main" xmlns:r="http://schemas.openxmlformats.org/officeDocument/2006/relationships" xmlns:p="http://schemas.openxmlformats.org/presentationml/2006/main">
+  <p:cSld>
+    <p:spTree>
+      <p:nvGrpSpPr>
+        <p:cNvPr id="1" name=""/>
+        <p:cNvGrpSpPr/>
+        <p:nvPr/>
+      </p:nvGrpSpPr>
+      <p:grpSpPr>
+        <a:xfrm>
+          <a:off x="0" y="0"/>
+          <a:ext cx="0" cy="0"/>
+          <a:chOff x="0" y="0"/>
+          <a:chExt cx="0" cy="0"/>
+        </a:xfrm>
+      </p:grpSpPr>
+      <p:sp>
+        <p:nvSpPr>
+          <p:cNvPr id="2" name="Title 1"/>
+          <p:cNvSpPr>
+            <a:spLocks noGrp="1"/>
+          </p:cNvSpPr>
+          <p:nvPr>
+            <p:ph type="title"/>
+          </p:nvPr>
+        </p:nvSpPr>
+        <p:spPr/>
+        <p:txBody>
+          <a:bodyPr/>
+          <a:lstStyle/>
+          <a:p>
+            <a:r>
+              <a:rPr lang="en-US" dirty="0" smtClean="0"/>
+              <a:t>GUI for Radiometer</a:t>
+            </a:r>
+            <a:endParaRPr lang="en-US" dirty="0"/>
+          </a:p>
+        </p:txBody>
+      </p:sp>
+      <p:sp>
+        <p:nvSpPr>
+          <p:cNvPr id="3" name="Content Placeholder 2"/>
+          <p:cNvSpPr>
+            <a:spLocks noGrp="1"/>
+          </p:cNvSpPr>
+          <p:nvPr>
+            <p:ph sz="half" idx="1"/>
+          </p:nvPr>
+        </p:nvSpPr>
+        <p:spPr/>
+        <p:txBody>
+          <a:bodyPr>
+            <a:normAutofit/>
+          </a:bodyPr>
+          <a:lstStyle/>
+          <a:p>
+            <a:r>
+              <a:rPr lang="en-US" sz="2400" dirty="0" smtClean="0"/>
+              <a:t>GUI currently </a:t>
+            </a:r>
+            <a:r>
+              <a:rPr lang="en-US" sz="2400" dirty="0"/>
+              <a:t>a</a:t>
+            </a:r>
+            <a:r>
+              <a:rPr lang="en-US" sz="2400" dirty="0" smtClean="0"/>
+              <a:t>llows us to do the following:</a:t>
+            </a:r>
+          </a:p>
+          <a:p>
+            <a:pPr>
+              <a:buFont typeface="Wingdings" panose="05000000000000000000" pitchFamily="2" charset="2"/>
+              <a:buChar char="§"/>
+            </a:pPr>
+            <a:r>
+              <a:rPr lang="en-US" sz="2400" dirty="0" smtClean="0"/>
+              <a:t>Set frequency</a:t>
+            </a:r>
+          </a:p>
+          <a:p>
+            <a:pPr>
+              <a:buFont typeface="Wingdings" panose="05000000000000000000" pitchFamily="2" charset="2"/>
+              <a:buChar char="§"/>
+            </a:pPr>
+            <a:r>
+              <a:rPr lang="en-US" sz="2400" dirty="0" smtClean="0"/>
+              <a:t>Set Bandwidth</a:t>
+            </a:r>
+          </a:p>
+          <a:p>
+            <a:pPr>
+              <a:buFont typeface="Wingdings" panose="05000000000000000000" pitchFamily="2" charset="2"/>
+              <a:buChar char="§"/>
+            </a:pPr>
+            <a:r>
+              <a:rPr lang="en-US" sz="2400" dirty="0" smtClean="0"/>
+              <a:t>Set Integration time</a:t>
+            </a:r>
+          </a:p>
+          <a:p>
+            <a:pPr>
+              <a:buFont typeface="Wingdings" panose="05000000000000000000" pitchFamily="2" charset="2"/>
+              <a:buChar char="§"/>
+            </a:pPr>
+            <a:r>
+              <a:rPr lang="en-US" sz="2400" dirty="0" smtClean="0"/>
+              <a:t>Set DC Gain</a:t>
+            </a:r>
+          </a:p>
+          <a:p>
+            <a:pPr>
+              <a:buFont typeface="Wingdings" panose="05000000000000000000" pitchFamily="2" charset="2"/>
+              <a:buChar char="§"/>
+            </a:pPr>
+            <a:r>
+              <a:rPr lang="en-US" sz="2400" dirty="0" smtClean="0"/>
+              <a:t>Set filter bandwidth</a:t>
+            </a:r>
+          </a:p>
+          <a:p>
+            <a:pPr>
+              <a:buFont typeface="Wingdings" panose="05000000000000000000" pitchFamily="2" charset="2"/>
+              <a:buChar char="§"/>
+            </a:pPr>
+            <a:r>
+              <a:rPr lang="en-US" sz="2400" dirty="0" smtClean="0"/>
+              <a:t>Turn filter on/off</a:t>
+            </a:r>
+          </a:p>
+          <a:p>
+            <a:pPr>
+              <a:buFont typeface="Wingdings" panose="05000000000000000000" pitchFamily="2" charset="2"/>
+              <a:buChar char="§"/>
+            </a:pPr>
+            <a:endParaRPr lang="en-US" dirty="0"/>
+          </a:p>
+        </p:txBody>
+      </p:sp>
+      <p:sp>
+        <p:nvSpPr>
+          <p:cNvPr id="4" name="Content Placeholder 3"/>
+          <p:cNvSpPr>
+            <a:spLocks noGrp="1"/>
+          </p:cNvSpPr>
+          <p:nvPr>
+            <p:ph sz="half" idx="2"/>
+          </p:nvPr>
+        </p:nvSpPr>
+        <p:spPr/>
+        <p:txBody>
+          <a:bodyPr>
+            <a:normAutofit/>
+          </a:bodyPr>
+          <a:lstStyle/>
+          <a:p>
+            <a:pPr>
+              <a:buFont typeface="Wingdings" panose="05000000000000000000" pitchFamily="2" charset="2"/>
+              <a:buChar char="§"/>
+            </a:pPr>
+            <a:r>
+              <a:rPr lang="en-US" sz="2400" dirty="0"/>
+              <a:t>Turn filter on/off</a:t>
+            </a:r>
+          </a:p>
+          <a:p>
+            <a:pPr>
+              <a:buFont typeface="Wingdings" panose="05000000000000000000" pitchFamily="2" charset="2"/>
+              <a:buChar char="§"/>
+            </a:pPr>
+            <a:r>
+              <a:rPr lang="en-US" sz="2400" dirty="0"/>
+              <a:t>Start/Stop recording of Total Power readings</a:t>
+            </a:r>
+          </a:p>
+          <a:p>
+            <a:pPr>
+              <a:buFont typeface="Wingdings" panose="05000000000000000000" pitchFamily="2" charset="2"/>
+              <a:buChar char="§"/>
+            </a:pPr>
+            <a:r>
+              <a:rPr lang="en-US" sz="2400" dirty="0"/>
+              <a:t>Start/Stop recording of raw I/Q </a:t>
+            </a:r>
+            <a:r>
+              <a:rPr lang="en-US" sz="2400" dirty="0" smtClean="0"/>
+              <a:t>data</a:t>
+            </a:r>
+          </a:p>
+          <a:p>
+            <a:pPr>
+              <a:buFont typeface="Wingdings" panose="05000000000000000000" pitchFamily="2" charset="2"/>
+              <a:buChar char="§"/>
+            </a:pPr>
+            <a:r>
+              <a:rPr lang="en-US" sz="2400" dirty="0" smtClean="0"/>
+              <a:t>Enter calibration coefficients</a:t>
+            </a:r>
+            <a:endParaRPr lang="en-US" sz="2400" dirty="0"/>
+          </a:p>
+          <a:p>
+            <a:endParaRPr lang="en-US" sz="2400" dirty="0"/>
+          </a:p>
+        </p:txBody>
+      </p:sp>
+    </p:spTree>
+    <p:extLst>
+      <p:ext uri="{BB962C8B-B14F-4D97-AF65-F5344CB8AC3E}">
+        <p14:creationId xmlns:p14="http://schemas.microsoft.com/office/powerpoint/2010/main" val="3355510280"/>
+      </p:ext>
+    </p:extLst>
+  </p:cSld>
+  <p:clrMapOvr>
+    <a:masterClrMapping/>
+  </p:clrMapOvr>
+  <p:timing>
+    <p:tnLst>
+      <p:par>
+        <p:cTn id="1" dur="indefinite" restart="never" nodeType="tmRoot"/>
+      </p:par>
+    </p:tnLst>
+  </p:timing>
+</p:sld>
+</file>
+
+<file path=ppt/slides/slide28.xml><?xml version="1.0" encoding="utf-8"?>
+<p:sld xmlns:a="http://schemas.openxmlformats.org/drawingml/2006/main" xmlns:r="http://schemas.openxmlformats.org/officeDocument/2006/relationships" xmlns:p="http://schemas.openxmlformats.org/presentationml/2006/main">
+  <p:cSld>
+    <p:spTree>
+      <p:nvGrpSpPr>
+        <p:cNvPr id="1" name=""/>
+        <p:cNvGrpSpPr/>
+        <p:nvPr/>
+      </p:nvGrpSpPr>
+      <p:grpSpPr>
+        <a:xfrm>
+          <a:off x="0" y="0"/>
+          <a:ext cx="0" cy="0"/>
+          <a:chOff x="0" y="0"/>
+          <a:chExt cx="0" cy="0"/>
+        </a:xfrm>
+      </p:grpSpPr>
+      <p:sp>
+        <p:nvSpPr>
+          <p:cNvPr id="2" name="Title 1"/>
+          <p:cNvSpPr>
+            <a:spLocks noGrp="1"/>
+          </p:cNvSpPr>
+          <p:nvPr>
+            <p:ph type="title"/>
+          </p:nvPr>
+        </p:nvSpPr>
+        <p:spPr/>
+        <p:txBody>
+          <a:bodyPr/>
+          <a:lstStyle/>
+          <a:p>
+            <a:r>
+              <a:rPr lang="en-US" dirty="0" smtClean="0"/>
+              <a:t>GUI for Radiometer</a:t>
+            </a:r>
+            <a:endParaRPr lang="en-US" dirty="0"/>
+          </a:p>
+        </p:txBody>
+      </p:sp>
+      <p:pic>
+        <p:nvPicPr>
+          <p:cNvPr id="4" name="Content Placeholder 3"/>
+          <p:cNvPicPr>
+            <a:picLocks noGrp="1" noChangeAspect="1"/>
+          </p:cNvPicPr>
+          <p:nvPr>
+            <p:ph idx="1"/>
+          </p:nvPr>
+        </p:nvPicPr>
+        <p:blipFill>
+          <a:blip r:embed="rId2">
+            <a:extLst>
+              <a:ext uri="{28A0092B-C50C-407E-A947-70E740481C1C}">
+                <a14:useLocalDpi xmlns:a14="http://schemas.microsoft.com/office/drawing/2010/main" val="0"/>
+              </a:ext>
+            </a:extLst>
+          </a:blip>
+          <a:stretch>
+            <a:fillRect/>
+          </a:stretch>
+        </p:blipFill>
+        <p:spPr>
+          <a:xfrm>
+            <a:off x="2362203" y="1667463"/>
+            <a:ext cx="7528553" cy="4705346"/>
+          </a:xfrm>
+        </p:spPr>
+      </p:pic>
+    </p:spTree>
+    <p:extLst>
+      <p:ext uri="{BB962C8B-B14F-4D97-AF65-F5344CB8AC3E}">
+        <p14:creationId xmlns:p14="http://schemas.microsoft.com/office/powerpoint/2010/main" val="2330066165"/>
+      </p:ext>
+    </p:extLst>
+  </p:cSld>
+  <p:clrMapOvr>
+    <a:masterClrMapping/>
+  </p:clrMapOvr>
+  <p:timing>
+    <p:tnLst>
+      <p:par>
+        <p:cTn id="1" dur="indefinite" restart="never" nodeType="tmRoot"/>
+      </p:par>
+    </p:tnLst>
+  </p:timing>
+</p:sld>
+</file>
+
+<file path=ppt/slides/slide29.xml><?xml version="1.0" encoding="utf-8"?>
+<p:sld xmlns:a="http://schemas.openxmlformats.org/drawingml/2006/main" xmlns:r="http://schemas.openxmlformats.org/officeDocument/2006/relationships" xmlns:p="http://schemas.openxmlformats.org/presentationml/2006/main">
+  <p:cSld>
+    <p:spTree>
+      <p:nvGrpSpPr>
+        <p:cNvPr id="1" name=""/>
+        <p:cNvGrpSpPr/>
+        <p:nvPr/>
+      </p:nvGrpSpPr>
+      <p:grpSpPr>
+        <a:xfrm>
+          <a:off x="0" y="0"/>
+          <a:ext cx="0" cy="0"/>
+          <a:chOff x="0" y="0"/>
+          <a:chExt cx="0" cy="0"/>
+        </a:xfrm>
+      </p:grpSpPr>
+      <p:sp>
+        <p:nvSpPr>
+          <p:cNvPr id="2" name="Title 1"/>
+          <p:cNvSpPr>
+            <a:spLocks noGrp="1"/>
+          </p:cNvSpPr>
+          <p:nvPr>
+            <p:ph type="title"/>
+          </p:nvPr>
+        </p:nvSpPr>
+        <p:spPr/>
+        <p:txBody>
+          <a:bodyPr/>
+          <a:lstStyle/>
+          <a:p>
+            <a:r>
+              <a:rPr lang="en-US" dirty="0" smtClean="0"/>
+              <a:t>GUI for Radiometer</a:t>
+            </a:r>
+            <a:endParaRPr lang="en-US" dirty="0"/>
+          </a:p>
+        </p:txBody>
+      </p:sp>
+      <p:sp>
+        <p:nvSpPr>
+          <p:cNvPr id="3" name="Content Placeholder 2"/>
+          <p:cNvSpPr>
+            <a:spLocks noGrp="1"/>
+          </p:cNvSpPr>
+          <p:nvPr>
+            <p:ph idx="1"/>
+          </p:nvPr>
+        </p:nvSpPr>
+        <p:spPr/>
+        <p:txBody>
+          <a:bodyPr>
+            <a:normAutofit/>
+          </a:bodyPr>
+          <a:lstStyle/>
+          <a:p>
+            <a:r>
+              <a:rPr lang="en-US" sz="2400" dirty="0" smtClean="0"/>
+              <a:t>Second tab brings up the total power readings.  This displays the following information:</a:t>
+            </a:r>
+          </a:p>
+          <a:p>
+            <a:pPr>
+              <a:buFont typeface="Wingdings" panose="05000000000000000000" pitchFamily="2" charset="2"/>
+              <a:buChar char="§"/>
+            </a:pPr>
+            <a:r>
+              <a:rPr lang="en-US" sz="2400" dirty="0" smtClean="0"/>
+              <a:t>Waterfall display of the spectrum</a:t>
+            </a:r>
+          </a:p>
+          <a:p>
+            <a:pPr>
+              <a:buFont typeface="Wingdings" panose="05000000000000000000" pitchFamily="2" charset="2"/>
+              <a:buChar char="§"/>
+            </a:pPr>
+            <a:r>
+              <a:rPr lang="en-US" sz="2400" dirty="0" smtClean="0"/>
+              <a:t>Total Power line graph</a:t>
+            </a:r>
+          </a:p>
+          <a:p>
+            <a:pPr>
+              <a:buFont typeface="Wingdings" panose="05000000000000000000" pitchFamily="2" charset="2"/>
+              <a:buChar char="§"/>
+            </a:pPr>
+            <a:r>
+              <a:rPr lang="en-US" sz="2400" dirty="0" err="1" smtClean="0"/>
+              <a:t>rQ</a:t>
+            </a:r>
+            <a:r>
+              <a:rPr lang="en-US" sz="2400" dirty="0" smtClean="0"/>
+              <a:t> values with bar graph</a:t>
+            </a:r>
+          </a:p>
+          <a:p>
+            <a:pPr>
+              <a:buFont typeface="Wingdings" panose="05000000000000000000" pitchFamily="2" charset="2"/>
+              <a:buChar char="§"/>
+            </a:pPr>
+            <a:r>
+              <a:rPr lang="en-US" sz="2400" dirty="0" smtClean="0"/>
+              <a:t>Calibrated noise temperature</a:t>
+            </a:r>
+            <a:endParaRPr lang="en-US" sz="2400" dirty="0"/>
+          </a:p>
+        </p:txBody>
+      </p:sp>
+    </p:spTree>
+    <p:extLst>
+      <p:ext uri="{BB962C8B-B14F-4D97-AF65-F5344CB8AC3E}">
+        <p14:creationId xmlns:p14="http://schemas.microsoft.com/office/powerpoint/2010/main" val="1400223758"/>
       </p:ext>
     </p:extLst>
   </p:cSld>
@@ -9130,10 +10480,639 @@
   <p:timing>
     <p:tnLst>
       <p:par>
-        <p:cTn xmlns:p14="http://schemas.microsoft.com/office/powerpoint/2010/main" id="1" dur="indefinite" restart="never" nodeType="tmRoot"/>
+        <p:cTn id="1" dur="indefinite" restart="never" nodeType="tmRoot"/>
       </p:par>
     </p:tnLst>
   </p:timing>
+</p:sld>
+</file>
+
+<file path=ppt/slides/slide30.xml><?xml version="1.0" encoding="utf-8"?>
+<p:sld xmlns:a="http://schemas.openxmlformats.org/drawingml/2006/main" xmlns:r="http://schemas.openxmlformats.org/officeDocument/2006/relationships" xmlns:p="http://schemas.openxmlformats.org/presentationml/2006/main">
+  <p:cSld>
+    <p:spTree>
+      <p:nvGrpSpPr>
+        <p:cNvPr id="1" name=""/>
+        <p:cNvGrpSpPr/>
+        <p:nvPr/>
+      </p:nvGrpSpPr>
+      <p:grpSpPr>
+        <a:xfrm>
+          <a:off x="0" y="0"/>
+          <a:ext cx="0" cy="0"/>
+          <a:chOff x="0" y="0"/>
+          <a:chExt cx="0" cy="0"/>
+        </a:xfrm>
+      </p:grpSpPr>
+      <p:sp>
+        <p:nvSpPr>
+          <p:cNvPr id="2" name="Title 1"/>
+          <p:cNvSpPr>
+            <a:spLocks noGrp="1"/>
+          </p:cNvSpPr>
+          <p:nvPr>
+            <p:ph type="title"/>
+          </p:nvPr>
+        </p:nvSpPr>
+        <p:spPr/>
+        <p:txBody>
+          <a:bodyPr/>
+          <a:lstStyle/>
+          <a:p>
+            <a:r>
+              <a:rPr lang="en-US" dirty="0" smtClean="0"/>
+              <a:t>Experimental Data</a:t>
+            </a:r>
+            <a:endParaRPr lang="en-US" dirty="0"/>
+          </a:p>
+        </p:txBody>
+      </p:sp>
+      <p:sp>
+        <p:nvSpPr>
+          <p:cNvPr id="3" name="Content Placeholder 2"/>
+          <p:cNvSpPr>
+            <a:spLocks noGrp="1"/>
+          </p:cNvSpPr>
+          <p:nvPr>
+            <p:ph idx="1"/>
+          </p:nvPr>
+        </p:nvSpPr>
+        <p:spPr/>
+        <p:txBody>
+          <a:bodyPr/>
+          <a:lstStyle/>
+          <a:p>
+            <a:r>
+              <a:rPr lang="en-US" dirty="0" smtClean="0"/>
+              <a:t>Experimental data was collected to verify the operation of a software defined radio as a radiometer and to test additional capabilities that a traditional radiometer may not be able to do.</a:t>
+            </a:r>
+          </a:p>
+          <a:p>
+            <a:endParaRPr lang="en-US" dirty="0"/>
+          </a:p>
+        </p:txBody>
+      </p:sp>
+      <p:pic>
+        <p:nvPicPr>
+          <p:cNvPr id="4" name="Picture 3"/>
+          <p:cNvPicPr>
+            <a:picLocks noChangeAspect="1"/>
+          </p:cNvPicPr>
+          <p:nvPr/>
+        </p:nvPicPr>
+        <p:blipFill>
+          <a:blip r:embed="rId2">
+            <a:extLst>
+              <a:ext uri="{28A0092B-C50C-407E-A947-70E740481C1C}">
+                <a14:useLocalDpi xmlns:a14="http://schemas.microsoft.com/office/drawing/2010/main" val="0"/>
+              </a:ext>
+            </a:extLst>
+          </a:blip>
+          <a:stretch>
+            <a:fillRect/>
+          </a:stretch>
+        </p:blipFill>
+        <p:spPr>
+          <a:xfrm>
+            <a:off x="3439862" y="2901959"/>
+            <a:ext cx="4502040" cy="3377682"/>
+          </a:xfrm>
+          <a:prstGeom prst="rect">
+            <a:avLst/>
+          </a:prstGeom>
+        </p:spPr>
+      </p:pic>
+    </p:spTree>
+    <p:extLst>
+      <p:ext uri="{BB962C8B-B14F-4D97-AF65-F5344CB8AC3E}">
+        <p14:creationId xmlns:p14="http://schemas.microsoft.com/office/powerpoint/2010/main" val="2645453788"/>
+      </p:ext>
+    </p:extLst>
+  </p:cSld>
+  <p:clrMapOvr>
+    <a:masterClrMapping/>
+  </p:clrMapOvr>
+</p:sld>
+</file>
+
+<file path=ppt/slides/slide31.xml><?xml version="1.0" encoding="utf-8"?>
+<p:sld xmlns:a="http://schemas.openxmlformats.org/drawingml/2006/main" xmlns:r="http://schemas.openxmlformats.org/officeDocument/2006/relationships" xmlns:p="http://schemas.openxmlformats.org/presentationml/2006/main">
+  <p:cSld>
+    <p:spTree>
+      <p:nvGrpSpPr>
+        <p:cNvPr id="1" name=""/>
+        <p:cNvGrpSpPr/>
+        <p:nvPr/>
+      </p:nvGrpSpPr>
+      <p:grpSpPr>
+        <a:xfrm>
+          <a:off x="0" y="0"/>
+          <a:ext cx="0" cy="0"/>
+          <a:chOff x="0" y="0"/>
+          <a:chExt cx="0" cy="0"/>
+        </a:xfrm>
+      </p:grpSpPr>
+      <p:sp>
+        <p:nvSpPr>
+          <p:cNvPr id="2" name="Title 1"/>
+          <p:cNvSpPr>
+            <a:spLocks noGrp="1"/>
+          </p:cNvSpPr>
+          <p:nvPr>
+            <p:ph type="title"/>
+          </p:nvPr>
+        </p:nvSpPr>
+        <p:spPr/>
+        <p:txBody>
+          <a:bodyPr/>
+          <a:lstStyle/>
+          <a:p>
+            <a:r>
+              <a:rPr lang="en-US" dirty="0" smtClean="0"/>
+              <a:t>Experiment 1 – Normal Operation</a:t>
+            </a:r>
+            <a:endParaRPr lang="en-US" dirty="0"/>
+          </a:p>
+        </p:txBody>
+      </p:sp>
+      <p:sp>
+        <p:nvSpPr>
+          <p:cNvPr id="3" name="Content Placeholder 2"/>
+          <p:cNvSpPr>
+            <a:spLocks noGrp="1"/>
+          </p:cNvSpPr>
+          <p:nvPr>
+            <p:ph idx="1"/>
+          </p:nvPr>
+        </p:nvSpPr>
+        <p:spPr/>
+        <p:txBody>
+          <a:bodyPr/>
+          <a:lstStyle/>
+          <a:p>
+            <a:r>
+              <a:rPr lang="en-US" dirty="0" smtClean="0"/>
+              <a:t>Experiment compares the operation of a software defined radio radiometer to a traditional radiometer.  This compares data collected from the SDR to a square-law detector.  Data is collected and the data is calibrated to known noise temperatures by submerging a 50-ohm matched load into two known baths.  We will use ice water and Liquid Nitrogen (LN2) for our baths</a:t>
+            </a:r>
+            <a:endParaRPr lang="en-US" dirty="0"/>
+          </a:p>
+        </p:txBody>
+      </p:sp>
+    </p:spTree>
+    <p:extLst>
+      <p:ext uri="{BB962C8B-B14F-4D97-AF65-F5344CB8AC3E}">
+        <p14:creationId xmlns:p14="http://schemas.microsoft.com/office/powerpoint/2010/main" val="4019681919"/>
+      </p:ext>
+    </p:extLst>
+  </p:cSld>
+  <p:clrMapOvr>
+    <a:masterClrMapping/>
+  </p:clrMapOvr>
+</p:sld>
+</file>
+
+<file path=ppt/slides/slide32.xml><?xml version="1.0" encoding="utf-8"?>
+<p:sld xmlns:a="http://schemas.openxmlformats.org/drawingml/2006/main" xmlns:r="http://schemas.openxmlformats.org/officeDocument/2006/relationships" xmlns:p="http://schemas.openxmlformats.org/presentationml/2006/main">
+  <p:cSld>
+    <p:spTree>
+      <p:nvGrpSpPr>
+        <p:cNvPr id="1" name=""/>
+        <p:cNvGrpSpPr/>
+        <p:nvPr/>
+      </p:nvGrpSpPr>
+      <p:grpSpPr>
+        <a:xfrm>
+          <a:off x="0" y="0"/>
+          <a:ext cx="0" cy="0"/>
+          <a:chOff x="0" y="0"/>
+          <a:chExt cx="0" cy="0"/>
+        </a:xfrm>
+      </p:grpSpPr>
+      <p:sp>
+        <p:nvSpPr>
+          <p:cNvPr id="2" name="Title 1"/>
+          <p:cNvSpPr>
+            <a:spLocks noGrp="1"/>
+          </p:cNvSpPr>
+          <p:nvPr>
+            <p:ph type="title"/>
+          </p:nvPr>
+        </p:nvSpPr>
+        <p:spPr/>
+        <p:txBody>
+          <a:bodyPr/>
+          <a:lstStyle/>
+          <a:p>
+            <a:r>
+              <a:rPr lang="en-US" dirty="0" smtClean="0"/>
+              <a:t>Experiment 1 – Normal Operation</a:t>
+            </a:r>
+            <a:endParaRPr lang="en-US" dirty="0"/>
+          </a:p>
+        </p:txBody>
+      </p:sp>
+      <p:sp>
+        <p:nvSpPr>
+          <p:cNvPr id="3" name="Content Placeholder 2"/>
+          <p:cNvSpPr>
+            <a:spLocks noGrp="1"/>
+          </p:cNvSpPr>
+          <p:nvPr>
+            <p:ph idx="1"/>
+          </p:nvPr>
+        </p:nvSpPr>
+        <p:spPr/>
+        <p:txBody>
+          <a:bodyPr/>
+          <a:lstStyle/>
+          <a:p>
+            <a:r>
+              <a:rPr lang="en-US" dirty="0" smtClean="0"/>
+              <a:t>It should be noted that all graphs generated for these experiments was generated using Python.  More specifically they were generated using </a:t>
+            </a:r>
+            <a:r>
+              <a:rPr lang="en-US" dirty="0" err="1" smtClean="0"/>
+              <a:t>iPython</a:t>
+            </a:r>
+            <a:r>
+              <a:rPr lang="en-US" dirty="0" smtClean="0"/>
+              <a:t> Notebook, which allows the author to easily run python code within a browser and share the results as a web page.  This experiment for example can be found on the author’s webpage located here</a:t>
+            </a:r>
+          </a:p>
+          <a:p>
+            <a:endParaRPr lang="en-US" dirty="0"/>
+          </a:p>
+          <a:p>
+            <a:r>
+              <a:rPr lang="en-US" dirty="0" smtClean="0"/>
+              <a:t>All code, </a:t>
+            </a:r>
+            <a:r>
+              <a:rPr lang="en-US" dirty="0" err="1" smtClean="0"/>
+              <a:t>LaTeX</a:t>
+            </a:r>
+            <a:r>
+              <a:rPr lang="en-US" dirty="0" smtClean="0"/>
+              <a:t>, and supporting documents can also be found on the author’s GitHub page, located here:</a:t>
+            </a:r>
+            <a:endParaRPr lang="en-US" dirty="0"/>
+          </a:p>
+        </p:txBody>
+      </p:sp>
+    </p:spTree>
+    <p:extLst>
+      <p:ext uri="{BB962C8B-B14F-4D97-AF65-F5344CB8AC3E}">
+        <p14:creationId xmlns:p14="http://schemas.microsoft.com/office/powerpoint/2010/main" val="1155878023"/>
+      </p:ext>
+    </p:extLst>
+  </p:cSld>
+  <p:clrMapOvr>
+    <a:masterClrMapping/>
+  </p:clrMapOvr>
+</p:sld>
+</file>
+
+<file path=ppt/slides/slide33.xml><?xml version="1.0" encoding="utf-8"?>
+<p:sld xmlns:a="http://schemas.openxmlformats.org/drawingml/2006/main" xmlns:r="http://schemas.openxmlformats.org/officeDocument/2006/relationships" xmlns:p="http://schemas.openxmlformats.org/presentationml/2006/main">
+  <p:cSld>
+    <p:spTree>
+      <p:nvGrpSpPr>
+        <p:cNvPr id="1" name=""/>
+        <p:cNvGrpSpPr/>
+        <p:nvPr/>
+      </p:nvGrpSpPr>
+      <p:grpSpPr>
+        <a:xfrm>
+          <a:off x="0" y="0"/>
+          <a:ext cx="0" cy="0"/>
+          <a:chOff x="0" y="0"/>
+          <a:chExt cx="0" cy="0"/>
+        </a:xfrm>
+      </p:grpSpPr>
+      <p:sp>
+        <p:nvSpPr>
+          <p:cNvPr id="2" name="Title 1"/>
+          <p:cNvSpPr>
+            <a:spLocks noGrp="1"/>
+          </p:cNvSpPr>
+          <p:nvPr>
+            <p:ph type="title"/>
+          </p:nvPr>
+        </p:nvSpPr>
+        <p:spPr/>
+        <p:txBody>
+          <a:bodyPr/>
+          <a:lstStyle/>
+          <a:p>
+            <a:r>
+              <a:rPr lang="en-US" dirty="0" smtClean="0"/>
+              <a:t>Experiment 1 – Normal Operation</a:t>
+            </a:r>
+            <a:endParaRPr lang="en-US" dirty="0"/>
+          </a:p>
+        </p:txBody>
+      </p:sp>
+      <p:sp>
+        <p:nvSpPr>
+          <p:cNvPr id="3" name="Content Placeholder 2"/>
+          <p:cNvSpPr>
+            <a:spLocks noGrp="1"/>
+          </p:cNvSpPr>
+          <p:nvPr>
+            <p:ph idx="1"/>
+          </p:nvPr>
+        </p:nvSpPr>
+        <p:spPr/>
+        <p:txBody>
+          <a:bodyPr/>
+          <a:lstStyle/>
+          <a:p>
+            <a:r>
+              <a:rPr lang="en-US" dirty="0" smtClean="0"/>
+              <a:t>Let’s begin by looking at the software defined radio, and we will look for now at the </a:t>
+            </a:r>
+            <a:r>
+              <a:rPr lang="en-US" dirty="0" err="1" smtClean="0"/>
+              <a:t>rQ</a:t>
+            </a:r>
+            <a:r>
+              <a:rPr lang="en-US" dirty="0" smtClean="0"/>
+              <a:t> values recorded.</a:t>
+            </a:r>
+          </a:p>
+          <a:p>
+            <a:endParaRPr lang="en-US" dirty="0"/>
+          </a:p>
+        </p:txBody>
+      </p:sp>
+    </p:spTree>
+    <p:extLst>
+      <p:ext uri="{BB962C8B-B14F-4D97-AF65-F5344CB8AC3E}">
+        <p14:creationId xmlns:p14="http://schemas.microsoft.com/office/powerpoint/2010/main" val="2420267305"/>
+      </p:ext>
+    </p:extLst>
+  </p:cSld>
+  <p:clrMapOvr>
+    <a:masterClrMapping/>
+  </p:clrMapOvr>
+</p:sld>
+</file>
+
+<file path=ppt/slides/slide34.xml><?xml version="1.0" encoding="utf-8"?>
+<p:sld xmlns:a="http://schemas.openxmlformats.org/drawingml/2006/main" xmlns:r="http://schemas.openxmlformats.org/officeDocument/2006/relationships" xmlns:p="http://schemas.openxmlformats.org/presentationml/2006/main">
+  <p:cSld>
+    <p:spTree>
+      <p:nvGrpSpPr>
+        <p:cNvPr id="1" name=""/>
+        <p:cNvGrpSpPr/>
+        <p:nvPr/>
+      </p:nvGrpSpPr>
+      <p:grpSpPr>
+        <a:xfrm>
+          <a:off x="0" y="0"/>
+          <a:ext cx="0" cy="0"/>
+          <a:chOff x="0" y="0"/>
+          <a:chExt cx="0" cy="0"/>
+        </a:xfrm>
+      </p:grpSpPr>
+      <p:sp>
+        <p:nvSpPr>
+          <p:cNvPr id="2" name="Title 1"/>
+          <p:cNvSpPr>
+            <a:spLocks noGrp="1"/>
+          </p:cNvSpPr>
+          <p:nvPr>
+            <p:ph type="title"/>
+          </p:nvPr>
+        </p:nvSpPr>
+        <p:spPr/>
+        <p:txBody>
+          <a:bodyPr/>
+          <a:lstStyle/>
+          <a:p>
+            <a:r>
+              <a:rPr lang="en-US" dirty="0" smtClean="0"/>
+              <a:t>Experiment 1 – Normal Operation</a:t>
+            </a:r>
+            <a:endParaRPr lang="en-US" dirty="0"/>
+          </a:p>
+        </p:txBody>
+      </p:sp>
+      <p:sp>
+        <p:nvSpPr>
+          <p:cNvPr id="3" name="Content Placeholder 2"/>
+          <p:cNvSpPr>
+            <a:spLocks noGrp="1"/>
+          </p:cNvSpPr>
+          <p:nvPr>
+            <p:ph idx="1"/>
+          </p:nvPr>
+        </p:nvSpPr>
+        <p:spPr/>
+        <p:txBody>
+          <a:bodyPr/>
+          <a:lstStyle/>
+          <a:p>
+            <a:r>
+              <a:rPr lang="en-US" dirty="0" smtClean="0"/>
+              <a:t>Let’s begin by looking at the software defined radio, and we will look for now at the </a:t>
+            </a:r>
+            <a:r>
+              <a:rPr lang="en-US" dirty="0" err="1" smtClean="0"/>
+              <a:t>rQ</a:t>
+            </a:r>
+            <a:r>
+              <a:rPr lang="en-US" dirty="0" smtClean="0"/>
+              <a:t> values recorded.</a:t>
+            </a:r>
+          </a:p>
+          <a:p>
+            <a:endParaRPr lang="en-US" dirty="0"/>
+          </a:p>
+        </p:txBody>
+      </p:sp>
+    </p:spTree>
+    <p:extLst>
+      <p:ext uri="{BB962C8B-B14F-4D97-AF65-F5344CB8AC3E}">
+        <p14:creationId xmlns:p14="http://schemas.microsoft.com/office/powerpoint/2010/main" val="533168296"/>
+      </p:ext>
+    </p:extLst>
+  </p:cSld>
+  <p:clrMapOvr>
+    <a:masterClrMapping/>
+  </p:clrMapOvr>
+</p:sld>
+</file>
+
+<file path=ppt/slides/slide35.xml><?xml version="1.0" encoding="utf-8"?>
+<p:sld xmlns:a="http://schemas.openxmlformats.org/drawingml/2006/main" xmlns:r="http://schemas.openxmlformats.org/officeDocument/2006/relationships" xmlns:p="http://schemas.openxmlformats.org/presentationml/2006/main">
+  <p:cSld>
+    <p:spTree>
+      <p:nvGrpSpPr>
+        <p:cNvPr id="1" name=""/>
+        <p:cNvGrpSpPr/>
+        <p:nvPr/>
+      </p:nvGrpSpPr>
+      <p:grpSpPr>
+        <a:xfrm>
+          <a:off x="0" y="0"/>
+          <a:ext cx="0" cy="0"/>
+          <a:chOff x="0" y="0"/>
+          <a:chExt cx="0" cy="0"/>
+        </a:xfrm>
+      </p:grpSpPr>
+      <p:sp>
+        <p:nvSpPr>
+          <p:cNvPr id="2" name="Title 1"/>
+          <p:cNvSpPr>
+            <a:spLocks noGrp="1"/>
+          </p:cNvSpPr>
+          <p:nvPr>
+            <p:ph type="title"/>
+          </p:nvPr>
+        </p:nvSpPr>
+        <p:spPr/>
+        <p:txBody>
+          <a:bodyPr/>
+          <a:lstStyle/>
+          <a:p>
+            <a:r>
+              <a:rPr lang="en-US" dirty="0" smtClean="0"/>
+              <a:t>Experiment 1 – Normal Operation</a:t>
+            </a:r>
+            <a:endParaRPr lang="en-US" dirty="0"/>
+          </a:p>
+        </p:txBody>
+      </p:sp>
+      <p:sp>
+        <p:nvSpPr>
+          <p:cNvPr id="3" name="Content Placeholder 2"/>
+          <p:cNvSpPr>
+            <a:spLocks noGrp="1"/>
+          </p:cNvSpPr>
+          <p:nvPr>
+            <p:ph idx="1"/>
+          </p:nvPr>
+        </p:nvSpPr>
+        <p:spPr/>
+        <p:txBody>
+          <a:bodyPr/>
+          <a:lstStyle/>
+          <a:p>
+            <a:r>
+              <a:rPr lang="en-US" dirty="0" smtClean="0"/>
+              <a:t>Let’s begin by looking at the software defined radio, and we will look for now at the </a:t>
+            </a:r>
+            <a:r>
+              <a:rPr lang="en-US" dirty="0" err="1" smtClean="0"/>
+              <a:t>rQ</a:t>
+            </a:r>
+            <a:r>
+              <a:rPr lang="en-US" dirty="0" smtClean="0"/>
+              <a:t> values recorded.</a:t>
+            </a:r>
+          </a:p>
+          <a:p>
+            <a:endParaRPr lang="en-US" dirty="0"/>
+          </a:p>
+        </p:txBody>
+      </p:sp>
+    </p:spTree>
+    <p:extLst>
+      <p:ext uri="{BB962C8B-B14F-4D97-AF65-F5344CB8AC3E}">
+        <p14:creationId xmlns:p14="http://schemas.microsoft.com/office/powerpoint/2010/main" val="449229670"/>
+      </p:ext>
+    </p:extLst>
+  </p:cSld>
+  <p:clrMapOvr>
+    <a:masterClrMapping/>
+  </p:clrMapOvr>
+</p:sld>
+</file>
+
+<file path=ppt/slides/slide36.xml><?xml version="1.0" encoding="utf-8"?>
+<p:sld xmlns:a="http://schemas.openxmlformats.org/drawingml/2006/main" xmlns:r="http://schemas.openxmlformats.org/officeDocument/2006/relationships" xmlns:p="http://schemas.openxmlformats.org/presentationml/2006/main">
+  <p:cSld>
+    <p:spTree>
+      <p:nvGrpSpPr>
+        <p:cNvPr id="1" name=""/>
+        <p:cNvGrpSpPr/>
+        <p:nvPr/>
+      </p:nvGrpSpPr>
+      <p:grpSpPr>
+        <a:xfrm>
+          <a:off x="0" y="0"/>
+          <a:ext cx="0" cy="0"/>
+          <a:chOff x="0" y="0"/>
+          <a:chExt cx="0" cy="0"/>
+        </a:xfrm>
+      </p:grpSpPr>
+      <p:sp>
+        <p:nvSpPr>
+          <p:cNvPr id="2" name="Title 1"/>
+          <p:cNvSpPr>
+            <a:spLocks noGrp="1"/>
+          </p:cNvSpPr>
+          <p:nvPr>
+            <p:ph type="title"/>
+          </p:nvPr>
+        </p:nvSpPr>
+        <p:spPr/>
+        <p:txBody>
+          <a:bodyPr/>
+          <a:lstStyle/>
+          <a:p>
+            <a:r>
+              <a:rPr lang="en-US" dirty="0" smtClean="0"/>
+              <a:t>Experiment 1 – Normal Operation</a:t>
+            </a:r>
+            <a:endParaRPr lang="en-US" dirty="0"/>
+          </a:p>
+        </p:txBody>
+      </p:sp>
+      <p:sp>
+        <p:nvSpPr>
+          <p:cNvPr id="3" name="Content Placeholder 2"/>
+          <p:cNvSpPr>
+            <a:spLocks noGrp="1"/>
+          </p:cNvSpPr>
+          <p:nvPr>
+            <p:ph idx="1"/>
+          </p:nvPr>
+        </p:nvSpPr>
+        <p:spPr/>
+        <p:txBody>
+          <a:bodyPr/>
+          <a:lstStyle/>
+          <a:p>
+            <a:r>
+              <a:rPr lang="en-US" dirty="0" smtClean="0"/>
+              <a:t>Let’s begin by looking at the software defined radio, and we will look for now at the </a:t>
+            </a:r>
+            <a:r>
+              <a:rPr lang="en-US" dirty="0" err="1" smtClean="0"/>
+              <a:t>rQ</a:t>
+            </a:r>
+            <a:r>
+              <a:rPr lang="en-US" dirty="0" smtClean="0"/>
+              <a:t> values recorded.</a:t>
+            </a:r>
+          </a:p>
+          <a:p>
+            <a:endParaRPr lang="en-US" dirty="0"/>
+          </a:p>
+        </p:txBody>
+      </p:sp>
+    </p:spTree>
+    <p:extLst>
+      <p:ext uri="{BB962C8B-B14F-4D97-AF65-F5344CB8AC3E}">
+        <p14:creationId xmlns:p14="http://schemas.microsoft.com/office/powerpoint/2010/main" val="2588464125"/>
+      </p:ext>
+    </p:extLst>
+  </p:cSld>
+  <p:clrMapOvr>
+    <a:masterClrMapping/>
+  </p:clrMapOvr>
 </p:sld>
 </file>
 
@@ -9563,7 +11542,7 @@
   <p:timing>
     <p:tnLst>
       <p:par>
-        <p:cTn xmlns:p14="http://schemas.microsoft.com/office/powerpoint/2010/main" id="1" dur="indefinite" restart="never" nodeType="tmRoot"/>
+        <p:cTn id="1" dur="indefinite" restart="never" nodeType="tmRoot"/>
       </p:par>
     </p:tnLst>
   </p:timing>
@@ -9936,7 +11915,7 @@
   <p:timing>
     <p:tnLst>
       <p:par>
-        <p:cTn xmlns:p14="http://schemas.microsoft.com/office/powerpoint/2010/main" id="1" dur="indefinite" restart="never" nodeType="tmRoot"/>
+        <p:cTn id="1" dur="indefinite" restart="never" nodeType="tmRoot"/>
       </p:par>
     </p:tnLst>
   </p:timing>
@@ -10054,7 +12033,7 @@
   <p:timing>
     <p:tnLst>
       <p:par>
-        <p:cTn xmlns:p14="http://schemas.microsoft.com/office/powerpoint/2010/main" id="1" dur="indefinite" restart="never" nodeType="tmRoot"/>
+        <p:cTn id="1" dur="indefinite" restart="never" nodeType="tmRoot"/>
       </p:par>
     </p:tnLst>
   </p:timing>
@@ -10222,7 +12201,7 @@
   <p:timing>
     <p:tnLst>
       <p:par>
-        <p:cTn xmlns:p14="http://schemas.microsoft.com/office/powerpoint/2010/main" id="1" dur="indefinite" restart="never" nodeType="tmRoot"/>
+        <p:cTn id="1" dur="indefinite" restart="never" nodeType="tmRoot"/>
       </p:par>
     </p:tnLst>
   </p:timing>
@@ -10398,7 +12377,7 @@
   <p:timing>
     <p:tnLst>
       <p:par>
-        <p:cTn xmlns:p14="http://schemas.microsoft.com/office/powerpoint/2010/main" id="1" dur="indefinite" restart="never" nodeType="tmRoot"/>
+        <p:cTn id="1" dur="indefinite" restart="never" nodeType="tmRoot"/>
       </p:par>
     </p:tnLst>
   </p:timing>
@@ -10544,7 +12523,7 @@
   <p:timing>
     <p:tnLst>
       <p:par>
-        <p:cTn xmlns:p14="http://schemas.microsoft.com/office/powerpoint/2010/main" id="1" dur="indefinite" restart="never" nodeType="tmRoot"/>
+        <p:cTn id="1" dur="indefinite" restart="never" nodeType="tmRoot"/>
       </p:par>
     </p:tnLst>
   </p:timing>
@@ -10828,7 +12807,7 @@
   <a:extraClrSchemeLst/>
   <a:extLst>
     <a:ext uri="{05A4C25C-085E-4340-85A3-A5531E510DB2}">
-      <thm15:themeFamily xmlns:thm15="http://schemas.microsoft.com/office/thememl/2012/main" xmlns="" name="Retrospect" id="{5F128B03-DCCA-4EEB-AB3B-CF2899314A46}" vid="{02006FA4-1611-4B07-AF7F-85CF6D20EB3E}"/>
+      <thm15:themeFamily xmlns:thm15="http://schemas.microsoft.com/office/thememl/2012/main" name="Retrospect" id="{5F128B03-DCCA-4EEB-AB3B-CF2899314A46}" vid="{02006FA4-1611-4B07-AF7F-85CF6D20EB3E}"/>
     </a:ext>
   </a:extLst>
 </a:theme>
@@ -11089,7 +13068,7 @@
   <a:extraClrSchemeLst/>
   <a:extLst>
     <a:ext uri="{05A4C25C-085E-4340-85A3-A5531E510DB2}">
-      <thm15:themeFamily xmlns:thm15="http://schemas.microsoft.com/office/thememl/2012/main" xmlns="" name="Office Theme" id="{62F939B6-93AF-4DB8-9C6B-D6C7DFDC589F}" vid="{4A3C46E8-61CC-4603-A589-7422A47A8E4A}"/>
+      <thm15:themeFamily xmlns:thm15="http://schemas.microsoft.com/office/thememl/2012/main" name="Office Theme" id="{62F939B6-93AF-4DB8-9C6B-D6C7DFDC589F}" vid="{4A3C46E8-61CC-4603-A589-7422A47A8E4A}"/>
     </a:ext>
   </a:extLst>
 </a:theme>
